--- a/journalWallFriction/pictures/pdf/differentNumSides.pptx
+++ b/journalWallFriction/pictures/pdf/differentNumSides.pptx
@@ -2,12 +2,12 @@
 <file path=ppt/presentation.xml><?xml version="1.0" encoding="utf-8"?>
 <p:presentation xmlns:a="http://schemas.openxmlformats.org/drawingml/2006/main" xmlns:r="http://schemas.openxmlformats.org/officeDocument/2006/relationships" xmlns:p="http://schemas.openxmlformats.org/presentationml/2006/main" saveSubsetFonts="1" autoCompressPictures="0">
   <p:sldMasterIdLst>
-    <p:sldMasterId id="2147483696" r:id="rId1"/>
+    <p:sldMasterId id="2147483720" r:id="rId1"/>
   </p:sldMasterIdLst>
   <p:sldIdLst>
     <p:sldId id="256" r:id="rId2"/>
   </p:sldIdLst>
-  <p:sldSz cx="4572000" cy="10972800"/>
+  <p:sldSz cx="4572000" cy="12801600"/>
   <p:notesSz cx="6858000" cy="9144000"/>
   <p:defaultTextStyle>
     <a:defPPr>
@@ -141,8 +141,8 @@
         </p:nvSpPr>
         <p:spPr>
           <a:xfrm>
-            <a:off x="342900" y="1795781"/>
-            <a:ext cx="3886200" cy="3820160"/>
+            <a:off x="342900" y="2095078"/>
+            <a:ext cx="3886200" cy="4456853"/>
           </a:xfrm>
         </p:spPr>
         <p:txBody>
@@ -154,7 +154,7 @@
           </a:lstStyle>
           <a:p>
             <a:r>
-              <a:rPr lang="en-US" smtClean="0"/>
+              <a:rPr lang="en-US"/>
               <a:t>Click to edit Master title style</a:t>
             </a:r>
             <a:endParaRPr lang="en-US" dirty="0"/>
@@ -173,8 +173,8 @@
         </p:nvSpPr>
         <p:spPr>
           <a:xfrm>
-            <a:off x="571500" y="5763261"/>
-            <a:ext cx="3429000" cy="2649219"/>
+            <a:off x="571500" y="6723804"/>
+            <a:ext cx="3429000" cy="3090756"/>
           </a:xfrm>
         </p:spPr>
         <p:txBody>
@@ -219,7 +219,7 @@
           </a:lstStyle>
           <a:p>
             <a:r>
-              <a:rPr lang="en-US" smtClean="0"/>
+              <a:rPr lang="en-US"/>
               <a:t>Click to edit Master subtitle style</a:t>
             </a:r>
             <a:endParaRPr lang="en-US" dirty="0"/>
@@ -243,7 +243,7 @@
           <a:p>
             <a:fld id="{BD5E1F6D-FFA6-BC44-B9B8-BBE6A1110E96}" type="datetimeFigureOut">
               <a:rPr lang="en-US" smtClean="0"/>
-              <a:t>1/10/18</a:t>
+              <a:t>5/7/18</a:t>
             </a:fld>
             <a:endParaRPr lang="en-US"/>
           </a:p>
@@ -292,6 +292,11 @@
         </p:txBody>
       </p:sp>
     </p:spTree>
+    <p:extLst>
+      <p:ext uri="{BB962C8B-B14F-4D97-AF65-F5344CB8AC3E}">
+        <p14:creationId xmlns:p14="http://schemas.microsoft.com/office/powerpoint/2010/main" val="897397458"/>
+      </p:ext>
+    </p:extLst>
   </p:cSld>
   <p:clrMapOvr>
     <a:masterClrMapping/>
@@ -332,7 +337,7 @@
           <a:lstStyle/>
           <a:p>
             <a:r>
-              <a:rPr lang="en-US" smtClean="0"/>
+              <a:rPr lang="en-US"/>
               <a:t>Click to edit Master title style</a:t>
             </a:r>
             <a:endParaRPr lang="en-US" dirty="0"/>
@@ -356,35 +361,35 @@
           <a:p>
             <a:pPr lvl="0"/>
             <a:r>
-              <a:rPr lang="en-US" smtClean="0"/>
-              <a:t>Click to edit Master text styles</a:t>
+              <a:rPr lang="en-US"/>
+              <a:t>Edit Master text styles</a:t>
             </a:r>
           </a:p>
           <a:p>
             <a:pPr lvl="1"/>
             <a:r>
-              <a:rPr lang="en-US" smtClean="0"/>
+              <a:rPr lang="en-US"/>
               <a:t>Second level</a:t>
             </a:r>
           </a:p>
           <a:p>
             <a:pPr lvl="2"/>
             <a:r>
-              <a:rPr lang="en-US" smtClean="0"/>
+              <a:rPr lang="en-US"/>
               <a:t>Third level</a:t>
             </a:r>
           </a:p>
           <a:p>
             <a:pPr lvl="3"/>
             <a:r>
-              <a:rPr lang="en-US" smtClean="0"/>
+              <a:rPr lang="en-US"/>
               <a:t>Fourth level</a:t>
             </a:r>
           </a:p>
           <a:p>
             <a:pPr lvl="4"/>
             <a:r>
-              <a:rPr lang="en-US" smtClean="0"/>
+              <a:rPr lang="en-US"/>
               <a:t>Fifth level</a:t>
             </a:r>
             <a:endParaRPr lang="en-US" dirty="0"/>
@@ -408,7 +413,7 @@
           <a:p>
             <a:fld id="{BD5E1F6D-FFA6-BC44-B9B8-BBE6A1110E96}" type="datetimeFigureOut">
               <a:rPr lang="en-US" smtClean="0"/>
-              <a:t>1/10/18</a:t>
+              <a:t>5/7/18</a:t>
             </a:fld>
             <a:endParaRPr lang="en-US"/>
           </a:p>
@@ -457,6 +462,11 @@
         </p:txBody>
       </p:sp>
     </p:spTree>
+    <p:extLst>
+      <p:ext uri="{BB962C8B-B14F-4D97-AF65-F5344CB8AC3E}">
+        <p14:creationId xmlns:p14="http://schemas.microsoft.com/office/powerpoint/2010/main" val="1286140574"/>
+      </p:ext>
+    </p:extLst>
   </p:cSld>
   <p:clrMapOvr>
     <a:masterClrMapping/>
@@ -493,8 +503,8 @@
         </p:nvSpPr>
         <p:spPr>
           <a:xfrm>
-            <a:off x="3271838" y="584200"/>
-            <a:ext cx="985838" cy="9298941"/>
+            <a:off x="3271838" y="681567"/>
+            <a:ext cx="985838" cy="10848764"/>
           </a:xfrm>
         </p:spPr>
         <p:txBody>
@@ -502,7 +512,7 @@
           <a:lstStyle/>
           <a:p>
             <a:r>
-              <a:rPr lang="en-US" smtClean="0"/>
+              <a:rPr lang="en-US"/>
               <a:t>Click to edit Master title style</a:t>
             </a:r>
             <a:endParaRPr lang="en-US" dirty="0"/>
@@ -521,8 +531,8 @@
         </p:nvSpPr>
         <p:spPr>
           <a:xfrm>
-            <a:off x="314325" y="584200"/>
-            <a:ext cx="2900363" cy="9298941"/>
+            <a:off x="314325" y="681567"/>
+            <a:ext cx="2900363" cy="10848764"/>
           </a:xfrm>
         </p:spPr>
         <p:txBody>
@@ -531,35 +541,35 @@
           <a:p>
             <a:pPr lvl="0"/>
             <a:r>
-              <a:rPr lang="en-US" smtClean="0"/>
-              <a:t>Click to edit Master text styles</a:t>
+              <a:rPr lang="en-US"/>
+              <a:t>Edit Master text styles</a:t>
             </a:r>
           </a:p>
           <a:p>
             <a:pPr lvl="1"/>
             <a:r>
-              <a:rPr lang="en-US" smtClean="0"/>
+              <a:rPr lang="en-US"/>
               <a:t>Second level</a:t>
             </a:r>
           </a:p>
           <a:p>
             <a:pPr lvl="2"/>
             <a:r>
-              <a:rPr lang="en-US" smtClean="0"/>
+              <a:rPr lang="en-US"/>
               <a:t>Third level</a:t>
             </a:r>
           </a:p>
           <a:p>
             <a:pPr lvl="3"/>
             <a:r>
-              <a:rPr lang="en-US" smtClean="0"/>
+              <a:rPr lang="en-US"/>
               <a:t>Fourth level</a:t>
             </a:r>
           </a:p>
           <a:p>
             <a:pPr lvl="4"/>
             <a:r>
-              <a:rPr lang="en-US" smtClean="0"/>
+              <a:rPr lang="en-US"/>
               <a:t>Fifth level</a:t>
             </a:r>
             <a:endParaRPr lang="en-US" dirty="0"/>
@@ -583,7 +593,7 @@
           <a:p>
             <a:fld id="{BD5E1F6D-FFA6-BC44-B9B8-BBE6A1110E96}" type="datetimeFigureOut">
               <a:rPr lang="en-US" smtClean="0"/>
-              <a:t>1/10/18</a:t>
+              <a:t>5/7/18</a:t>
             </a:fld>
             <a:endParaRPr lang="en-US"/>
           </a:p>
@@ -632,6 +642,11 @@
         </p:txBody>
       </p:sp>
     </p:spTree>
+    <p:extLst>
+      <p:ext uri="{BB962C8B-B14F-4D97-AF65-F5344CB8AC3E}">
+        <p14:creationId xmlns:p14="http://schemas.microsoft.com/office/powerpoint/2010/main" val="599556501"/>
+      </p:ext>
+    </p:extLst>
   </p:cSld>
   <p:clrMapOvr>
     <a:masterClrMapping/>
@@ -672,7 +687,7 @@
           <a:lstStyle/>
           <a:p>
             <a:r>
-              <a:rPr lang="en-US" smtClean="0"/>
+              <a:rPr lang="en-US"/>
               <a:t>Click to edit Master title style</a:t>
             </a:r>
             <a:endParaRPr lang="en-US" dirty="0"/>
@@ -696,35 +711,35 @@
           <a:p>
             <a:pPr lvl="0"/>
             <a:r>
-              <a:rPr lang="en-US" smtClean="0"/>
-              <a:t>Click to edit Master text styles</a:t>
+              <a:rPr lang="en-US"/>
+              <a:t>Edit Master text styles</a:t>
             </a:r>
           </a:p>
           <a:p>
             <a:pPr lvl="1"/>
             <a:r>
-              <a:rPr lang="en-US" smtClean="0"/>
+              <a:rPr lang="en-US"/>
               <a:t>Second level</a:t>
             </a:r>
           </a:p>
           <a:p>
             <a:pPr lvl="2"/>
             <a:r>
-              <a:rPr lang="en-US" smtClean="0"/>
+              <a:rPr lang="en-US"/>
               <a:t>Third level</a:t>
             </a:r>
           </a:p>
           <a:p>
             <a:pPr lvl="3"/>
             <a:r>
-              <a:rPr lang="en-US" smtClean="0"/>
+              <a:rPr lang="en-US"/>
               <a:t>Fourth level</a:t>
             </a:r>
           </a:p>
           <a:p>
             <a:pPr lvl="4"/>
             <a:r>
-              <a:rPr lang="en-US" smtClean="0"/>
+              <a:rPr lang="en-US"/>
               <a:t>Fifth level</a:t>
             </a:r>
             <a:endParaRPr lang="en-US" dirty="0"/>
@@ -748,7 +763,7 @@
           <a:p>
             <a:fld id="{BD5E1F6D-FFA6-BC44-B9B8-BBE6A1110E96}" type="datetimeFigureOut">
               <a:rPr lang="en-US" smtClean="0"/>
-              <a:t>1/10/18</a:t>
+              <a:t>5/7/18</a:t>
             </a:fld>
             <a:endParaRPr lang="en-US"/>
           </a:p>
@@ -797,6 +812,11 @@
         </p:txBody>
       </p:sp>
     </p:spTree>
+    <p:extLst>
+      <p:ext uri="{BB962C8B-B14F-4D97-AF65-F5344CB8AC3E}">
+        <p14:creationId xmlns:p14="http://schemas.microsoft.com/office/powerpoint/2010/main" val="2035452050"/>
+      </p:ext>
+    </p:extLst>
   </p:cSld>
   <p:clrMapOvr>
     <a:masterClrMapping/>
@@ -833,8 +853,8 @@
         </p:nvSpPr>
         <p:spPr>
           <a:xfrm>
-            <a:off x="311944" y="2735583"/>
-            <a:ext cx="3943350" cy="4564379"/>
+            <a:off x="311944" y="3191514"/>
+            <a:ext cx="3943350" cy="5325109"/>
           </a:xfrm>
         </p:spPr>
         <p:txBody>
@@ -846,7 +866,7 @@
           </a:lstStyle>
           <a:p>
             <a:r>
-              <a:rPr lang="en-US" smtClean="0"/>
+              <a:rPr lang="en-US"/>
               <a:t>Click to edit Master title style</a:t>
             </a:r>
             <a:endParaRPr lang="en-US" dirty="0"/>
@@ -865,8 +885,8 @@
         </p:nvSpPr>
         <p:spPr>
           <a:xfrm>
-            <a:off x="311944" y="7343143"/>
-            <a:ext cx="3943350" cy="2400299"/>
+            <a:off x="311944" y="8567000"/>
+            <a:ext cx="3943350" cy="2800349"/>
           </a:xfrm>
         </p:spPr>
         <p:txBody>
@@ -964,8 +984,8 @@
           <a:p>
             <a:pPr lvl="0"/>
             <a:r>
-              <a:rPr lang="en-US" smtClean="0"/>
-              <a:t>Click to edit Master text styles</a:t>
+              <a:rPr lang="en-US"/>
+              <a:t>Edit Master text styles</a:t>
             </a:r>
           </a:p>
         </p:txBody>
@@ -987,7 +1007,7 @@
           <a:p>
             <a:fld id="{BD5E1F6D-FFA6-BC44-B9B8-BBE6A1110E96}" type="datetimeFigureOut">
               <a:rPr lang="en-US" smtClean="0"/>
-              <a:t>1/10/18</a:t>
+              <a:t>5/7/18</a:t>
             </a:fld>
             <a:endParaRPr lang="en-US"/>
           </a:p>
@@ -1036,6 +1056,11 @@
         </p:txBody>
       </p:sp>
     </p:spTree>
+    <p:extLst>
+      <p:ext uri="{BB962C8B-B14F-4D97-AF65-F5344CB8AC3E}">
+        <p14:creationId xmlns:p14="http://schemas.microsoft.com/office/powerpoint/2010/main" val="818378953"/>
+      </p:ext>
+    </p:extLst>
   </p:cSld>
   <p:clrMapOvr>
     <a:masterClrMapping/>
@@ -1076,7 +1101,7 @@
           <a:lstStyle/>
           <a:p>
             <a:r>
-              <a:rPr lang="en-US" smtClean="0"/>
+              <a:rPr lang="en-US"/>
               <a:t>Click to edit Master title style</a:t>
             </a:r>
             <a:endParaRPr lang="en-US" dirty="0"/>
@@ -1095,8 +1120,8 @@
         </p:nvSpPr>
         <p:spPr>
           <a:xfrm>
-            <a:off x="314325" y="2921000"/>
-            <a:ext cx="1943100" cy="6962141"/>
+            <a:off x="314325" y="3407833"/>
+            <a:ext cx="1943100" cy="8122498"/>
           </a:xfrm>
         </p:spPr>
         <p:txBody>
@@ -1105,35 +1130,35 @@
           <a:p>
             <a:pPr lvl="0"/>
             <a:r>
-              <a:rPr lang="en-US" smtClean="0"/>
-              <a:t>Click to edit Master text styles</a:t>
+              <a:rPr lang="en-US"/>
+              <a:t>Edit Master text styles</a:t>
             </a:r>
           </a:p>
           <a:p>
             <a:pPr lvl="1"/>
             <a:r>
-              <a:rPr lang="en-US" smtClean="0"/>
+              <a:rPr lang="en-US"/>
               <a:t>Second level</a:t>
             </a:r>
           </a:p>
           <a:p>
             <a:pPr lvl="2"/>
             <a:r>
-              <a:rPr lang="en-US" smtClean="0"/>
+              <a:rPr lang="en-US"/>
               <a:t>Third level</a:t>
             </a:r>
           </a:p>
           <a:p>
             <a:pPr lvl="3"/>
             <a:r>
-              <a:rPr lang="en-US" smtClean="0"/>
+              <a:rPr lang="en-US"/>
               <a:t>Fourth level</a:t>
             </a:r>
           </a:p>
           <a:p>
             <a:pPr lvl="4"/>
             <a:r>
-              <a:rPr lang="en-US" smtClean="0"/>
+              <a:rPr lang="en-US"/>
               <a:t>Fifth level</a:t>
             </a:r>
             <a:endParaRPr lang="en-US" dirty="0"/>
@@ -1152,8 +1177,8 @@
         </p:nvSpPr>
         <p:spPr>
           <a:xfrm>
-            <a:off x="2314575" y="2921000"/>
-            <a:ext cx="1943100" cy="6962141"/>
+            <a:off x="2314575" y="3407833"/>
+            <a:ext cx="1943100" cy="8122498"/>
           </a:xfrm>
         </p:spPr>
         <p:txBody>
@@ -1162,35 +1187,35 @@
           <a:p>
             <a:pPr lvl="0"/>
             <a:r>
-              <a:rPr lang="en-US" smtClean="0"/>
-              <a:t>Click to edit Master text styles</a:t>
+              <a:rPr lang="en-US"/>
+              <a:t>Edit Master text styles</a:t>
             </a:r>
           </a:p>
           <a:p>
             <a:pPr lvl="1"/>
             <a:r>
-              <a:rPr lang="en-US" smtClean="0"/>
+              <a:rPr lang="en-US"/>
               <a:t>Second level</a:t>
             </a:r>
           </a:p>
           <a:p>
             <a:pPr lvl="2"/>
             <a:r>
-              <a:rPr lang="en-US" smtClean="0"/>
+              <a:rPr lang="en-US"/>
               <a:t>Third level</a:t>
             </a:r>
           </a:p>
           <a:p>
             <a:pPr lvl="3"/>
             <a:r>
-              <a:rPr lang="en-US" smtClean="0"/>
+              <a:rPr lang="en-US"/>
               <a:t>Fourth level</a:t>
             </a:r>
           </a:p>
           <a:p>
             <a:pPr lvl="4"/>
             <a:r>
-              <a:rPr lang="en-US" smtClean="0"/>
+              <a:rPr lang="en-US"/>
               <a:t>Fifth level</a:t>
             </a:r>
             <a:endParaRPr lang="en-US" dirty="0"/>
@@ -1214,7 +1239,7 @@
           <a:p>
             <a:fld id="{BD5E1F6D-FFA6-BC44-B9B8-BBE6A1110E96}" type="datetimeFigureOut">
               <a:rPr lang="en-US" smtClean="0"/>
-              <a:t>1/10/18</a:t>
+              <a:t>5/7/18</a:t>
             </a:fld>
             <a:endParaRPr lang="en-US"/>
           </a:p>
@@ -1263,6 +1288,11 @@
         </p:txBody>
       </p:sp>
     </p:spTree>
+    <p:extLst>
+      <p:ext uri="{BB962C8B-B14F-4D97-AF65-F5344CB8AC3E}">
+        <p14:creationId xmlns:p14="http://schemas.microsoft.com/office/powerpoint/2010/main" val="1784008837"/>
+      </p:ext>
+    </p:extLst>
   </p:cSld>
   <p:clrMapOvr>
     <a:masterClrMapping/>
@@ -1299,8 +1329,8 @@
         </p:nvSpPr>
         <p:spPr>
           <a:xfrm>
-            <a:off x="314921" y="584202"/>
-            <a:ext cx="3943350" cy="2120901"/>
+            <a:off x="314921" y="681570"/>
+            <a:ext cx="3943350" cy="2474384"/>
           </a:xfrm>
         </p:spPr>
         <p:txBody>
@@ -1308,7 +1338,7 @@
           <a:lstStyle/>
           <a:p>
             <a:r>
-              <a:rPr lang="en-US" smtClean="0"/>
+              <a:rPr lang="en-US"/>
               <a:t>Click to edit Master title style</a:t>
             </a:r>
             <a:endParaRPr lang="en-US" dirty="0"/>
@@ -1327,8 +1357,8 @@
         </p:nvSpPr>
         <p:spPr>
           <a:xfrm>
-            <a:off x="314921" y="2689861"/>
-            <a:ext cx="1934170" cy="1318259"/>
+            <a:off x="314921" y="3138171"/>
+            <a:ext cx="1934170" cy="1537969"/>
           </a:xfrm>
         </p:spPr>
         <p:txBody>
@@ -1374,8 +1404,8 @@
           <a:p>
             <a:pPr lvl="0"/>
             <a:r>
-              <a:rPr lang="en-US" smtClean="0"/>
-              <a:t>Click to edit Master text styles</a:t>
+              <a:rPr lang="en-US"/>
+              <a:t>Edit Master text styles</a:t>
             </a:r>
           </a:p>
         </p:txBody>
@@ -1392,8 +1422,8 @@
         </p:nvSpPr>
         <p:spPr>
           <a:xfrm>
-            <a:off x="314921" y="4008120"/>
-            <a:ext cx="1934170" cy="5895341"/>
+            <a:off x="314921" y="4676140"/>
+            <a:ext cx="1934170" cy="6877898"/>
           </a:xfrm>
         </p:spPr>
         <p:txBody>
@@ -1402,35 +1432,35 @@
           <a:p>
             <a:pPr lvl="0"/>
             <a:r>
-              <a:rPr lang="en-US" smtClean="0"/>
-              <a:t>Click to edit Master text styles</a:t>
+              <a:rPr lang="en-US"/>
+              <a:t>Edit Master text styles</a:t>
             </a:r>
           </a:p>
           <a:p>
             <a:pPr lvl="1"/>
             <a:r>
-              <a:rPr lang="en-US" smtClean="0"/>
+              <a:rPr lang="en-US"/>
               <a:t>Second level</a:t>
             </a:r>
           </a:p>
           <a:p>
             <a:pPr lvl="2"/>
             <a:r>
-              <a:rPr lang="en-US" smtClean="0"/>
+              <a:rPr lang="en-US"/>
               <a:t>Third level</a:t>
             </a:r>
           </a:p>
           <a:p>
             <a:pPr lvl="3"/>
             <a:r>
-              <a:rPr lang="en-US" smtClean="0"/>
+              <a:rPr lang="en-US"/>
               <a:t>Fourth level</a:t>
             </a:r>
           </a:p>
           <a:p>
             <a:pPr lvl="4"/>
             <a:r>
-              <a:rPr lang="en-US" smtClean="0"/>
+              <a:rPr lang="en-US"/>
               <a:t>Fifth level</a:t>
             </a:r>
             <a:endParaRPr lang="en-US" dirty="0"/>
@@ -1449,8 +1479,8 @@
         </p:nvSpPr>
         <p:spPr>
           <a:xfrm>
-            <a:off x="2314575" y="2689861"/>
-            <a:ext cx="1943696" cy="1318259"/>
+            <a:off x="2314575" y="3138171"/>
+            <a:ext cx="1943696" cy="1537969"/>
           </a:xfrm>
         </p:spPr>
         <p:txBody>
@@ -1496,8 +1526,8 @@
           <a:p>
             <a:pPr lvl="0"/>
             <a:r>
-              <a:rPr lang="en-US" smtClean="0"/>
-              <a:t>Click to edit Master text styles</a:t>
+              <a:rPr lang="en-US"/>
+              <a:t>Edit Master text styles</a:t>
             </a:r>
           </a:p>
         </p:txBody>
@@ -1514,8 +1544,8 @@
         </p:nvSpPr>
         <p:spPr>
           <a:xfrm>
-            <a:off x="2314575" y="4008120"/>
-            <a:ext cx="1943696" cy="5895341"/>
+            <a:off x="2314575" y="4676140"/>
+            <a:ext cx="1943696" cy="6877898"/>
           </a:xfrm>
         </p:spPr>
         <p:txBody>
@@ -1524,35 +1554,35 @@
           <a:p>
             <a:pPr lvl="0"/>
             <a:r>
-              <a:rPr lang="en-US" smtClean="0"/>
-              <a:t>Click to edit Master text styles</a:t>
+              <a:rPr lang="en-US"/>
+              <a:t>Edit Master text styles</a:t>
             </a:r>
           </a:p>
           <a:p>
             <a:pPr lvl="1"/>
             <a:r>
-              <a:rPr lang="en-US" smtClean="0"/>
+              <a:rPr lang="en-US"/>
               <a:t>Second level</a:t>
             </a:r>
           </a:p>
           <a:p>
             <a:pPr lvl="2"/>
             <a:r>
-              <a:rPr lang="en-US" smtClean="0"/>
+              <a:rPr lang="en-US"/>
               <a:t>Third level</a:t>
             </a:r>
           </a:p>
           <a:p>
             <a:pPr lvl="3"/>
             <a:r>
-              <a:rPr lang="en-US" smtClean="0"/>
+              <a:rPr lang="en-US"/>
               <a:t>Fourth level</a:t>
             </a:r>
           </a:p>
           <a:p>
             <a:pPr lvl="4"/>
             <a:r>
-              <a:rPr lang="en-US" smtClean="0"/>
+              <a:rPr lang="en-US"/>
               <a:t>Fifth level</a:t>
             </a:r>
             <a:endParaRPr lang="en-US" dirty="0"/>
@@ -1576,7 +1606,7 @@
           <a:p>
             <a:fld id="{BD5E1F6D-FFA6-BC44-B9B8-BBE6A1110E96}" type="datetimeFigureOut">
               <a:rPr lang="en-US" smtClean="0"/>
-              <a:t>1/10/18</a:t>
+              <a:t>5/7/18</a:t>
             </a:fld>
             <a:endParaRPr lang="en-US"/>
           </a:p>
@@ -1625,6 +1655,11 @@
         </p:txBody>
       </p:sp>
     </p:spTree>
+    <p:extLst>
+      <p:ext uri="{BB962C8B-B14F-4D97-AF65-F5344CB8AC3E}">
+        <p14:creationId xmlns:p14="http://schemas.microsoft.com/office/powerpoint/2010/main" val="3719659428"/>
+      </p:ext>
+    </p:extLst>
   </p:cSld>
   <p:clrMapOvr>
     <a:masterClrMapping/>
@@ -1665,7 +1700,7 @@
           <a:lstStyle/>
           <a:p>
             <a:r>
-              <a:rPr lang="en-US" smtClean="0"/>
+              <a:rPr lang="en-US"/>
               <a:t>Click to edit Master title style</a:t>
             </a:r>
             <a:endParaRPr lang="en-US" dirty="0"/>
@@ -1689,7 +1724,7 @@
           <a:p>
             <a:fld id="{BD5E1F6D-FFA6-BC44-B9B8-BBE6A1110E96}" type="datetimeFigureOut">
               <a:rPr lang="en-US" smtClean="0"/>
-              <a:t>1/10/18</a:t>
+              <a:t>5/7/18</a:t>
             </a:fld>
             <a:endParaRPr lang="en-US"/>
           </a:p>
@@ -1738,6 +1773,11 @@
         </p:txBody>
       </p:sp>
     </p:spTree>
+    <p:extLst>
+      <p:ext uri="{BB962C8B-B14F-4D97-AF65-F5344CB8AC3E}">
+        <p14:creationId xmlns:p14="http://schemas.microsoft.com/office/powerpoint/2010/main" val="4287770666"/>
+      </p:ext>
+    </p:extLst>
   </p:cSld>
   <p:clrMapOvr>
     <a:masterClrMapping/>
@@ -1779,7 +1819,7 @@
           <a:p>
             <a:fld id="{BD5E1F6D-FFA6-BC44-B9B8-BBE6A1110E96}" type="datetimeFigureOut">
               <a:rPr lang="en-US" smtClean="0"/>
-              <a:t>1/10/18</a:t>
+              <a:t>5/7/18</a:t>
             </a:fld>
             <a:endParaRPr lang="en-US"/>
           </a:p>
@@ -1828,6 +1868,11 @@
         </p:txBody>
       </p:sp>
     </p:spTree>
+    <p:extLst>
+      <p:ext uri="{BB962C8B-B14F-4D97-AF65-F5344CB8AC3E}">
+        <p14:creationId xmlns:p14="http://schemas.microsoft.com/office/powerpoint/2010/main" val="3295406348"/>
+      </p:ext>
+    </p:extLst>
   </p:cSld>
   <p:clrMapOvr>
     <a:masterClrMapping/>
@@ -1864,8 +1909,8 @@
         </p:nvSpPr>
         <p:spPr>
           <a:xfrm>
-            <a:off x="314921" y="731520"/>
-            <a:ext cx="1474589" cy="2560320"/>
+            <a:off x="314921" y="853440"/>
+            <a:ext cx="1474589" cy="2987040"/>
           </a:xfrm>
         </p:spPr>
         <p:txBody>
@@ -1877,7 +1922,7 @@
           </a:lstStyle>
           <a:p>
             <a:r>
-              <a:rPr lang="en-US" smtClean="0"/>
+              <a:rPr lang="en-US"/>
               <a:t>Click to edit Master title style</a:t>
             </a:r>
             <a:endParaRPr lang="en-US" dirty="0"/>
@@ -1896,8 +1941,8 @@
         </p:nvSpPr>
         <p:spPr>
           <a:xfrm>
-            <a:off x="1943695" y="1579882"/>
-            <a:ext cx="2314575" cy="7797800"/>
+            <a:off x="1943695" y="1843196"/>
+            <a:ext cx="2314575" cy="9097433"/>
           </a:xfrm>
         </p:spPr>
         <p:txBody>
@@ -1934,35 +1979,35 @@
           <a:p>
             <a:pPr lvl="0"/>
             <a:r>
-              <a:rPr lang="en-US" smtClean="0"/>
-              <a:t>Click to edit Master text styles</a:t>
+              <a:rPr lang="en-US"/>
+              <a:t>Edit Master text styles</a:t>
             </a:r>
           </a:p>
           <a:p>
             <a:pPr lvl="1"/>
             <a:r>
-              <a:rPr lang="en-US" smtClean="0"/>
+              <a:rPr lang="en-US"/>
               <a:t>Second level</a:t>
             </a:r>
           </a:p>
           <a:p>
             <a:pPr lvl="2"/>
             <a:r>
-              <a:rPr lang="en-US" smtClean="0"/>
+              <a:rPr lang="en-US"/>
               <a:t>Third level</a:t>
             </a:r>
           </a:p>
           <a:p>
             <a:pPr lvl="3"/>
             <a:r>
-              <a:rPr lang="en-US" smtClean="0"/>
+              <a:rPr lang="en-US"/>
               <a:t>Fourth level</a:t>
             </a:r>
           </a:p>
           <a:p>
             <a:pPr lvl="4"/>
             <a:r>
-              <a:rPr lang="en-US" smtClean="0"/>
+              <a:rPr lang="en-US"/>
               <a:t>Fifth level</a:t>
             </a:r>
             <a:endParaRPr lang="en-US" dirty="0"/>
@@ -1981,8 +2026,8 @@
         </p:nvSpPr>
         <p:spPr>
           <a:xfrm>
-            <a:off x="314921" y="3291840"/>
-            <a:ext cx="1474589" cy="6098541"/>
+            <a:off x="314921" y="3840480"/>
+            <a:ext cx="1474589" cy="7114964"/>
           </a:xfrm>
         </p:spPr>
         <p:txBody>
@@ -2028,8 +2073,8 @@
           <a:p>
             <a:pPr lvl="0"/>
             <a:r>
-              <a:rPr lang="en-US" smtClean="0"/>
-              <a:t>Click to edit Master text styles</a:t>
+              <a:rPr lang="en-US"/>
+              <a:t>Edit Master text styles</a:t>
             </a:r>
           </a:p>
         </p:txBody>
@@ -2051,7 +2096,7 @@
           <a:p>
             <a:fld id="{BD5E1F6D-FFA6-BC44-B9B8-BBE6A1110E96}" type="datetimeFigureOut">
               <a:rPr lang="en-US" smtClean="0"/>
-              <a:t>1/10/18</a:t>
+              <a:t>5/7/18</a:t>
             </a:fld>
             <a:endParaRPr lang="en-US"/>
           </a:p>
@@ -2100,6 +2145,11 @@
         </p:txBody>
       </p:sp>
     </p:spTree>
+    <p:extLst>
+      <p:ext uri="{BB962C8B-B14F-4D97-AF65-F5344CB8AC3E}">
+        <p14:creationId xmlns:p14="http://schemas.microsoft.com/office/powerpoint/2010/main" val="1745998548"/>
+      </p:ext>
+    </p:extLst>
   </p:cSld>
   <p:clrMapOvr>
     <a:masterClrMapping/>
@@ -2136,8 +2186,8 @@
         </p:nvSpPr>
         <p:spPr>
           <a:xfrm>
-            <a:off x="314921" y="731520"/>
-            <a:ext cx="1474589" cy="2560320"/>
+            <a:off x="314921" y="853440"/>
+            <a:ext cx="1474589" cy="2987040"/>
           </a:xfrm>
         </p:spPr>
         <p:txBody>
@@ -2149,7 +2199,7 @@
           </a:lstStyle>
           <a:p>
             <a:r>
-              <a:rPr lang="en-US" smtClean="0"/>
+              <a:rPr lang="en-US"/>
               <a:t>Click to edit Master title style</a:t>
             </a:r>
             <a:endParaRPr lang="en-US" dirty="0"/>
@@ -2168,8 +2218,8 @@
         </p:nvSpPr>
         <p:spPr>
           <a:xfrm>
-            <a:off x="1943695" y="1579882"/>
-            <a:ext cx="2314575" cy="7797800"/>
+            <a:off x="1943695" y="1843196"/>
+            <a:ext cx="2314575" cy="9097433"/>
           </a:xfrm>
         </p:spPr>
         <p:txBody>
@@ -2214,8 +2264,8 @@
           </a:lstStyle>
           <a:p>
             <a:r>
-              <a:rPr lang="en-US" smtClean="0"/>
-              <a:t>Drag picture to placeholder or click icon to add</a:t>
+              <a:rPr lang="en-US"/>
+              <a:t>Click icon to add picture</a:t>
             </a:r>
             <a:endParaRPr lang="en-US" dirty="0"/>
           </a:p>
@@ -2233,8 +2283,8 @@
         </p:nvSpPr>
         <p:spPr>
           <a:xfrm>
-            <a:off x="314921" y="3291840"/>
-            <a:ext cx="1474589" cy="6098541"/>
+            <a:off x="314921" y="3840480"/>
+            <a:ext cx="1474589" cy="7114964"/>
           </a:xfrm>
         </p:spPr>
         <p:txBody>
@@ -2280,8 +2330,8 @@
           <a:p>
             <a:pPr lvl="0"/>
             <a:r>
-              <a:rPr lang="en-US" smtClean="0"/>
-              <a:t>Click to edit Master text styles</a:t>
+              <a:rPr lang="en-US"/>
+              <a:t>Edit Master text styles</a:t>
             </a:r>
           </a:p>
         </p:txBody>
@@ -2303,7 +2353,7 @@
           <a:p>
             <a:fld id="{BD5E1F6D-FFA6-BC44-B9B8-BBE6A1110E96}" type="datetimeFigureOut">
               <a:rPr lang="en-US" smtClean="0"/>
-              <a:t>1/10/18</a:t>
+              <a:t>5/7/18</a:t>
             </a:fld>
             <a:endParaRPr lang="en-US"/>
           </a:p>
@@ -2352,6 +2402,11 @@
         </p:txBody>
       </p:sp>
     </p:spTree>
+    <p:extLst>
+      <p:ext uri="{BB962C8B-B14F-4D97-AF65-F5344CB8AC3E}">
+        <p14:creationId xmlns:p14="http://schemas.microsoft.com/office/powerpoint/2010/main" val="917520821"/>
+      </p:ext>
+    </p:extLst>
   </p:cSld>
   <p:clrMapOvr>
     <a:masterClrMapping/>
@@ -2393,8 +2448,8 @@
         </p:nvSpPr>
         <p:spPr>
           <a:xfrm>
-            <a:off x="314325" y="584202"/>
-            <a:ext cx="3943350" cy="2120901"/>
+            <a:off x="314325" y="681570"/>
+            <a:ext cx="3943350" cy="2474384"/>
           </a:xfrm>
           <a:prstGeom prst="rect">
             <a:avLst/>
@@ -2407,7 +2462,7 @@
           <a:lstStyle/>
           <a:p>
             <a:r>
-              <a:rPr lang="en-US" smtClean="0"/>
+              <a:rPr lang="en-US"/>
               <a:t>Click to edit Master title style</a:t>
             </a:r>
             <a:endParaRPr lang="en-US" dirty="0"/>
@@ -2426,8 +2481,8 @@
         </p:nvSpPr>
         <p:spPr>
           <a:xfrm>
-            <a:off x="314325" y="2921000"/>
-            <a:ext cx="3943350" cy="6962141"/>
+            <a:off x="314325" y="3407833"/>
+            <a:ext cx="3943350" cy="8122498"/>
           </a:xfrm>
           <a:prstGeom prst="rect">
             <a:avLst/>
@@ -2441,35 +2496,35 @@
           <a:p>
             <a:pPr lvl="0"/>
             <a:r>
-              <a:rPr lang="en-US" smtClean="0"/>
-              <a:t>Click to edit Master text styles</a:t>
+              <a:rPr lang="en-US"/>
+              <a:t>Edit Master text styles</a:t>
             </a:r>
           </a:p>
           <a:p>
             <a:pPr lvl="1"/>
             <a:r>
-              <a:rPr lang="en-US" smtClean="0"/>
+              <a:rPr lang="en-US"/>
               <a:t>Second level</a:t>
             </a:r>
           </a:p>
           <a:p>
             <a:pPr lvl="2"/>
             <a:r>
-              <a:rPr lang="en-US" smtClean="0"/>
+              <a:rPr lang="en-US"/>
               <a:t>Third level</a:t>
             </a:r>
           </a:p>
           <a:p>
             <a:pPr lvl="3"/>
             <a:r>
-              <a:rPr lang="en-US" smtClean="0"/>
+              <a:rPr lang="en-US"/>
               <a:t>Fourth level</a:t>
             </a:r>
           </a:p>
           <a:p>
             <a:pPr lvl="4"/>
             <a:r>
-              <a:rPr lang="en-US" smtClean="0"/>
+              <a:rPr lang="en-US"/>
               <a:t>Fifth level</a:t>
             </a:r>
             <a:endParaRPr lang="en-US" dirty="0"/>
@@ -2488,8 +2543,8 @@
         </p:nvSpPr>
         <p:spPr>
           <a:xfrm>
-            <a:off x="314325" y="10170162"/>
-            <a:ext cx="1028700" cy="584200"/>
+            <a:off x="314325" y="11865189"/>
+            <a:ext cx="1028700" cy="681567"/>
           </a:xfrm>
           <a:prstGeom prst="rect">
             <a:avLst/>
@@ -2511,7 +2566,7 @@
           <a:p>
             <a:fld id="{BD5E1F6D-FFA6-BC44-B9B8-BBE6A1110E96}" type="datetimeFigureOut">
               <a:rPr lang="en-US" smtClean="0"/>
-              <a:t>1/10/18</a:t>
+              <a:t>5/7/18</a:t>
             </a:fld>
             <a:endParaRPr lang="en-US"/>
           </a:p>
@@ -2529,8 +2584,8 @@
         </p:nvSpPr>
         <p:spPr>
           <a:xfrm>
-            <a:off x="1514475" y="10170162"/>
-            <a:ext cx="1543050" cy="584200"/>
+            <a:off x="1514475" y="11865189"/>
+            <a:ext cx="1543050" cy="681567"/>
           </a:xfrm>
           <a:prstGeom prst="rect">
             <a:avLst/>
@@ -2566,8 +2621,8 @@
         </p:nvSpPr>
         <p:spPr>
           <a:xfrm>
-            <a:off x="3228975" y="10170162"/>
-            <a:ext cx="1028700" cy="584200"/>
+            <a:off x="3228975" y="11865189"/>
+            <a:ext cx="1028700" cy="681567"/>
           </a:xfrm>
           <a:prstGeom prst="rect">
             <a:avLst/>
@@ -2598,23 +2653,23 @@
     </p:spTree>
     <p:extLst>
       <p:ext uri="{BB962C8B-B14F-4D97-AF65-F5344CB8AC3E}">
-        <p14:creationId xmlns:p14="http://schemas.microsoft.com/office/powerpoint/2010/main" val="1771913942"/>
+        <p14:creationId xmlns:p14="http://schemas.microsoft.com/office/powerpoint/2010/main" val="2840269146"/>
       </p:ext>
     </p:extLst>
   </p:cSld>
   <p:clrMap bg1="lt1" tx1="dk1" bg2="lt2" tx2="dk2" accent1="accent1" accent2="accent2" accent3="accent3" accent4="accent4" accent5="accent5" accent6="accent6" hlink="hlink" folHlink="folHlink"/>
   <p:sldLayoutIdLst>
-    <p:sldLayoutId id="2147483697" r:id="rId1"/>
-    <p:sldLayoutId id="2147483698" r:id="rId2"/>
-    <p:sldLayoutId id="2147483699" r:id="rId3"/>
-    <p:sldLayoutId id="2147483700" r:id="rId4"/>
-    <p:sldLayoutId id="2147483701" r:id="rId5"/>
-    <p:sldLayoutId id="2147483702" r:id="rId6"/>
-    <p:sldLayoutId id="2147483703" r:id="rId7"/>
-    <p:sldLayoutId id="2147483704" r:id="rId8"/>
-    <p:sldLayoutId id="2147483705" r:id="rId9"/>
-    <p:sldLayoutId id="2147483706" r:id="rId10"/>
-    <p:sldLayoutId id="2147483707" r:id="rId11"/>
+    <p:sldLayoutId id="2147483721" r:id="rId1"/>
+    <p:sldLayoutId id="2147483722" r:id="rId2"/>
+    <p:sldLayoutId id="2147483723" r:id="rId3"/>
+    <p:sldLayoutId id="2147483724" r:id="rId4"/>
+    <p:sldLayoutId id="2147483725" r:id="rId5"/>
+    <p:sldLayoutId id="2147483726" r:id="rId6"/>
+    <p:sldLayoutId id="2147483727" r:id="rId7"/>
+    <p:sldLayoutId id="2147483728" r:id="rId8"/>
+    <p:sldLayoutId id="2147483729" r:id="rId9"/>
+    <p:sldLayoutId id="2147483730" r:id="rId10"/>
+    <p:sldLayoutId id="2147483731" r:id="rId11"/>
   </p:sldLayoutIdLst>
   <p:txStyles>
     <p:titleStyle>
@@ -2918,28 +2973,28 @@
       </p:grpSpPr>
       <p:pic>
         <p:nvPicPr>
-          <p:cNvPr id="40" name="Picture 39"/>
+          <p:cNvPr id="62" name="Picture 61">
+            <a:extLst>
+              <a:ext uri="{FF2B5EF4-FFF2-40B4-BE49-F238E27FC236}">
+                <a16:creationId xmlns:a16="http://schemas.microsoft.com/office/drawing/2014/main" id="{850B81FA-D714-254C-BFB2-EBA53B1DEECF}"/>
+              </a:ext>
+            </a:extLst>
+          </p:cNvPr>
           <p:cNvPicPr>
             <a:picLocks noChangeAspect="1"/>
           </p:cNvPicPr>
           <p:nvPr/>
         </p:nvPicPr>
         <p:blipFill>
-          <a:blip r:embed="rId2">
-            <a:extLst>
-              <a:ext uri="{28A0092B-C50C-407E-A947-70E740481C1C}">
-                <a14:useLocalDpi xmlns:a14="http://schemas.microsoft.com/office/drawing/2010/main" val="0"/>
-              </a:ext>
-            </a:extLst>
-          </a:blip>
+          <a:blip r:embed="rId2"/>
           <a:stretch>
             <a:fillRect/>
           </a:stretch>
         </p:blipFill>
         <p:spPr>
           <a:xfrm>
-            <a:off x="2171037" y="6486690"/>
-            <a:ext cx="2363781" cy="2057756"/>
+            <a:off x="914502" y="11045743"/>
+            <a:ext cx="1045087" cy="1045087"/>
           </a:xfrm>
           <a:prstGeom prst="rect">
             <a:avLst/>
@@ -2948,28 +3003,28 @@
       </p:pic>
       <p:pic>
         <p:nvPicPr>
-          <p:cNvPr id="41" name="Picture 40"/>
+          <p:cNvPr id="63" name="Picture 62">
+            <a:extLst>
+              <a:ext uri="{FF2B5EF4-FFF2-40B4-BE49-F238E27FC236}">
+                <a16:creationId xmlns:a16="http://schemas.microsoft.com/office/drawing/2014/main" id="{220E0EEA-984F-5B42-9C69-4DFCD1636D8B}"/>
+              </a:ext>
+            </a:extLst>
+          </p:cNvPr>
           <p:cNvPicPr>
             <a:picLocks noChangeAspect="1"/>
           </p:cNvPicPr>
           <p:nvPr/>
         </p:nvPicPr>
         <p:blipFill>
-          <a:blip r:embed="rId3">
-            <a:extLst>
-              <a:ext uri="{28A0092B-C50C-407E-A947-70E740481C1C}">
-                <a14:useLocalDpi xmlns:a14="http://schemas.microsoft.com/office/drawing/2010/main" val="0"/>
-              </a:ext>
-            </a:extLst>
-          </a:blip>
+          <a:blip r:embed="rId3"/>
           <a:stretch>
             <a:fillRect/>
           </a:stretch>
         </p:blipFill>
         <p:spPr>
           <a:xfrm>
-            <a:off x="674444" y="6860848"/>
-            <a:ext cx="1402575" cy="1224956"/>
+            <a:off x="2397971" y="10661994"/>
+            <a:ext cx="2108406" cy="2112790"/>
           </a:xfrm>
           <a:prstGeom prst="rect">
             <a:avLst/>
@@ -2978,28 +3033,28 @@
       </p:pic>
       <p:pic>
         <p:nvPicPr>
-          <p:cNvPr id="42" name="Picture 41"/>
+          <p:cNvPr id="64" name="Picture 63">
+            <a:extLst>
+              <a:ext uri="{FF2B5EF4-FFF2-40B4-BE49-F238E27FC236}">
+                <a16:creationId xmlns:a16="http://schemas.microsoft.com/office/drawing/2014/main" id="{1972724E-567D-D043-A86D-C3DC8DBACBBB}"/>
+              </a:ext>
+            </a:extLst>
+          </p:cNvPr>
           <p:cNvPicPr>
             <a:picLocks noChangeAspect="1"/>
           </p:cNvPicPr>
           <p:nvPr/>
         </p:nvPicPr>
         <p:blipFill>
-          <a:blip r:embed="rId4">
-            <a:extLst>
-              <a:ext uri="{28A0092B-C50C-407E-A947-70E740481C1C}">
-                <a14:useLocalDpi xmlns:a14="http://schemas.microsoft.com/office/drawing/2010/main" val="0"/>
-              </a:ext>
-            </a:extLst>
-          </a:blip>
+          <a:blip r:embed="rId4"/>
           <a:stretch>
             <a:fillRect/>
           </a:stretch>
         </p:blipFill>
         <p:spPr>
           <a:xfrm>
-            <a:off x="2418182" y="4322671"/>
-            <a:ext cx="1869493" cy="1970547"/>
+            <a:off x="834796" y="6962801"/>
+            <a:ext cx="1070036" cy="948015"/>
           </a:xfrm>
           <a:prstGeom prst="rect">
             <a:avLst/>
@@ -3008,28 +3063,28 @@
       </p:pic>
       <p:pic>
         <p:nvPicPr>
-          <p:cNvPr id="43" name="Picture 42"/>
+          <p:cNvPr id="65" name="Picture 64">
+            <a:extLst>
+              <a:ext uri="{FF2B5EF4-FFF2-40B4-BE49-F238E27FC236}">
+                <a16:creationId xmlns:a16="http://schemas.microsoft.com/office/drawing/2014/main" id="{0B2F449E-6C4D-9D4D-A872-52FFD7815D9E}"/>
+              </a:ext>
+            </a:extLst>
+          </p:cNvPr>
           <p:cNvPicPr>
             <a:picLocks noChangeAspect="1"/>
           </p:cNvPicPr>
           <p:nvPr/>
         </p:nvPicPr>
         <p:blipFill>
-          <a:blip r:embed="rId5">
-            <a:extLst>
-              <a:ext uri="{28A0092B-C50C-407E-A947-70E740481C1C}">
-                <a14:useLocalDpi xmlns:a14="http://schemas.microsoft.com/office/drawing/2010/main" val="0"/>
-              </a:ext>
-            </a:extLst>
-          </a:blip>
+          <a:blip r:embed="rId5"/>
           <a:stretch>
             <a:fillRect/>
           </a:stretch>
         </p:blipFill>
         <p:spPr>
           <a:xfrm>
-            <a:off x="774976" y="4695465"/>
-            <a:ext cx="1159040" cy="1224957"/>
+            <a:off x="2454131" y="6469816"/>
+            <a:ext cx="2098086" cy="1830545"/>
           </a:xfrm>
           <a:prstGeom prst="rect">
             <a:avLst/>
@@ -3038,28 +3093,28 @@
       </p:pic>
       <p:pic>
         <p:nvPicPr>
-          <p:cNvPr id="44" name="Picture 43"/>
+          <p:cNvPr id="66" name="Picture 65">
+            <a:extLst>
+              <a:ext uri="{FF2B5EF4-FFF2-40B4-BE49-F238E27FC236}">
+                <a16:creationId xmlns:a16="http://schemas.microsoft.com/office/drawing/2014/main" id="{F6BD96AF-74C7-B047-A8D8-35FBF400FDF1}"/>
+              </a:ext>
+            </a:extLst>
+          </p:cNvPr>
           <p:cNvPicPr>
             <a:picLocks noChangeAspect="1"/>
           </p:cNvPicPr>
           <p:nvPr/>
         </p:nvPicPr>
         <p:blipFill>
-          <a:blip r:embed="rId6">
-            <a:extLst>
-              <a:ext uri="{28A0092B-C50C-407E-A947-70E740481C1C}">
-                <a14:useLocalDpi xmlns:a14="http://schemas.microsoft.com/office/drawing/2010/main" val="0"/>
-              </a:ext>
-            </a:extLst>
-          </a:blip>
+          <a:blip r:embed="rId6"/>
           <a:stretch>
             <a:fillRect/>
           </a:stretch>
         </p:blipFill>
         <p:spPr>
           <a:xfrm>
-            <a:off x="2317128" y="2158652"/>
-            <a:ext cx="1970547" cy="1970547"/>
+            <a:off x="814305" y="4839692"/>
+            <a:ext cx="1042349" cy="1096948"/>
           </a:xfrm>
           <a:prstGeom prst="rect">
             <a:avLst/>
@@ -3068,28 +3123,28 @@
       </p:pic>
       <p:pic>
         <p:nvPicPr>
-          <p:cNvPr id="45" name="Picture 44"/>
+          <p:cNvPr id="67" name="Picture 66">
+            <a:extLst>
+              <a:ext uri="{FF2B5EF4-FFF2-40B4-BE49-F238E27FC236}">
+                <a16:creationId xmlns:a16="http://schemas.microsoft.com/office/drawing/2014/main" id="{99880E57-9C5E-0B43-A5E7-B5567EF26249}"/>
+              </a:ext>
+            </a:extLst>
+          </p:cNvPr>
           <p:cNvPicPr>
             <a:picLocks noChangeAspect="1"/>
           </p:cNvPicPr>
           <p:nvPr/>
         </p:nvPicPr>
         <p:blipFill>
-          <a:blip r:embed="rId7">
-            <a:extLst>
-              <a:ext uri="{28A0092B-C50C-407E-A947-70E740481C1C}">
-                <a14:useLocalDpi xmlns:a14="http://schemas.microsoft.com/office/drawing/2010/main" val="0"/>
-              </a:ext>
-            </a:extLst>
-          </a:blip>
+          <a:blip r:embed="rId7"/>
           <a:stretch>
             <a:fillRect/>
           </a:stretch>
         </p:blipFill>
         <p:spPr>
           <a:xfrm>
-            <a:off x="774976" y="2532810"/>
-            <a:ext cx="1201513" cy="1222229"/>
+            <a:off x="2559560" y="4379942"/>
+            <a:ext cx="1982199" cy="2089874"/>
           </a:xfrm>
           <a:prstGeom prst="rect">
             <a:avLst/>
@@ -3098,28 +3153,28 @@
       </p:pic>
       <p:pic>
         <p:nvPicPr>
-          <p:cNvPr id="46" name="Picture 45"/>
+          <p:cNvPr id="68" name="Picture 67">
+            <a:extLst>
+              <a:ext uri="{FF2B5EF4-FFF2-40B4-BE49-F238E27FC236}">
+                <a16:creationId xmlns:a16="http://schemas.microsoft.com/office/drawing/2014/main" id="{52E5A4C3-0975-D246-9D18-D5A1608D25C3}"/>
+              </a:ext>
+            </a:extLst>
+          </p:cNvPr>
           <p:cNvPicPr>
             <a:picLocks noChangeAspect="1"/>
           </p:cNvPicPr>
           <p:nvPr/>
         </p:nvPicPr>
         <p:blipFill>
-          <a:blip r:embed="rId8">
-            <a:extLst>
-              <a:ext uri="{28A0092B-C50C-407E-A947-70E740481C1C}">
-                <a14:useLocalDpi xmlns:a14="http://schemas.microsoft.com/office/drawing/2010/main" val="0"/>
-              </a:ext>
-            </a:extLst>
-          </a:blip>
+          <a:blip r:embed="rId8"/>
           <a:stretch>
             <a:fillRect/>
           </a:stretch>
         </p:blipFill>
         <p:spPr>
           <a:xfrm>
-            <a:off x="2502009" y="-5367"/>
-            <a:ext cx="1701836" cy="1970547"/>
+            <a:off x="867772" y="8936977"/>
+            <a:ext cx="1074057" cy="1083438"/>
           </a:xfrm>
           <a:prstGeom prst="rect">
             <a:avLst/>
@@ -3128,43 +3183,169 @@
       </p:pic>
       <p:pic>
         <p:nvPicPr>
-          <p:cNvPr id="47" name="Picture 46"/>
+          <p:cNvPr id="69" name="Picture 68">
+            <a:extLst>
+              <a:ext uri="{FF2B5EF4-FFF2-40B4-BE49-F238E27FC236}">
+                <a16:creationId xmlns:a16="http://schemas.microsoft.com/office/drawing/2014/main" id="{8031818D-4877-9A45-8CC8-F1A5E83A2FF3}"/>
+              </a:ext>
+            </a:extLst>
+          </p:cNvPr>
           <p:cNvPicPr>
             <a:picLocks noChangeAspect="1"/>
           </p:cNvPicPr>
           <p:nvPr/>
         </p:nvPicPr>
         <p:blipFill>
-          <a:blip r:embed="rId9">
-            <a:extLst>
-              <a:ext uri="{28A0092B-C50C-407E-A947-70E740481C1C}">
-                <a14:useLocalDpi xmlns:a14="http://schemas.microsoft.com/office/drawing/2010/main" val="0"/>
-              </a:ext>
-            </a:extLst>
-          </a:blip>
+          <a:blip r:embed="rId9"/>
           <a:stretch>
             <a:fillRect/>
           </a:stretch>
         </p:blipFill>
         <p:spPr>
           <a:xfrm>
-            <a:off x="888955" y="368791"/>
-            <a:ext cx="1087534" cy="1222229"/>
+            <a:off x="2440432" y="8496152"/>
+            <a:ext cx="2068506" cy="2059271"/>
           </a:xfrm>
           <a:prstGeom prst="rect">
             <a:avLst/>
           </a:prstGeom>
         </p:spPr>
       </p:pic>
-      <p:sp>
-        <p:nvSpPr>
-          <p:cNvPr id="50" name="TextBox 49"/>
+      <p:pic>
+        <p:nvPicPr>
+          <p:cNvPr id="70" name="Picture 69">
+            <a:extLst>
+              <a:ext uri="{FF2B5EF4-FFF2-40B4-BE49-F238E27FC236}">
+                <a16:creationId xmlns:a16="http://schemas.microsoft.com/office/drawing/2014/main" id="{02948552-5F45-0F46-B35F-A6CD5E8B71F1}"/>
+              </a:ext>
+            </a:extLst>
+          </p:cNvPr>
+          <p:cNvPicPr>
+            <a:picLocks noChangeAspect="1"/>
+          </p:cNvPicPr>
+          <p:nvPr/>
+        </p:nvPicPr>
+        <p:blipFill>
+          <a:blip r:embed="rId10"/>
+          <a:stretch>
+            <a:fillRect/>
+          </a:stretch>
+        </p:blipFill>
+        <p:spPr>
+          <a:xfrm>
+            <a:off x="834796" y="2734291"/>
+            <a:ext cx="1051328" cy="1079240"/>
+          </a:xfrm>
+          <a:prstGeom prst="rect">
+            <a:avLst/>
+          </a:prstGeom>
+        </p:spPr>
+      </p:pic>
+      <p:pic>
+        <p:nvPicPr>
+          <p:cNvPr id="71" name="Picture 70">
+            <a:extLst>
+              <a:ext uri="{FF2B5EF4-FFF2-40B4-BE49-F238E27FC236}">
+                <a16:creationId xmlns:a16="http://schemas.microsoft.com/office/drawing/2014/main" id="{58734BFC-AE35-0943-9D36-34327A3C1C25}"/>
+              </a:ext>
+            </a:extLst>
+          </p:cNvPr>
+          <p:cNvPicPr>
+            <a:picLocks noChangeAspect="1"/>
+          </p:cNvPicPr>
+          <p:nvPr/>
+        </p:nvPicPr>
+        <p:blipFill>
+          <a:blip r:embed="rId11"/>
+          <a:stretch>
+            <a:fillRect/>
+          </a:stretch>
+        </p:blipFill>
+        <p:spPr>
+          <a:xfrm>
+            <a:off x="2422068" y="2179093"/>
+            <a:ext cx="2149933" cy="2164364"/>
+          </a:xfrm>
+          <a:prstGeom prst="rect">
+            <a:avLst/>
+          </a:prstGeom>
+        </p:spPr>
+      </p:pic>
+      <p:pic>
+        <p:nvPicPr>
+          <p:cNvPr id="72" name="Picture 71">
+            <a:extLst>
+              <a:ext uri="{FF2B5EF4-FFF2-40B4-BE49-F238E27FC236}">
+                <a16:creationId xmlns:a16="http://schemas.microsoft.com/office/drawing/2014/main" id="{2967C863-23D3-B74B-AE76-2FCD716F696E}"/>
+              </a:ext>
+            </a:extLst>
+          </p:cNvPr>
+          <p:cNvPicPr>
+            <a:picLocks noChangeAspect="1"/>
+          </p:cNvPicPr>
+          <p:nvPr/>
+        </p:nvPicPr>
+        <p:blipFill>
+          <a:blip r:embed="rId12"/>
+          <a:stretch>
+            <a:fillRect/>
+          </a:stretch>
+        </p:blipFill>
+        <p:spPr>
+          <a:xfrm>
+            <a:off x="914502" y="582519"/>
+            <a:ext cx="942152" cy="1120114"/>
+          </a:xfrm>
+          <a:prstGeom prst="rect">
+            <a:avLst/>
+          </a:prstGeom>
+        </p:spPr>
+      </p:pic>
+      <p:pic>
+        <p:nvPicPr>
+          <p:cNvPr id="73" name="Picture 72">
+            <a:extLst>
+              <a:ext uri="{FF2B5EF4-FFF2-40B4-BE49-F238E27FC236}">
+                <a16:creationId xmlns:a16="http://schemas.microsoft.com/office/drawing/2014/main" id="{CA501888-9E9F-C64F-AC2D-AA4ABA62E4FE}"/>
+              </a:ext>
+            </a:extLst>
+          </p:cNvPr>
+          <p:cNvPicPr>
+            <a:picLocks noChangeAspect="1"/>
+          </p:cNvPicPr>
+          <p:nvPr/>
+        </p:nvPicPr>
+        <p:blipFill>
+          <a:blip r:embed="rId13"/>
+          <a:stretch>
+            <a:fillRect/>
+          </a:stretch>
+        </p:blipFill>
+        <p:spPr>
+          <a:xfrm>
+            <a:off x="2649184" y="0"/>
+            <a:ext cx="1769580" cy="2013482"/>
+          </a:xfrm>
+          <a:prstGeom prst="rect">
+            <a:avLst/>
+          </a:prstGeom>
+        </p:spPr>
+      </p:pic>
+      <p:sp>
+        <p:nvSpPr>
+          <p:cNvPr id="74" name="TextBox 73">
+            <a:extLst>
+              <a:ext uri="{FF2B5EF4-FFF2-40B4-BE49-F238E27FC236}">
+                <a16:creationId xmlns:a16="http://schemas.microsoft.com/office/drawing/2014/main" id="{A28EC371-B1C2-8F4C-8087-52B2BD3879B6}"/>
+              </a:ext>
+            </a:extLst>
+          </p:cNvPr>
           <p:cNvSpPr txBox="1"/>
           <p:nvPr/>
         </p:nvSpPr>
         <p:spPr>
           <a:xfrm>
-            <a:off x="164373" y="814091"/>
+            <a:off x="164373" y="803943"/>
             <a:ext cx="683421" cy="331629"/>
           </a:xfrm>
           <a:prstGeom prst="rect">
@@ -3179,7 +3360,7 @@
           <a:lstStyle/>
           <a:p>
             <a:r>
-              <a:rPr lang="en-US" i="1" dirty="0" smtClean="0">
+              <a:rPr lang="en-US" i="1" dirty="0">
                 <a:latin typeface="Times" charset="0"/>
                 <a:ea typeface="Times" charset="0"/>
                 <a:cs typeface="Times" charset="0"/>
@@ -3187,30 +3368,31 @@
               <a:t>n </a:t>
             </a:r>
             <a:r>
-              <a:rPr lang="en-US" dirty="0" smtClean="0">
+              <a:rPr lang="en-US" dirty="0">
                 <a:latin typeface="Times" charset="0"/>
                 <a:ea typeface="Times" charset="0"/>
                 <a:cs typeface="Times" charset="0"/>
               </a:rPr>
               <a:t>= 3</a:t>
             </a:r>
-            <a:endParaRPr lang="en-US" dirty="0">
-              <a:latin typeface="Times" charset="0"/>
-              <a:ea typeface="Times" charset="0"/>
-              <a:cs typeface="Times" charset="0"/>
-            </a:endParaRPr>
-          </a:p>
-        </p:txBody>
-      </p:sp>
-      <p:sp>
-        <p:nvSpPr>
-          <p:cNvPr id="51" name="TextBox 50"/>
+          </a:p>
+        </p:txBody>
+      </p:sp>
+      <p:sp>
+        <p:nvSpPr>
+          <p:cNvPr id="75" name="TextBox 74">
+            <a:extLst>
+              <a:ext uri="{FF2B5EF4-FFF2-40B4-BE49-F238E27FC236}">
+                <a16:creationId xmlns:a16="http://schemas.microsoft.com/office/drawing/2014/main" id="{401A2B75-31A1-C249-9FB3-60A47E18EC10}"/>
+              </a:ext>
+            </a:extLst>
+          </p:cNvPr>
           <p:cNvSpPr txBox="1"/>
           <p:nvPr/>
         </p:nvSpPr>
         <p:spPr>
           <a:xfrm>
-            <a:off x="164373" y="2978109"/>
+            <a:off x="164373" y="2967961"/>
             <a:ext cx="683421" cy="331629"/>
           </a:xfrm>
           <a:prstGeom prst="rect">
@@ -3230,41 +3412,34 @@
                 <a:ea typeface="Times" charset="0"/>
                 <a:cs typeface="Times" charset="0"/>
               </a:rPr>
-              <a:t>n</a:t>
-            </a:r>
-            <a:r>
-              <a:rPr lang="en-US" i="1" dirty="0" smtClean="0">
-                <a:latin typeface="Times" charset="0"/>
-                <a:ea typeface="Times" charset="0"/>
-                <a:cs typeface="Times" charset="0"/>
-              </a:rPr>
-              <a:t> </a:t>
-            </a:r>
-            <a:r>
-              <a:rPr lang="en-US" dirty="0" smtClean="0">
+              <a:t>n </a:t>
+            </a:r>
+            <a:r>
+              <a:rPr lang="en-US" dirty="0">
                 <a:latin typeface="Times" charset="0"/>
                 <a:ea typeface="Times" charset="0"/>
                 <a:cs typeface="Times" charset="0"/>
               </a:rPr>
               <a:t>= 4</a:t>
             </a:r>
-            <a:endParaRPr lang="en-US" dirty="0">
-              <a:latin typeface="Times" charset="0"/>
-              <a:ea typeface="Times" charset="0"/>
-              <a:cs typeface="Times" charset="0"/>
-            </a:endParaRPr>
-          </a:p>
-        </p:txBody>
-      </p:sp>
-      <p:sp>
-        <p:nvSpPr>
-          <p:cNvPr id="52" name="TextBox 51"/>
+          </a:p>
+        </p:txBody>
+      </p:sp>
+      <p:sp>
+        <p:nvSpPr>
+          <p:cNvPr id="76" name="TextBox 75">
+            <a:extLst>
+              <a:ext uri="{FF2B5EF4-FFF2-40B4-BE49-F238E27FC236}">
+                <a16:creationId xmlns:a16="http://schemas.microsoft.com/office/drawing/2014/main" id="{A2CA967B-CAF1-594F-BACC-D883BE6051C0}"/>
+              </a:ext>
+            </a:extLst>
+          </p:cNvPr>
           <p:cNvSpPr txBox="1"/>
           <p:nvPr/>
         </p:nvSpPr>
         <p:spPr>
           <a:xfrm>
-            <a:off x="122451" y="5144856"/>
+            <a:off x="122451" y="5134708"/>
             <a:ext cx="683421" cy="331629"/>
           </a:xfrm>
           <a:prstGeom prst="rect">
@@ -3279,7 +3454,7 @@
           <a:lstStyle/>
           <a:p>
             <a:r>
-              <a:rPr lang="en-US" i="1" dirty="0" smtClean="0">
+              <a:rPr lang="en-US" i="1" dirty="0">
                 <a:latin typeface="Times" charset="0"/>
                 <a:ea typeface="Times" charset="0"/>
                 <a:cs typeface="Times" charset="0"/>
@@ -3287,30 +3462,31 @@
               <a:t>n </a:t>
             </a:r>
             <a:r>
-              <a:rPr lang="en-US" dirty="0" smtClean="0">
+              <a:rPr lang="en-US" dirty="0">
                 <a:latin typeface="Times" charset="0"/>
                 <a:ea typeface="Times" charset="0"/>
                 <a:cs typeface="Times" charset="0"/>
               </a:rPr>
               <a:t>= 5</a:t>
             </a:r>
-            <a:endParaRPr lang="en-US" dirty="0">
-              <a:latin typeface="Times" charset="0"/>
-              <a:ea typeface="Times" charset="0"/>
-              <a:cs typeface="Times" charset="0"/>
-            </a:endParaRPr>
-          </a:p>
-        </p:txBody>
-      </p:sp>
-      <p:sp>
-        <p:nvSpPr>
-          <p:cNvPr id="53" name="TextBox 52"/>
+          </a:p>
+        </p:txBody>
+      </p:sp>
+      <p:sp>
+        <p:nvSpPr>
+          <p:cNvPr id="77" name="TextBox 76">
+            <a:extLst>
+              <a:ext uri="{FF2B5EF4-FFF2-40B4-BE49-F238E27FC236}">
+                <a16:creationId xmlns:a16="http://schemas.microsoft.com/office/drawing/2014/main" id="{0450260C-4768-254D-AB8A-12E83D9E33BD}"/>
+              </a:ext>
+            </a:extLst>
+          </p:cNvPr>
           <p:cNvSpPr txBox="1"/>
           <p:nvPr/>
         </p:nvSpPr>
         <p:spPr>
           <a:xfrm>
-            <a:off x="164373" y="7307511"/>
+            <a:off x="164373" y="7297363"/>
             <a:ext cx="683421" cy="331629"/>
           </a:xfrm>
           <a:prstGeom prst="rect">
@@ -3325,7 +3501,7 @@
           <a:lstStyle/>
           <a:p>
             <a:r>
-              <a:rPr lang="en-US" i="1" dirty="0" smtClean="0">
+              <a:rPr lang="en-US" i="1" dirty="0">
                 <a:latin typeface="Times" charset="0"/>
                 <a:ea typeface="Times" charset="0"/>
                 <a:cs typeface="Times" charset="0"/>
@@ -3333,32 +3509,152 @@
               <a:t>n </a:t>
             </a:r>
             <a:r>
-              <a:rPr lang="en-US" dirty="0" smtClean="0">
+              <a:rPr lang="en-US" dirty="0">
                 <a:latin typeface="Times" charset="0"/>
                 <a:ea typeface="Times" charset="0"/>
                 <a:cs typeface="Times" charset="0"/>
               </a:rPr>
               <a:t>= 6</a:t>
             </a:r>
-            <a:endParaRPr lang="en-US" dirty="0">
-              <a:latin typeface="Times" charset="0"/>
-              <a:ea typeface="Times" charset="0"/>
-              <a:cs typeface="Times" charset="0"/>
-            </a:endParaRPr>
-          </a:p>
-        </p:txBody>
-      </p:sp>
-      <mc:AlternateContent xmlns:mc="http://schemas.openxmlformats.org/markup-compatibility/2006">
-        <mc:Choice xmlns:a14="http://schemas.microsoft.com/office/drawing/2010/main" Requires="a14">
+          </a:p>
+        </p:txBody>
+      </p:sp>
+      <mc:AlternateContent xmlns:mc="http://schemas.openxmlformats.org/markup-compatibility/2006" xmlns:a14="http://schemas.microsoft.com/office/drawing/2010/main">
+        <mc:Choice Requires="a14">
           <p:sp>
             <p:nvSpPr>
-              <p:cNvPr id="54" name="TextBox 53"/>
+              <p:cNvPr id="78" name="TextBox 77">
+                <a:extLst>
+                  <a:ext uri="{FF2B5EF4-FFF2-40B4-BE49-F238E27FC236}">
+                    <a16:creationId xmlns:a16="http://schemas.microsoft.com/office/drawing/2014/main" id="{F1B99312-9B22-494A-BD8B-A26CAB6EAD46}"/>
+                  </a:ext>
+                </a:extLst>
+              </p:cNvPr>
               <p:cNvSpPr txBox="1"/>
               <p:nvPr/>
             </p:nvSpPr>
             <p:spPr>
               <a:xfrm>
-                <a:off x="191680" y="9553291"/>
+                <a:off x="117206" y="9237876"/>
+                <a:ext cx="1020894" cy="570926"/>
+              </a:xfrm>
+              <a:prstGeom prst="rect">
+                <a:avLst/>
+              </a:prstGeom>
+              <a:noFill/>
+            </p:spPr>
+            <p:txBody>
+              <a:bodyPr wrap="square" rtlCol="0">
+                <a:spAutoFit/>
+              </a:bodyPr>
+              <a:lstStyle/>
+              <a:p>
+                <a:r>
+                  <a:rPr lang="en-US" i="1" dirty="0">
+                    <a:latin typeface="Times" charset="0"/>
+                    <a:ea typeface="Times" charset="0"/>
+                    <a:cs typeface="Times" charset="0"/>
+                  </a:rPr>
+                  <a:t>n </a:t>
+                </a:r>
+                <a:r>
+                  <a:rPr lang="en-US" dirty="0">
+                    <a:latin typeface="Times" charset="0"/>
+                    <a:ea typeface="Times" charset="0"/>
+                    <a:cs typeface="Times" charset="0"/>
+                  </a:rPr>
+                  <a:t>= </a:t>
+                </a:r>
+                <a14:m>
+                  <m:oMath xmlns:m="http://schemas.openxmlformats.org/officeDocument/2006/math">
+                    <m:r>
+                      <a:rPr lang="en-US" b="0" i="1" smtClean="0">
+                        <a:latin typeface="Cambria Math" panose="02040503050406030204" pitchFamily="18" charset="0"/>
+                        <a:ea typeface="Times" charset="0"/>
+                        <a:cs typeface="Times" charset="0"/>
+                      </a:rPr>
+                      <m:t>20</m:t>
+                    </m:r>
+                  </m:oMath>
+                </a14:m>
+                <a:endParaRPr lang="en-US" dirty="0">
+                  <a:latin typeface="Times" charset="0"/>
+                  <a:ea typeface="Times" charset="0"/>
+                  <a:cs typeface="Times" charset="0"/>
+                </a:endParaRPr>
+              </a:p>
+              <a:p>
+                <a:endParaRPr lang="en-US" dirty="0">
+                  <a:latin typeface="Times" charset="0"/>
+                  <a:ea typeface="Times" charset="0"/>
+                  <a:cs typeface="Times" charset="0"/>
+                </a:endParaRPr>
+              </a:p>
+            </p:txBody>
+          </p:sp>
+        </mc:Choice>
+        <mc:Fallback xmlns="">
+          <p:sp>
+            <p:nvSpPr>
+              <p:cNvPr id="78" name="TextBox 77">
+                <a:extLst>
+                  <a:ext uri="{FF2B5EF4-FFF2-40B4-BE49-F238E27FC236}">
+                    <a16:creationId xmlns:a16="http://schemas.microsoft.com/office/drawing/2014/main" id="{F1B99312-9B22-494A-BD8B-A26CAB6EAD46}"/>
+                  </a:ext>
+                </a:extLst>
+              </p:cNvPr>
+              <p:cNvSpPr txBox="1">
+                <a:spLocks noRot="1" noChangeAspect="1" noMove="1" noResize="1" noEditPoints="1" noAdjustHandles="1" noChangeArrowheads="1" noChangeShapeType="1" noTextEdit="1"/>
+              </p:cNvSpPr>
+              <p:nvPr/>
+            </p:nvSpPr>
+            <p:spPr>
+              <a:xfrm>
+                <a:off x="117206" y="9237876"/>
+                <a:ext cx="1020894" cy="570926"/>
+              </a:xfrm>
+              <a:prstGeom prst="rect">
+                <a:avLst/>
+              </a:prstGeom>
+              <a:blipFill>
+                <a:blip r:embed="rId14"/>
+                <a:stretch>
+                  <a:fillRect l="-2439"/>
+                </a:stretch>
+              </a:blipFill>
+            </p:spPr>
+            <p:txBody>
+              <a:bodyPr/>
+              <a:lstStyle/>
+              <a:p>
+                <a:r>
+                  <a:rPr lang="en-US">
+                    <a:noFill/>
+                  </a:rPr>
+                  <a:t> </a:t>
+                </a:r>
+              </a:p>
+            </p:txBody>
+          </p:sp>
+        </mc:Fallback>
+      </mc:AlternateContent>
+      <mc:AlternateContent xmlns:mc="http://schemas.openxmlformats.org/markup-compatibility/2006" xmlns:a14="http://schemas.microsoft.com/office/drawing/2010/main">
+        <mc:Choice Requires="a14">
+          <p:sp>
+            <p:nvSpPr>
+              <p:cNvPr id="79" name="TextBox 78">
+                <a:extLst>
+                  <a:ext uri="{FF2B5EF4-FFF2-40B4-BE49-F238E27FC236}">
+                    <a16:creationId xmlns:a16="http://schemas.microsoft.com/office/drawing/2014/main" id="{F9D2CD06-D004-B54C-A4F5-982850EDB60B}"/>
+                  </a:ext>
+                </a:extLst>
+              </p:cNvPr>
+              <p:cNvSpPr txBox="1"/>
+              <p:nvPr/>
+            </p:nvSpPr>
+            <p:spPr>
+              <a:xfrm>
+                <a:off x="147277" y="11421969"/>
                 <a:ext cx="697275" cy="570926"/>
               </a:xfrm>
               <a:prstGeom prst="rect">
@@ -3373,7 +3669,7 @@
               <a:lstStyle/>
               <a:p>
                 <a:r>
-                  <a:rPr lang="en-US" i="1" dirty="0" smtClean="0">
+                  <a:rPr lang="en-US" i="1" dirty="0">
                     <a:latin typeface="Times" charset="0"/>
                     <a:ea typeface="Times" charset="0"/>
                     <a:cs typeface="Times" charset="0"/>
@@ -3381,7 +3677,7 @@
                   <a:t>n </a:t>
                 </a:r>
                 <a:r>
-                  <a:rPr lang="en-US" dirty="0" smtClean="0">
+                  <a:rPr lang="en-US" dirty="0">
                     <a:latin typeface="Times" charset="0"/>
                     <a:ea typeface="Times" charset="0"/>
                     <a:cs typeface="Times" charset="0"/>
@@ -3392,7 +3688,7 @@
                   <m:oMath xmlns:m="http://schemas.openxmlformats.org/officeDocument/2006/math">
                     <m:r>
                       <a:rPr lang="en-US" i="1">
-                        <a:latin typeface="Times" charset="0"/>
+                        <a:latin typeface="Cambria Math" panose="02040503050406030204" pitchFamily="18" charset="0"/>
                         <a:ea typeface="Times" charset="0"/>
                         <a:cs typeface="Times" charset="0"/>
                       </a:rPr>
@@ -3416,10 +3712,16 @@
             </p:txBody>
           </p:sp>
         </mc:Choice>
-        <mc:Fallback>
+        <mc:Fallback xmlns="">
           <p:sp>
             <p:nvSpPr>
-              <p:cNvPr id="54" name="TextBox 53"/>
+              <p:cNvPr id="79" name="TextBox 78">
+                <a:extLst>
+                  <a:ext uri="{FF2B5EF4-FFF2-40B4-BE49-F238E27FC236}">
+                    <a16:creationId xmlns:a16="http://schemas.microsoft.com/office/drawing/2014/main" id="{F9D2CD06-D004-B54C-A4F5-982850EDB60B}"/>
+                  </a:ext>
+                </a:extLst>
+              </p:cNvPr>
               <p:cNvSpPr txBox="1">
                 <a:spLocks noRot="1" noChangeAspect="1" noMove="1" noResize="1" noEditPoints="1" noAdjustHandles="1" noChangeArrowheads="1" noChangeShapeType="1" noTextEdit="1"/>
               </p:cNvSpPr>
@@ -3427,16 +3729,16 @@
             </p:nvSpPr>
             <p:spPr>
               <a:xfrm>
-                <a:off x="191680" y="9553291"/>
+                <a:off x="147277" y="11421969"/>
                 <a:ext cx="697275" cy="570926"/>
               </a:xfrm>
               <a:prstGeom prst="rect">
                 <a:avLst/>
               </a:prstGeom>
-              <a:blipFill rotWithShape="0">
-                <a:blip r:embed="rId10"/>
+              <a:blipFill>
+                <a:blip r:embed="rId15"/>
                 <a:stretch>
-                  <a:fillRect l="-3478" t="-1064"/>
+                  <a:fillRect l="-5455"/>
                 </a:stretch>
               </a:blipFill>
             </p:spPr>
@@ -3455,66 +3757,45 @@
           </p:sp>
         </mc:Fallback>
       </mc:AlternateContent>
-      <p:pic>
-        <p:nvPicPr>
-          <p:cNvPr id="2" name="Picture 1"/>
-          <p:cNvPicPr>
-            <a:picLocks noChangeAspect="1"/>
-          </p:cNvPicPr>
-          <p:nvPr/>
-        </p:nvPicPr>
-        <p:blipFill>
-          <a:blip r:embed="rId11">
+      <p:cxnSp>
+        <p:nvCxnSpPr>
+          <p:cNvPr id="34" name="Straight Connector 33">
             <a:extLst>
-              <a:ext uri="{28A0092B-C50C-407E-A947-70E740481C1C}">
-                <a14:useLocalDpi xmlns:a14="http://schemas.microsoft.com/office/drawing/2010/main" val="0"/>
+              <a:ext uri="{FF2B5EF4-FFF2-40B4-BE49-F238E27FC236}">
+                <a16:creationId xmlns:a16="http://schemas.microsoft.com/office/drawing/2014/main" id="{A94E94A1-D1D6-8041-9440-8D21E9EC627E}"/>
               </a:ext>
             </a:extLst>
-          </a:blip>
-          <a:stretch>
-            <a:fillRect/>
-          </a:stretch>
-        </p:blipFill>
+          </p:cNvPr>
+          <p:cNvCxnSpPr>
+            <a:cxnSpLocks/>
+            <a:stCxn id="62" idx="1"/>
+          </p:cNvCxnSpPr>
+          <p:nvPr/>
+        </p:nvCxnSpPr>
         <p:spPr>
           <a:xfrm>
-            <a:off x="2171037" y="8588031"/>
-            <a:ext cx="2363781" cy="2363781"/>
+            <a:off x="914502" y="11568287"/>
+            <a:ext cx="1030141" cy="0"/>
           </a:xfrm>
-          <a:prstGeom prst="rect">
+          <a:prstGeom prst="line">
             <a:avLst/>
           </a:prstGeom>
         </p:spPr>
-      </p:pic>
-      <p:pic>
-        <p:nvPicPr>
-          <p:cNvPr id="3" name="Picture 2"/>
-          <p:cNvPicPr>
-            <a:picLocks noChangeAspect="1"/>
-          </p:cNvPicPr>
-          <p:nvPr/>
-        </p:nvPicPr>
-        <p:blipFill>
-          <a:blip r:embed="rId12">
-            <a:extLst>
-              <a:ext uri="{28A0092B-C50C-407E-A947-70E740481C1C}">
-                <a14:useLocalDpi xmlns:a14="http://schemas.microsoft.com/office/drawing/2010/main" val="0"/>
-              </a:ext>
-            </a:extLst>
-          </a:blip>
-          <a:stretch>
-            <a:fillRect/>
-          </a:stretch>
-        </p:blipFill>
-        <p:spPr>
-          <a:xfrm>
-            <a:off x="774976" y="9060286"/>
-            <a:ext cx="1302043" cy="1296685"/>
-          </a:xfrm>
-          <a:prstGeom prst="rect">
-            <a:avLst/>
-          </a:prstGeom>
-        </p:spPr>
-      </p:pic>
+        <p:style>
+          <a:lnRef idx="1">
+            <a:schemeClr val="accent1"/>
+          </a:lnRef>
+          <a:fillRef idx="0">
+            <a:schemeClr val="accent1"/>
+          </a:fillRef>
+          <a:effectRef idx="0">
+            <a:schemeClr val="accent1"/>
+          </a:effectRef>
+          <a:fontRef idx="minor">
+            <a:schemeClr val="tx1"/>
+          </a:fontRef>
+        </p:style>
+      </p:cxnSp>
     </p:spTree>
     <p:extLst>
       <p:ext uri="{BB962C8B-B14F-4D97-AF65-F5344CB8AC3E}">

--- a/journalWallFriction/pictures/pdf/differentNumSides.pptx
+++ b/journalWallFriction/pictures/pdf/differentNumSides.pptx
@@ -243,7 +243,7 @@
           <a:p>
             <a:fld id="{BD5E1F6D-FFA6-BC44-B9B8-BBE6A1110E96}" type="datetimeFigureOut">
               <a:rPr lang="en-US" smtClean="0"/>
-              <a:t>5/7/18</a:t>
+              <a:t>5/13/18</a:t>
             </a:fld>
             <a:endParaRPr lang="en-US"/>
           </a:p>
@@ -413,7 +413,7 @@
           <a:p>
             <a:fld id="{BD5E1F6D-FFA6-BC44-B9B8-BBE6A1110E96}" type="datetimeFigureOut">
               <a:rPr lang="en-US" smtClean="0"/>
-              <a:t>5/7/18</a:t>
+              <a:t>5/13/18</a:t>
             </a:fld>
             <a:endParaRPr lang="en-US"/>
           </a:p>
@@ -593,7 +593,7 @@
           <a:p>
             <a:fld id="{BD5E1F6D-FFA6-BC44-B9B8-BBE6A1110E96}" type="datetimeFigureOut">
               <a:rPr lang="en-US" smtClean="0"/>
-              <a:t>5/7/18</a:t>
+              <a:t>5/13/18</a:t>
             </a:fld>
             <a:endParaRPr lang="en-US"/>
           </a:p>
@@ -763,7 +763,7 @@
           <a:p>
             <a:fld id="{BD5E1F6D-FFA6-BC44-B9B8-BBE6A1110E96}" type="datetimeFigureOut">
               <a:rPr lang="en-US" smtClean="0"/>
-              <a:t>5/7/18</a:t>
+              <a:t>5/13/18</a:t>
             </a:fld>
             <a:endParaRPr lang="en-US"/>
           </a:p>
@@ -1007,7 +1007,7 @@
           <a:p>
             <a:fld id="{BD5E1F6D-FFA6-BC44-B9B8-BBE6A1110E96}" type="datetimeFigureOut">
               <a:rPr lang="en-US" smtClean="0"/>
-              <a:t>5/7/18</a:t>
+              <a:t>5/13/18</a:t>
             </a:fld>
             <a:endParaRPr lang="en-US"/>
           </a:p>
@@ -1239,7 +1239,7 @@
           <a:p>
             <a:fld id="{BD5E1F6D-FFA6-BC44-B9B8-BBE6A1110E96}" type="datetimeFigureOut">
               <a:rPr lang="en-US" smtClean="0"/>
-              <a:t>5/7/18</a:t>
+              <a:t>5/13/18</a:t>
             </a:fld>
             <a:endParaRPr lang="en-US"/>
           </a:p>
@@ -1606,7 +1606,7 @@
           <a:p>
             <a:fld id="{BD5E1F6D-FFA6-BC44-B9B8-BBE6A1110E96}" type="datetimeFigureOut">
               <a:rPr lang="en-US" smtClean="0"/>
-              <a:t>5/7/18</a:t>
+              <a:t>5/13/18</a:t>
             </a:fld>
             <a:endParaRPr lang="en-US"/>
           </a:p>
@@ -1724,7 +1724,7 @@
           <a:p>
             <a:fld id="{BD5E1F6D-FFA6-BC44-B9B8-BBE6A1110E96}" type="datetimeFigureOut">
               <a:rPr lang="en-US" smtClean="0"/>
-              <a:t>5/7/18</a:t>
+              <a:t>5/13/18</a:t>
             </a:fld>
             <a:endParaRPr lang="en-US"/>
           </a:p>
@@ -1819,7 +1819,7 @@
           <a:p>
             <a:fld id="{BD5E1F6D-FFA6-BC44-B9B8-BBE6A1110E96}" type="datetimeFigureOut">
               <a:rPr lang="en-US" smtClean="0"/>
-              <a:t>5/7/18</a:t>
+              <a:t>5/13/18</a:t>
             </a:fld>
             <a:endParaRPr lang="en-US"/>
           </a:p>
@@ -2096,7 +2096,7 @@
           <a:p>
             <a:fld id="{BD5E1F6D-FFA6-BC44-B9B8-BBE6A1110E96}" type="datetimeFigureOut">
               <a:rPr lang="en-US" smtClean="0"/>
-              <a:t>5/7/18</a:t>
+              <a:t>5/13/18</a:t>
             </a:fld>
             <a:endParaRPr lang="en-US"/>
           </a:p>
@@ -2353,7 +2353,7 @@
           <a:p>
             <a:fld id="{BD5E1F6D-FFA6-BC44-B9B8-BBE6A1110E96}" type="datetimeFigureOut">
               <a:rPr lang="en-US" smtClean="0"/>
-              <a:t>5/7/18</a:t>
+              <a:t>5/13/18</a:t>
             </a:fld>
             <a:endParaRPr lang="en-US"/>
           </a:p>
@@ -2566,7 +2566,7 @@
           <a:p>
             <a:fld id="{BD5E1F6D-FFA6-BC44-B9B8-BBE6A1110E96}" type="datetimeFigureOut">
               <a:rPr lang="en-US" smtClean="0"/>
-              <a:t>5/7/18</a:t>
+              <a:t>5/13/18</a:t>
             </a:fld>
             <a:endParaRPr lang="en-US"/>
           </a:p>
@@ -3757,45 +3757,6 @@
           </p:sp>
         </mc:Fallback>
       </mc:AlternateContent>
-      <p:cxnSp>
-        <p:nvCxnSpPr>
-          <p:cNvPr id="34" name="Straight Connector 33">
-            <a:extLst>
-              <a:ext uri="{FF2B5EF4-FFF2-40B4-BE49-F238E27FC236}">
-                <a16:creationId xmlns:a16="http://schemas.microsoft.com/office/drawing/2014/main" id="{A94E94A1-D1D6-8041-9440-8D21E9EC627E}"/>
-              </a:ext>
-            </a:extLst>
-          </p:cNvPr>
-          <p:cNvCxnSpPr>
-            <a:cxnSpLocks/>
-            <a:stCxn id="62" idx="1"/>
-          </p:cNvCxnSpPr>
-          <p:nvPr/>
-        </p:nvCxnSpPr>
-        <p:spPr>
-          <a:xfrm>
-            <a:off x="914502" y="11568287"/>
-            <a:ext cx="1030141" cy="0"/>
-          </a:xfrm>
-          <a:prstGeom prst="line">
-            <a:avLst/>
-          </a:prstGeom>
-        </p:spPr>
-        <p:style>
-          <a:lnRef idx="1">
-            <a:schemeClr val="accent1"/>
-          </a:lnRef>
-          <a:fillRef idx="0">
-            <a:schemeClr val="accent1"/>
-          </a:fillRef>
-          <a:effectRef idx="0">
-            <a:schemeClr val="accent1"/>
-          </a:effectRef>
-          <a:fontRef idx="minor">
-            <a:schemeClr val="tx1"/>
-          </a:fontRef>
-        </p:style>
-      </p:cxnSp>
     </p:spTree>
     <p:extLst>
       <p:ext uri="{BB962C8B-B14F-4D97-AF65-F5344CB8AC3E}">

--- a/journalWallFriction/pictures/pdf/differentNumSides.pptx
+++ b/journalWallFriction/pictures/pdf/differentNumSides.pptx
@@ -243,7 +243,7 @@
           <a:p>
             <a:fld id="{BD5E1F6D-FFA6-BC44-B9B8-BBE6A1110E96}" type="datetimeFigureOut">
               <a:rPr lang="en-US" smtClean="0"/>
-              <a:t>5/13/18</a:t>
+              <a:t>5/28/18</a:t>
             </a:fld>
             <a:endParaRPr lang="en-US"/>
           </a:p>
@@ -413,7 +413,7 @@
           <a:p>
             <a:fld id="{BD5E1F6D-FFA6-BC44-B9B8-BBE6A1110E96}" type="datetimeFigureOut">
               <a:rPr lang="en-US" smtClean="0"/>
-              <a:t>5/13/18</a:t>
+              <a:t>5/28/18</a:t>
             </a:fld>
             <a:endParaRPr lang="en-US"/>
           </a:p>
@@ -593,7 +593,7 @@
           <a:p>
             <a:fld id="{BD5E1F6D-FFA6-BC44-B9B8-BBE6A1110E96}" type="datetimeFigureOut">
               <a:rPr lang="en-US" smtClean="0"/>
-              <a:t>5/13/18</a:t>
+              <a:t>5/28/18</a:t>
             </a:fld>
             <a:endParaRPr lang="en-US"/>
           </a:p>
@@ -763,7 +763,7 @@
           <a:p>
             <a:fld id="{BD5E1F6D-FFA6-BC44-B9B8-BBE6A1110E96}" type="datetimeFigureOut">
               <a:rPr lang="en-US" smtClean="0"/>
-              <a:t>5/13/18</a:t>
+              <a:t>5/28/18</a:t>
             </a:fld>
             <a:endParaRPr lang="en-US"/>
           </a:p>
@@ -1007,7 +1007,7 @@
           <a:p>
             <a:fld id="{BD5E1F6D-FFA6-BC44-B9B8-BBE6A1110E96}" type="datetimeFigureOut">
               <a:rPr lang="en-US" smtClean="0"/>
-              <a:t>5/13/18</a:t>
+              <a:t>5/28/18</a:t>
             </a:fld>
             <a:endParaRPr lang="en-US"/>
           </a:p>
@@ -1239,7 +1239,7 @@
           <a:p>
             <a:fld id="{BD5E1F6D-FFA6-BC44-B9B8-BBE6A1110E96}" type="datetimeFigureOut">
               <a:rPr lang="en-US" smtClean="0"/>
-              <a:t>5/13/18</a:t>
+              <a:t>5/28/18</a:t>
             </a:fld>
             <a:endParaRPr lang="en-US"/>
           </a:p>
@@ -1606,7 +1606,7 @@
           <a:p>
             <a:fld id="{BD5E1F6D-FFA6-BC44-B9B8-BBE6A1110E96}" type="datetimeFigureOut">
               <a:rPr lang="en-US" smtClean="0"/>
-              <a:t>5/13/18</a:t>
+              <a:t>5/28/18</a:t>
             </a:fld>
             <a:endParaRPr lang="en-US"/>
           </a:p>
@@ -1724,7 +1724,7 @@
           <a:p>
             <a:fld id="{BD5E1F6D-FFA6-BC44-B9B8-BBE6A1110E96}" type="datetimeFigureOut">
               <a:rPr lang="en-US" smtClean="0"/>
-              <a:t>5/13/18</a:t>
+              <a:t>5/28/18</a:t>
             </a:fld>
             <a:endParaRPr lang="en-US"/>
           </a:p>
@@ -1819,7 +1819,7 @@
           <a:p>
             <a:fld id="{BD5E1F6D-FFA6-BC44-B9B8-BBE6A1110E96}" type="datetimeFigureOut">
               <a:rPr lang="en-US" smtClean="0"/>
-              <a:t>5/13/18</a:t>
+              <a:t>5/28/18</a:t>
             </a:fld>
             <a:endParaRPr lang="en-US"/>
           </a:p>
@@ -2096,7 +2096,7 @@
           <a:p>
             <a:fld id="{BD5E1F6D-FFA6-BC44-B9B8-BBE6A1110E96}" type="datetimeFigureOut">
               <a:rPr lang="en-US" smtClean="0"/>
-              <a:t>5/13/18</a:t>
+              <a:t>5/28/18</a:t>
             </a:fld>
             <a:endParaRPr lang="en-US"/>
           </a:p>
@@ -2353,7 +2353,7 @@
           <a:p>
             <a:fld id="{BD5E1F6D-FFA6-BC44-B9B8-BBE6A1110E96}" type="datetimeFigureOut">
               <a:rPr lang="en-US" smtClean="0"/>
-              <a:t>5/13/18</a:t>
+              <a:t>5/28/18</a:t>
             </a:fld>
             <a:endParaRPr lang="en-US"/>
           </a:p>
@@ -2566,7 +2566,7 @@
           <a:p>
             <a:fld id="{BD5E1F6D-FFA6-BC44-B9B8-BBE6A1110E96}" type="datetimeFigureOut">
               <a:rPr lang="en-US" smtClean="0"/>
-              <a:t>5/13/18</a:t>
+              <a:t>5/28/18</a:t>
             </a:fld>
             <a:endParaRPr lang="en-US"/>
           </a:p>
@@ -2973,66 +2973,6 @@
       </p:grpSpPr>
       <p:pic>
         <p:nvPicPr>
-          <p:cNvPr id="62" name="Picture 61">
-            <a:extLst>
-              <a:ext uri="{FF2B5EF4-FFF2-40B4-BE49-F238E27FC236}">
-                <a16:creationId xmlns:a16="http://schemas.microsoft.com/office/drawing/2014/main" id="{850B81FA-D714-254C-BFB2-EBA53B1DEECF}"/>
-              </a:ext>
-            </a:extLst>
-          </p:cNvPr>
-          <p:cNvPicPr>
-            <a:picLocks noChangeAspect="1"/>
-          </p:cNvPicPr>
-          <p:nvPr/>
-        </p:nvPicPr>
-        <p:blipFill>
-          <a:blip r:embed="rId2"/>
-          <a:stretch>
-            <a:fillRect/>
-          </a:stretch>
-        </p:blipFill>
-        <p:spPr>
-          <a:xfrm>
-            <a:off x="914502" y="11045743"/>
-            <a:ext cx="1045087" cy="1045087"/>
-          </a:xfrm>
-          <a:prstGeom prst="rect">
-            <a:avLst/>
-          </a:prstGeom>
-        </p:spPr>
-      </p:pic>
-      <p:pic>
-        <p:nvPicPr>
-          <p:cNvPr id="63" name="Picture 62">
-            <a:extLst>
-              <a:ext uri="{FF2B5EF4-FFF2-40B4-BE49-F238E27FC236}">
-                <a16:creationId xmlns:a16="http://schemas.microsoft.com/office/drawing/2014/main" id="{220E0EEA-984F-5B42-9C69-4DFCD1636D8B}"/>
-              </a:ext>
-            </a:extLst>
-          </p:cNvPr>
-          <p:cNvPicPr>
-            <a:picLocks noChangeAspect="1"/>
-          </p:cNvPicPr>
-          <p:nvPr/>
-        </p:nvPicPr>
-        <p:blipFill>
-          <a:blip r:embed="rId3"/>
-          <a:stretch>
-            <a:fillRect/>
-          </a:stretch>
-        </p:blipFill>
-        <p:spPr>
-          <a:xfrm>
-            <a:off x="2397971" y="10661994"/>
-            <a:ext cx="2108406" cy="2112790"/>
-          </a:xfrm>
-          <a:prstGeom prst="rect">
-            <a:avLst/>
-          </a:prstGeom>
-        </p:spPr>
-      </p:pic>
-      <p:pic>
-        <p:nvPicPr>
           <p:cNvPr id="64" name="Picture 63">
             <a:extLst>
               <a:ext uri="{FF2B5EF4-FFF2-40B4-BE49-F238E27FC236}">
@@ -3046,7 +2986,7 @@
           <p:nvPr/>
         </p:nvPicPr>
         <p:blipFill>
-          <a:blip r:embed="rId4"/>
+          <a:blip r:embed="rId2"/>
           <a:stretch>
             <a:fillRect/>
           </a:stretch>
@@ -3076,7 +3016,7 @@
           <p:nvPr/>
         </p:nvPicPr>
         <p:blipFill>
-          <a:blip r:embed="rId5"/>
+          <a:blip r:embed="rId3"/>
           <a:stretch>
             <a:fillRect/>
           </a:stretch>
@@ -3106,7 +3046,7 @@
           <p:nvPr/>
         </p:nvPicPr>
         <p:blipFill>
-          <a:blip r:embed="rId6"/>
+          <a:blip r:embed="rId4"/>
           <a:stretch>
             <a:fillRect/>
           </a:stretch>
@@ -3136,7 +3076,7 @@
           <p:nvPr/>
         </p:nvPicPr>
         <p:blipFill>
-          <a:blip r:embed="rId7"/>
+          <a:blip r:embed="rId5"/>
           <a:stretch>
             <a:fillRect/>
           </a:stretch>
@@ -3166,7 +3106,7 @@
           <p:nvPr/>
         </p:nvPicPr>
         <p:blipFill>
-          <a:blip r:embed="rId8"/>
+          <a:blip r:embed="rId6"/>
           <a:stretch>
             <a:fillRect/>
           </a:stretch>
@@ -3196,7 +3136,7 @@
           <p:nvPr/>
         </p:nvPicPr>
         <p:blipFill>
-          <a:blip r:embed="rId9"/>
+          <a:blip r:embed="rId7"/>
           <a:stretch>
             <a:fillRect/>
           </a:stretch>
@@ -3205,66 +3145,6 @@
           <a:xfrm>
             <a:off x="2440432" y="8496152"/>
             <a:ext cx="2068506" cy="2059271"/>
-          </a:xfrm>
-          <a:prstGeom prst="rect">
-            <a:avLst/>
-          </a:prstGeom>
-        </p:spPr>
-      </p:pic>
-      <p:pic>
-        <p:nvPicPr>
-          <p:cNvPr id="70" name="Picture 69">
-            <a:extLst>
-              <a:ext uri="{FF2B5EF4-FFF2-40B4-BE49-F238E27FC236}">
-                <a16:creationId xmlns:a16="http://schemas.microsoft.com/office/drawing/2014/main" id="{02948552-5F45-0F46-B35F-A6CD5E8B71F1}"/>
-              </a:ext>
-            </a:extLst>
-          </p:cNvPr>
-          <p:cNvPicPr>
-            <a:picLocks noChangeAspect="1"/>
-          </p:cNvPicPr>
-          <p:nvPr/>
-        </p:nvPicPr>
-        <p:blipFill>
-          <a:blip r:embed="rId10"/>
-          <a:stretch>
-            <a:fillRect/>
-          </a:stretch>
-        </p:blipFill>
-        <p:spPr>
-          <a:xfrm>
-            <a:off x="834796" y="2734291"/>
-            <a:ext cx="1051328" cy="1079240"/>
-          </a:xfrm>
-          <a:prstGeom prst="rect">
-            <a:avLst/>
-          </a:prstGeom>
-        </p:spPr>
-      </p:pic>
-      <p:pic>
-        <p:nvPicPr>
-          <p:cNvPr id="71" name="Picture 70">
-            <a:extLst>
-              <a:ext uri="{FF2B5EF4-FFF2-40B4-BE49-F238E27FC236}">
-                <a16:creationId xmlns:a16="http://schemas.microsoft.com/office/drawing/2014/main" id="{58734BFC-AE35-0943-9D36-34327A3C1C25}"/>
-              </a:ext>
-            </a:extLst>
-          </p:cNvPr>
-          <p:cNvPicPr>
-            <a:picLocks noChangeAspect="1"/>
-          </p:cNvPicPr>
-          <p:nvPr/>
-        </p:nvPicPr>
-        <p:blipFill>
-          <a:blip r:embed="rId11"/>
-          <a:stretch>
-            <a:fillRect/>
-          </a:stretch>
-        </p:blipFill>
-        <p:spPr>
-          <a:xfrm>
-            <a:off x="2422068" y="2179093"/>
-            <a:ext cx="2149933" cy="2164364"/>
           </a:xfrm>
           <a:prstGeom prst="rect">
             <a:avLst/>
@@ -3286,7 +3166,7 @@
           <p:nvPr/>
         </p:nvPicPr>
         <p:blipFill>
-          <a:blip r:embed="rId12"/>
+          <a:blip r:embed="rId8"/>
           <a:stretch>
             <a:fillRect/>
           </a:stretch>
@@ -3316,7 +3196,7 @@
           <p:nvPr/>
         </p:nvPicPr>
         <p:blipFill>
-          <a:blip r:embed="rId13"/>
+          <a:blip r:embed="rId9"/>
           <a:stretch>
             <a:fillRect/>
           </a:stretch>
@@ -3757,6 +3637,602 @@
           </p:sp>
         </mc:Fallback>
       </mc:AlternateContent>
+      <p:pic>
+        <p:nvPicPr>
+          <p:cNvPr id="3" name="Picture 2">
+            <a:extLst>
+              <a:ext uri="{FF2B5EF4-FFF2-40B4-BE49-F238E27FC236}">
+                <a16:creationId xmlns:a16="http://schemas.microsoft.com/office/drawing/2014/main" id="{3F6114F0-DBE3-D543-92AD-BAC56481B576}"/>
+              </a:ext>
+            </a:extLst>
+          </p:cNvPr>
+          <p:cNvPicPr>
+            <a:picLocks noChangeAspect="1"/>
+          </p:cNvPicPr>
+          <p:nvPr/>
+        </p:nvPicPr>
+        <p:blipFill>
+          <a:blip r:embed="rId16"/>
+          <a:stretch>
+            <a:fillRect/>
+          </a:stretch>
+        </p:blipFill>
+        <p:spPr>
+          <a:xfrm>
+            <a:off x="845668" y="2571426"/>
+            <a:ext cx="1105389" cy="1124697"/>
+          </a:xfrm>
+          <a:prstGeom prst="rect">
+            <a:avLst/>
+          </a:prstGeom>
+        </p:spPr>
+      </p:pic>
+      <p:pic>
+        <p:nvPicPr>
+          <p:cNvPr id="5" name="Picture 4">
+            <a:extLst>
+              <a:ext uri="{FF2B5EF4-FFF2-40B4-BE49-F238E27FC236}">
+                <a16:creationId xmlns:a16="http://schemas.microsoft.com/office/drawing/2014/main" id="{56F3AD5D-72D0-7849-ADE6-917A04344280}"/>
+              </a:ext>
+            </a:extLst>
+          </p:cNvPr>
+          <p:cNvPicPr>
+            <a:picLocks noChangeAspect="1"/>
+          </p:cNvPicPr>
+          <p:nvPr/>
+        </p:nvPicPr>
+        <p:blipFill>
+          <a:blip r:embed="rId17"/>
+          <a:stretch>
+            <a:fillRect/>
+          </a:stretch>
+        </p:blipFill>
+        <p:spPr>
+          <a:xfrm>
+            <a:off x="2411351" y="2102476"/>
+            <a:ext cx="2183645" cy="2183645"/>
+          </a:xfrm>
+          <a:prstGeom prst="rect">
+            <a:avLst/>
+          </a:prstGeom>
+        </p:spPr>
+      </p:pic>
+      <p:sp>
+        <p:nvSpPr>
+          <p:cNvPr id="6" name="Oval 5">
+            <a:extLst>
+              <a:ext uri="{FF2B5EF4-FFF2-40B4-BE49-F238E27FC236}">
+                <a16:creationId xmlns:a16="http://schemas.microsoft.com/office/drawing/2014/main" id="{85DC7F14-5B7D-6640-B22E-DC89AB6C75A0}"/>
+              </a:ext>
+            </a:extLst>
+          </p:cNvPr>
+          <p:cNvSpPr/>
+          <p:nvPr/>
+        </p:nvSpPr>
+        <p:spPr>
+          <a:xfrm>
+            <a:off x="3766783" y="5475435"/>
+            <a:ext cx="45719" cy="45719"/>
+          </a:xfrm>
+          <a:prstGeom prst="ellipse">
+            <a:avLst/>
+          </a:prstGeom>
+          <a:solidFill>
+            <a:srgbClr val="00B050"/>
+          </a:solidFill>
+          <a:ln>
+            <a:solidFill>
+              <a:srgbClr val="00B050"/>
+            </a:solidFill>
+          </a:ln>
+        </p:spPr>
+        <p:style>
+          <a:lnRef idx="2">
+            <a:schemeClr val="accent1">
+              <a:shade val="50000"/>
+            </a:schemeClr>
+          </a:lnRef>
+          <a:fillRef idx="1">
+            <a:schemeClr val="accent1"/>
+          </a:fillRef>
+          <a:effectRef idx="0">
+            <a:schemeClr val="accent1"/>
+          </a:effectRef>
+          <a:fontRef idx="minor">
+            <a:schemeClr val="lt1"/>
+          </a:fontRef>
+        </p:style>
+        <p:txBody>
+          <a:bodyPr rtlCol="0" anchor="ctr"/>
+          <a:lstStyle/>
+          <a:p>
+            <a:pPr algn="ctr"/>
+            <a:endParaRPr lang="en-US"/>
+          </a:p>
+        </p:txBody>
+      </p:sp>
+      <p:sp>
+        <p:nvSpPr>
+          <p:cNvPr id="7" name="TextBox 6">
+            <a:extLst>
+              <a:ext uri="{FF2B5EF4-FFF2-40B4-BE49-F238E27FC236}">
+                <a16:creationId xmlns:a16="http://schemas.microsoft.com/office/drawing/2014/main" id="{13A79A47-0B1D-584E-8DC5-DBBBFD6016D2}"/>
+              </a:ext>
+            </a:extLst>
+          </p:cNvPr>
+          <p:cNvSpPr txBox="1"/>
+          <p:nvPr/>
+        </p:nvSpPr>
+        <p:spPr>
+          <a:xfrm>
+            <a:off x="3616770" y="5445560"/>
+            <a:ext cx="514066" cy="307777"/>
+          </a:xfrm>
+          <a:prstGeom prst="rect">
+            <a:avLst/>
+          </a:prstGeom>
+          <a:noFill/>
+        </p:spPr>
+        <p:txBody>
+          <a:bodyPr wrap="square" rtlCol="0">
+            <a:spAutoFit/>
+          </a:bodyPr>
+          <a:lstStyle/>
+          <a:p>
+            <a:r>
+              <a:rPr lang="en-US" sz="1400" i="1" dirty="0">
+                <a:latin typeface="Times" pitchFamily="2" charset="0"/>
+              </a:rPr>
+              <a:t>△</a:t>
+            </a:r>
+            <a:r>
+              <a:rPr lang="en-US" sz="1400" i="1" dirty="0" err="1">
+                <a:latin typeface="Times" pitchFamily="2" charset="0"/>
+              </a:rPr>
+              <a:t>g</a:t>
+            </a:r>
+            <a:r>
+              <a:rPr lang="en-US" sz="1400" i="1" baseline="-25000" dirty="0" err="1">
+                <a:latin typeface="Times" pitchFamily="2" charset="0"/>
+              </a:rPr>
+              <a:t>c</a:t>
+            </a:r>
+            <a:endParaRPr lang="en-US" sz="1400" i="1" dirty="0">
+              <a:latin typeface="Times" pitchFamily="2" charset="0"/>
+            </a:endParaRPr>
+          </a:p>
+        </p:txBody>
+      </p:sp>
+      <p:sp>
+        <p:nvSpPr>
+          <p:cNvPr id="28" name="Oval 27">
+            <a:extLst>
+              <a:ext uri="{FF2B5EF4-FFF2-40B4-BE49-F238E27FC236}">
+                <a16:creationId xmlns:a16="http://schemas.microsoft.com/office/drawing/2014/main" id="{B81376F7-6891-944A-977B-FA7FB70AD094}"/>
+              </a:ext>
+            </a:extLst>
+          </p:cNvPr>
+          <p:cNvSpPr/>
+          <p:nvPr/>
+        </p:nvSpPr>
+        <p:spPr>
+          <a:xfrm>
+            <a:off x="3598460" y="7405799"/>
+            <a:ext cx="45719" cy="45719"/>
+          </a:xfrm>
+          <a:prstGeom prst="ellipse">
+            <a:avLst/>
+          </a:prstGeom>
+          <a:solidFill>
+            <a:srgbClr val="00B050"/>
+          </a:solidFill>
+          <a:ln>
+            <a:solidFill>
+              <a:srgbClr val="00B050"/>
+            </a:solidFill>
+          </a:ln>
+        </p:spPr>
+        <p:style>
+          <a:lnRef idx="2">
+            <a:schemeClr val="accent1">
+              <a:shade val="50000"/>
+            </a:schemeClr>
+          </a:lnRef>
+          <a:fillRef idx="1">
+            <a:schemeClr val="accent1"/>
+          </a:fillRef>
+          <a:effectRef idx="0">
+            <a:schemeClr val="accent1"/>
+          </a:effectRef>
+          <a:fontRef idx="minor">
+            <a:schemeClr val="lt1"/>
+          </a:fontRef>
+        </p:style>
+        <p:txBody>
+          <a:bodyPr rtlCol="0" anchor="ctr"/>
+          <a:lstStyle/>
+          <a:p>
+            <a:pPr algn="ctr"/>
+            <a:endParaRPr lang="en-US"/>
+          </a:p>
+        </p:txBody>
+      </p:sp>
+      <p:sp>
+        <p:nvSpPr>
+          <p:cNvPr id="29" name="TextBox 28">
+            <a:extLst>
+              <a:ext uri="{FF2B5EF4-FFF2-40B4-BE49-F238E27FC236}">
+                <a16:creationId xmlns:a16="http://schemas.microsoft.com/office/drawing/2014/main" id="{CD8654FC-B89F-DF4C-A39E-D3A0ED0224F1}"/>
+              </a:ext>
+            </a:extLst>
+          </p:cNvPr>
+          <p:cNvSpPr txBox="1"/>
+          <p:nvPr/>
+        </p:nvSpPr>
+        <p:spPr>
+          <a:xfrm>
+            <a:off x="3452174" y="7366768"/>
+            <a:ext cx="514066" cy="307777"/>
+          </a:xfrm>
+          <a:prstGeom prst="rect">
+            <a:avLst/>
+          </a:prstGeom>
+          <a:noFill/>
+        </p:spPr>
+        <p:txBody>
+          <a:bodyPr wrap="square" rtlCol="0">
+            <a:spAutoFit/>
+          </a:bodyPr>
+          <a:lstStyle/>
+          <a:p>
+            <a:r>
+              <a:rPr lang="en-US" sz="1400" i="1" dirty="0">
+                <a:latin typeface="Times" pitchFamily="2" charset="0"/>
+              </a:rPr>
+              <a:t>△</a:t>
+            </a:r>
+            <a:r>
+              <a:rPr lang="en-US" sz="1400" i="1" dirty="0" err="1">
+                <a:latin typeface="Times" pitchFamily="2" charset="0"/>
+              </a:rPr>
+              <a:t>g</a:t>
+            </a:r>
+            <a:r>
+              <a:rPr lang="en-US" sz="1400" i="1" baseline="-25000" dirty="0" err="1">
+                <a:latin typeface="Times" pitchFamily="2" charset="0"/>
+              </a:rPr>
+              <a:t>c</a:t>
+            </a:r>
+            <a:endParaRPr lang="en-US" sz="1400" i="1" dirty="0">
+              <a:latin typeface="Times" pitchFamily="2" charset="0"/>
+            </a:endParaRPr>
+          </a:p>
+        </p:txBody>
+      </p:sp>
+      <p:sp>
+        <p:nvSpPr>
+          <p:cNvPr id="30" name="Oval 29">
+            <a:extLst>
+              <a:ext uri="{FF2B5EF4-FFF2-40B4-BE49-F238E27FC236}">
+                <a16:creationId xmlns:a16="http://schemas.microsoft.com/office/drawing/2014/main" id="{68E024CD-FEEB-5143-A070-FE3E03F87489}"/>
+              </a:ext>
+            </a:extLst>
+          </p:cNvPr>
+          <p:cNvSpPr/>
+          <p:nvPr/>
+        </p:nvSpPr>
+        <p:spPr>
+          <a:xfrm>
+            <a:off x="3641678" y="9611749"/>
+            <a:ext cx="45719" cy="45719"/>
+          </a:xfrm>
+          <a:prstGeom prst="ellipse">
+            <a:avLst/>
+          </a:prstGeom>
+          <a:solidFill>
+            <a:srgbClr val="00B050"/>
+          </a:solidFill>
+          <a:ln>
+            <a:solidFill>
+              <a:srgbClr val="00B050"/>
+            </a:solidFill>
+          </a:ln>
+        </p:spPr>
+        <p:style>
+          <a:lnRef idx="2">
+            <a:schemeClr val="accent1">
+              <a:shade val="50000"/>
+            </a:schemeClr>
+          </a:lnRef>
+          <a:fillRef idx="1">
+            <a:schemeClr val="accent1"/>
+          </a:fillRef>
+          <a:effectRef idx="0">
+            <a:schemeClr val="accent1"/>
+          </a:effectRef>
+          <a:fontRef idx="minor">
+            <a:schemeClr val="lt1"/>
+          </a:fontRef>
+        </p:style>
+        <p:txBody>
+          <a:bodyPr rtlCol="0" anchor="ctr"/>
+          <a:lstStyle/>
+          <a:p>
+            <a:pPr algn="ctr"/>
+            <a:endParaRPr lang="en-US"/>
+          </a:p>
+        </p:txBody>
+      </p:sp>
+      <p:sp>
+        <p:nvSpPr>
+          <p:cNvPr id="31" name="TextBox 30">
+            <a:extLst>
+              <a:ext uri="{FF2B5EF4-FFF2-40B4-BE49-F238E27FC236}">
+                <a16:creationId xmlns:a16="http://schemas.microsoft.com/office/drawing/2014/main" id="{878ED30F-A8EE-4845-B3DB-686BDED5BC00}"/>
+              </a:ext>
+            </a:extLst>
+          </p:cNvPr>
+          <p:cNvSpPr txBox="1"/>
+          <p:nvPr/>
+        </p:nvSpPr>
+        <p:spPr>
+          <a:xfrm>
+            <a:off x="3528061" y="9573338"/>
+            <a:ext cx="514066" cy="307777"/>
+          </a:xfrm>
+          <a:prstGeom prst="rect">
+            <a:avLst/>
+          </a:prstGeom>
+          <a:noFill/>
+        </p:spPr>
+        <p:txBody>
+          <a:bodyPr wrap="square" rtlCol="0">
+            <a:spAutoFit/>
+          </a:bodyPr>
+          <a:lstStyle/>
+          <a:p>
+            <a:r>
+              <a:rPr lang="en-US" sz="1400" i="1" dirty="0">
+                <a:latin typeface="Times" pitchFamily="2" charset="0"/>
+              </a:rPr>
+              <a:t>△</a:t>
+            </a:r>
+            <a:r>
+              <a:rPr lang="en-US" sz="1400" i="1" dirty="0" err="1">
+                <a:latin typeface="Times" pitchFamily="2" charset="0"/>
+              </a:rPr>
+              <a:t>g</a:t>
+            </a:r>
+            <a:r>
+              <a:rPr lang="en-US" sz="1400" i="1" baseline="-25000" dirty="0" err="1">
+                <a:latin typeface="Times" pitchFamily="2" charset="0"/>
+              </a:rPr>
+              <a:t>c</a:t>
+            </a:r>
+            <a:endParaRPr lang="en-US" sz="1400" i="1" dirty="0">
+              <a:latin typeface="Times" pitchFamily="2" charset="0"/>
+            </a:endParaRPr>
+          </a:p>
+        </p:txBody>
+      </p:sp>
+      <p:sp>
+        <p:nvSpPr>
+          <p:cNvPr id="34" name="Oval 33">
+            <a:extLst>
+              <a:ext uri="{FF2B5EF4-FFF2-40B4-BE49-F238E27FC236}">
+                <a16:creationId xmlns:a16="http://schemas.microsoft.com/office/drawing/2014/main" id="{A2B67A5D-8E62-614B-925F-74A879A80B95}"/>
+              </a:ext>
+            </a:extLst>
+          </p:cNvPr>
+          <p:cNvSpPr/>
+          <p:nvPr/>
+        </p:nvSpPr>
+        <p:spPr>
+          <a:xfrm>
+            <a:off x="3739375" y="1112712"/>
+            <a:ext cx="45719" cy="45719"/>
+          </a:xfrm>
+          <a:prstGeom prst="ellipse">
+            <a:avLst/>
+          </a:prstGeom>
+          <a:solidFill>
+            <a:srgbClr val="00B050"/>
+          </a:solidFill>
+          <a:ln>
+            <a:solidFill>
+              <a:srgbClr val="00B050"/>
+            </a:solidFill>
+          </a:ln>
+        </p:spPr>
+        <p:style>
+          <a:lnRef idx="2">
+            <a:schemeClr val="accent1">
+              <a:shade val="50000"/>
+            </a:schemeClr>
+          </a:lnRef>
+          <a:fillRef idx="1">
+            <a:schemeClr val="accent1"/>
+          </a:fillRef>
+          <a:effectRef idx="0">
+            <a:schemeClr val="accent1"/>
+          </a:effectRef>
+          <a:fontRef idx="minor">
+            <a:schemeClr val="lt1"/>
+          </a:fontRef>
+        </p:style>
+        <p:txBody>
+          <a:bodyPr rtlCol="0" anchor="ctr"/>
+          <a:lstStyle/>
+          <a:p>
+            <a:pPr algn="ctr"/>
+            <a:endParaRPr lang="en-US"/>
+          </a:p>
+        </p:txBody>
+      </p:sp>
+      <p:sp>
+        <p:nvSpPr>
+          <p:cNvPr id="35" name="TextBox 34">
+            <a:extLst>
+              <a:ext uri="{FF2B5EF4-FFF2-40B4-BE49-F238E27FC236}">
+                <a16:creationId xmlns:a16="http://schemas.microsoft.com/office/drawing/2014/main" id="{D96BC985-F7A1-3043-B65A-557D5BF6DF5A}"/>
+              </a:ext>
+            </a:extLst>
+          </p:cNvPr>
+          <p:cNvSpPr txBox="1"/>
+          <p:nvPr/>
+        </p:nvSpPr>
+        <p:spPr>
+          <a:xfrm>
+            <a:off x="3589363" y="1086179"/>
+            <a:ext cx="514066" cy="307777"/>
+          </a:xfrm>
+          <a:prstGeom prst="rect">
+            <a:avLst/>
+          </a:prstGeom>
+          <a:noFill/>
+        </p:spPr>
+        <p:txBody>
+          <a:bodyPr wrap="square" rtlCol="0">
+            <a:spAutoFit/>
+          </a:bodyPr>
+          <a:lstStyle/>
+          <a:p>
+            <a:r>
+              <a:rPr lang="en-US" sz="1400" i="1" dirty="0">
+                <a:latin typeface="Times" pitchFamily="2" charset="0"/>
+              </a:rPr>
+              <a:t>△</a:t>
+            </a:r>
+            <a:r>
+              <a:rPr lang="en-US" sz="1400" i="1" dirty="0" err="1">
+                <a:latin typeface="Times" pitchFamily="2" charset="0"/>
+              </a:rPr>
+              <a:t>g</a:t>
+            </a:r>
+            <a:r>
+              <a:rPr lang="en-US" sz="1400" i="1" baseline="-25000" dirty="0" err="1">
+                <a:latin typeface="Times" pitchFamily="2" charset="0"/>
+              </a:rPr>
+              <a:t>c</a:t>
+            </a:r>
+            <a:endParaRPr lang="en-US" sz="1400" i="1" dirty="0">
+              <a:latin typeface="Times" pitchFamily="2" charset="0"/>
+            </a:endParaRPr>
+          </a:p>
+        </p:txBody>
+      </p:sp>
+      <p:pic>
+        <p:nvPicPr>
+          <p:cNvPr id="11" name="Picture 10">
+            <a:extLst>
+              <a:ext uri="{FF2B5EF4-FFF2-40B4-BE49-F238E27FC236}">
+                <a16:creationId xmlns:a16="http://schemas.microsoft.com/office/drawing/2014/main" id="{9BEC8289-D3FE-2849-8342-658AFF1383A8}"/>
+              </a:ext>
+            </a:extLst>
+          </p:cNvPr>
+          <p:cNvPicPr>
+            <a:picLocks noChangeAspect="1"/>
+          </p:cNvPicPr>
+          <p:nvPr/>
+        </p:nvPicPr>
+        <p:blipFill>
+          <a:blip r:embed="rId18"/>
+          <a:stretch>
+            <a:fillRect/>
+          </a:stretch>
+        </p:blipFill>
+        <p:spPr>
+          <a:xfrm>
+            <a:off x="896742" y="11184888"/>
+            <a:ext cx="1045087" cy="1045087"/>
+          </a:xfrm>
+          <a:prstGeom prst="rect">
+            <a:avLst/>
+          </a:prstGeom>
+        </p:spPr>
+      </p:pic>
+      <p:pic>
+        <p:nvPicPr>
+          <p:cNvPr id="13" name="Picture 12">
+            <a:extLst>
+              <a:ext uri="{FF2B5EF4-FFF2-40B4-BE49-F238E27FC236}">
+                <a16:creationId xmlns:a16="http://schemas.microsoft.com/office/drawing/2014/main" id="{29EC029A-BC26-AE41-BD76-DB69DC52AA66}"/>
+              </a:ext>
+            </a:extLst>
+          </p:cNvPr>
+          <p:cNvPicPr>
+            <a:picLocks noChangeAspect="1"/>
+          </p:cNvPicPr>
+          <p:nvPr/>
+        </p:nvPicPr>
+        <p:blipFill>
+          <a:blip r:embed="rId19"/>
+          <a:stretch>
+            <a:fillRect/>
+          </a:stretch>
+        </p:blipFill>
+        <p:spPr>
+          <a:xfrm>
+            <a:off x="2398841" y="10581457"/>
+            <a:ext cx="2106666" cy="2102304"/>
+          </a:xfrm>
+          <a:prstGeom prst="rect">
+            <a:avLst/>
+          </a:prstGeom>
+        </p:spPr>
+      </p:pic>
+      <p:sp>
+        <p:nvSpPr>
+          <p:cNvPr id="14" name="Rectangle 13">
+            <a:extLst>
+              <a:ext uri="{FF2B5EF4-FFF2-40B4-BE49-F238E27FC236}">
+                <a16:creationId xmlns:a16="http://schemas.microsoft.com/office/drawing/2014/main" id="{F225A04F-0A2D-F547-B9B7-37913E58D0A4}"/>
+              </a:ext>
+            </a:extLst>
+          </p:cNvPr>
+          <p:cNvSpPr/>
+          <p:nvPr/>
+        </p:nvSpPr>
+        <p:spPr>
+          <a:xfrm>
+            <a:off x="2151797" y="10445087"/>
+            <a:ext cx="407763" cy="306127"/>
+          </a:xfrm>
+          <a:prstGeom prst="rect">
+            <a:avLst/>
+          </a:prstGeom>
+          <a:solidFill>
+            <a:schemeClr val="bg1"/>
+          </a:solidFill>
+          <a:ln>
+            <a:noFill/>
+          </a:ln>
+        </p:spPr>
+        <p:style>
+          <a:lnRef idx="2">
+            <a:schemeClr val="accent1">
+              <a:shade val="50000"/>
+            </a:schemeClr>
+          </a:lnRef>
+          <a:fillRef idx="1">
+            <a:schemeClr val="accent1"/>
+          </a:fillRef>
+          <a:effectRef idx="0">
+            <a:schemeClr val="accent1"/>
+          </a:effectRef>
+          <a:fontRef idx="minor">
+            <a:schemeClr val="lt1"/>
+          </a:fontRef>
+        </p:style>
+        <p:txBody>
+          <a:bodyPr rtlCol="0" anchor="ctr"/>
+          <a:lstStyle/>
+          <a:p>
+            <a:pPr algn="ctr"/>
+            <a:endParaRPr lang="en-US"/>
+          </a:p>
+        </p:txBody>
+      </p:sp>
     </p:spTree>
     <p:extLst>
       <p:ext uri="{BB962C8B-B14F-4D97-AF65-F5344CB8AC3E}">

--- a/journalWallFriction/pictures/pdf/differentNumSides.pptx
+++ b/journalWallFriction/pictures/pdf/differentNumSides.pptx
@@ -243,7 +243,7 @@
           <a:p>
             <a:fld id="{BD5E1F6D-FFA6-BC44-B9B8-BBE6A1110E96}" type="datetimeFigureOut">
               <a:rPr lang="en-US" smtClean="0"/>
-              <a:t>5/28/18</a:t>
+              <a:t>5/30/18</a:t>
             </a:fld>
             <a:endParaRPr lang="en-US"/>
           </a:p>
@@ -413,7 +413,7 @@
           <a:p>
             <a:fld id="{BD5E1F6D-FFA6-BC44-B9B8-BBE6A1110E96}" type="datetimeFigureOut">
               <a:rPr lang="en-US" smtClean="0"/>
-              <a:t>5/28/18</a:t>
+              <a:t>5/30/18</a:t>
             </a:fld>
             <a:endParaRPr lang="en-US"/>
           </a:p>
@@ -593,7 +593,7 @@
           <a:p>
             <a:fld id="{BD5E1F6D-FFA6-BC44-B9B8-BBE6A1110E96}" type="datetimeFigureOut">
               <a:rPr lang="en-US" smtClean="0"/>
-              <a:t>5/28/18</a:t>
+              <a:t>5/30/18</a:t>
             </a:fld>
             <a:endParaRPr lang="en-US"/>
           </a:p>
@@ -763,7 +763,7 @@
           <a:p>
             <a:fld id="{BD5E1F6D-FFA6-BC44-B9B8-BBE6A1110E96}" type="datetimeFigureOut">
               <a:rPr lang="en-US" smtClean="0"/>
-              <a:t>5/28/18</a:t>
+              <a:t>5/30/18</a:t>
             </a:fld>
             <a:endParaRPr lang="en-US"/>
           </a:p>
@@ -1007,7 +1007,7 @@
           <a:p>
             <a:fld id="{BD5E1F6D-FFA6-BC44-B9B8-BBE6A1110E96}" type="datetimeFigureOut">
               <a:rPr lang="en-US" smtClean="0"/>
-              <a:t>5/28/18</a:t>
+              <a:t>5/30/18</a:t>
             </a:fld>
             <a:endParaRPr lang="en-US"/>
           </a:p>
@@ -1239,7 +1239,7 @@
           <a:p>
             <a:fld id="{BD5E1F6D-FFA6-BC44-B9B8-BBE6A1110E96}" type="datetimeFigureOut">
               <a:rPr lang="en-US" smtClean="0"/>
-              <a:t>5/28/18</a:t>
+              <a:t>5/30/18</a:t>
             </a:fld>
             <a:endParaRPr lang="en-US"/>
           </a:p>
@@ -1606,7 +1606,7 @@
           <a:p>
             <a:fld id="{BD5E1F6D-FFA6-BC44-B9B8-BBE6A1110E96}" type="datetimeFigureOut">
               <a:rPr lang="en-US" smtClean="0"/>
-              <a:t>5/28/18</a:t>
+              <a:t>5/30/18</a:t>
             </a:fld>
             <a:endParaRPr lang="en-US"/>
           </a:p>
@@ -1724,7 +1724,7 @@
           <a:p>
             <a:fld id="{BD5E1F6D-FFA6-BC44-B9B8-BBE6A1110E96}" type="datetimeFigureOut">
               <a:rPr lang="en-US" smtClean="0"/>
-              <a:t>5/28/18</a:t>
+              <a:t>5/30/18</a:t>
             </a:fld>
             <a:endParaRPr lang="en-US"/>
           </a:p>
@@ -1819,7 +1819,7 @@
           <a:p>
             <a:fld id="{BD5E1F6D-FFA6-BC44-B9B8-BBE6A1110E96}" type="datetimeFigureOut">
               <a:rPr lang="en-US" smtClean="0"/>
-              <a:t>5/28/18</a:t>
+              <a:t>5/30/18</a:t>
             </a:fld>
             <a:endParaRPr lang="en-US"/>
           </a:p>
@@ -2096,7 +2096,7 @@
           <a:p>
             <a:fld id="{BD5E1F6D-FFA6-BC44-B9B8-BBE6A1110E96}" type="datetimeFigureOut">
               <a:rPr lang="en-US" smtClean="0"/>
-              <a:t>5/28/18</a:t>
+              <a:t>5/30/18</a:t>
             </a:fld>
             <a:endParaRPr lang="en-US"/>
           </a:p>
@@ -2353,7 +2353,7 @@
           <a:p>
             <a:fld id="{BD5E1F6D-FFA6-BC44-B9B8-BBE6A1110E96}" type="datetimeFigureOut">
               <a:rPr lang="en-US" smtClean="0"/>
-              <a:t>5/28/18</a:t>
+              <a:t>5/30/18</a:t>
             </a:fld>
             <a:endParaRPr lang="en-US"/>
           </a:p>
@@ -2566,7 +2566,7 @@
           <a:p>
             <a:fld id="{BD5E1F6D-FFA6-BC44-B9B8-BBE6A1110E96}" type="datetimeFigureOut">
               <a:rPr lang="en-US" smtClean="0"/>
-              <a:t>5/28/18</a:t>
+              <a:t>5/30/18</a:t>
             </a:fld>
             <a:endParaRPr lang="en-US"/>
           </a:p>
@@ -4233,6 +4233,36 @@
           </a:p>
         </p:txBody>
       </p:sp>
+      <p:pic>
+        <p:nvPicPr>
+          <p:cNvPr id="4" name="Picture 3">
+            <a:extLst>
+              <a:ext uri="{FF2B5EF4-FFF2-40B4-BE49-F238E27FC236}">
+                <a16:creationId xmlns:a16="http://schemas.microsoft.com/office/drawing/2014/main" id="{FCE0EF5F-E280-CA49-8A49-74D75E52FA4C}"/>
+              </a:ext>
+            </a:extLst>
+          </p:cNvPr>
+          <p:cNvPicPr>
+            <a:picLocks noChangeAspect="1"/>
+          </p:cNvPicPr>
+          <p:nvPr/>
+        </p:nvPicPr>
+        <p:blipFill>
+          <a:blip r:embed="rId20"/>
+          <a:stretch>
+            <a:fillRect/>
+          </a:stretch>
+        </p:blipFill>
+        <p:spPr>
+          <a:xfrm>
+            <a:off x="493245" y="1761532"/>
+            <a:ext cx="1578653" cy="621461"/>
+          </a:xfrm>
+          <a:prstGeom prst="rect">
+            <a:avLst/>
+          </a:prstGeom>
+        </p:spPr>
+      </p:pic>
     </p:spTree>
     <p:extLst>
       <p:ext uri="{BB962C8B-B14F-4D97-AF65-F5344CB8AC3E}">

--- a/journalWallFriction/pictures/pdf/differentNumSides.pptx
+++ b/journalWallFriction/pictures/pdf/differentNumSides.pptx
@@ -4255,8 +4255,8 @@
         </p:blipFill>
         <p:spPr>
           <a:xfrm>
-            <a:off x="493245" y="1761532"/>
-            <a:ext cx="1578653" cy="621461"/>
+            <a:off x="663771" y="1890216"/>
+            <a:ext cx="1192883" cy="469597"/>
           </a:xfrm>
           <a:prstGeom prst="rect">
             <a:avLst/>

--- a/journalWallFriction/pictures/pdf/differentNumSides.pptx
+++ b/journalWallFriction/pictures/pdf/differentNumSides.pptx
@@ -243,7 +243,7 @@
           <a:p>
             <a:fld id="{BD5E1F6D-FFA6-BC44-B9B8-BBE6A1110E96}" type="datetimeFigureOut">
               <a:rPr lang="en-US" smtClean="0"/>
-              <a:t>5/30/18</a:t>
+              <a:t>12/6/18</a:t>
             </a:fld>
             <a:endParaRPr lang="en-US"/>
           </a:p>
@@ -413,7 +413,7 @@
           <a:p>
             <a:fld id="{BD5E1F6D-FFA6-BC44-B9B8-BBE6A1110E96}" type="datetimeFigureOut">
               <a:rPr lang="en-US" smtClean="0"/>
-              <a:t>5/30/18</a:t>
+              <a:t>12/6/18</a:t>
             </a:fld>
             <a:endParaRPr lang="en-US"/>
           </a:p>
@@ -593,7 +593,7 @@
           <a:p>
             <a:fld id="{BD5E1F6D-FFA6-BC44-B9B8-BBE6A1110E96}" type="datetimeFigureOut">
               <a:rPr lang="en-US" smtClean="0"/>
-              <a:t>5/30/18</a:t>
+              <a:t>12/6/18</a:t>
             </a:fld>
             <a:endParaRPr lang="en-US"/>
           </a:p>
@@ -763,7 +763,7 @@
           <a:p>
             <a:fld id="{BD5E1F6D-FFA6-BC44-B9B8-BBE6A1110E96}" type="datetimeFigureOut">
               <a:rPr lang="en-US" smtClean="0"/>
-              <a:t>5/30/18</a:t>
+              <a:t>12/6/18</a:t>
             </a:fld>
             <a:endParaRPr lang="en-US"/>
           </a:p>
@@ -1007,7 +1007,7 @@
           <a:p>
             <a:fld id="{BD5E1F6D-FFA6-BC44-B9B8-BBE6A1110E96}" type="datetimeFigureOut">
               <a:rPr lang="en-US" smtClean="0"/>
-              <a:t>5/30/18</a:t>
+              <a:t>12/6/18</a:t>
             </a:fld>
             <a:endParaRPr lang="en-US"/>
           </a:p>
@@ -1239,7 +1239,7 @@
           <a:p>
             <a:fld id="{BD5E1F6D-FFA6-BC44-B9B8-BBE6A1110E96}" type="datetimeFigureOut">
               <a:rPr lang="en-US" smtClean="0"/>
-              <a:t>5/30/18</a:t>
+              <a:t>12/6/18</a:t>
             </a:fld>
             <a:endParaRPr lang="en-US"/>
           </a:p>
@@ -1606,7 +1606,7 @@
           <a:p>
             <a:fld id="{BD5E1F6D-FFA6-BC44-B9B8-BBE6A1110E96}" type="datetimeFigureOut">
               <a:rPr lang="en-US" smtClean="0"/>
-              <a:t>5/30/18</a:t>
+              <a:t>12/6/18</a:t>
             </a:fld>
             <a:endParaRPr lang="en-US"/>
           </a:p>
@@ -1724,7 +1724,7 @@
           <a:p>
             <a:fld id="{BD5E1F6D-FFA6-BC44-B9B8-BBE6A1110E96}" type="datetimeFigureOut">
               <a:rPr lang="en-US" smtClean="0"/>
-              <a:t>5/30/18</a:t>
+              <a:t>12/6/18</a:t>
             </a:fld>
             <a:endParaRPr lang="en-US"/>
           </a:p>
@@ -1819,7 +1819,7 @@
           <a:p>
             <a:fld id="{BD5E1F6D-FFA6-BC44-B9B8-BBE6A1110E96}" type="datetimeFigureOut">
               <a:rPr lang="en-US" smtClean="0"/>
-              <a:t>5/30/18</a:t>
+              <a:t>12/6/18</a:t>
             </a:fld>
             <a:endParaRPr lang="en-US"/>
           </a:p>
@@ -2096,7 +2096,7 @@
           <a:p>
             <a:fld id="{BD5E1F6D-FFA6-BC44-B9B8-BBE6A1110E96}" type="datetimeFigureOut">
               <a:rPr lang="en-US" smtClean="0"/>
-              <a:t>5/30/18</a:t>
+              <a:t>12/6/18</a:t>
             </a:fld>
             <a:endParaRPr lang="en-US"/>
           </a:p>
@@ -2353,7 +2353,7 @@
           <a:p>
             <a:fld id="{BD5E1F6D-FFA6-BC44-B9B8-BBE6A1110E96}" type="datetimeFigureOut">
               <a:rPr lang="en-US" smtClean="0"/>
-              <a:t>5/30/18</a:t>
+              <a:t>12/6/18</a:t>
             </a:fld>
             <a:endParaRPr lang="en-US"/>
           </a:p>
@@ -2566,7 +2566,7 @@
           <a:p>
             <a:fld id="{BD5E1F6D-FFA6-BC44-B9B8-BBE6A1110E96}" type="datetimeFigureOut">
               <a:rPr lang="en-US" smtClean="0"/>
-              <a:t>5/30/18</a:t>
+              <a:t>12/6/18</a:t>
             </a:fld>
             <a:endParaRPr lang="en-US"/>
           </a:p>
@@ -2971,246 +2971,6 @@
           <a:chExt cx="0" cy="0"/>
         </a:xfrm>
       </p:grpSpPr>
-      <p:pic>
-        <p:nvPicPr>
-          <p:cNvPr id="64" name="Picture 63">
-            <a:extLst>
-              <a:ext uri="{FF2B5EF4-FFF2-40B4-BE49-F238E27FC236}">
-                <a16:creationId xmlns:a16="http://schemas.microsoft.com/office/drawing/2014/main" id="{1972724E-567D-D043-A86D-C3DC8DBACBBB}"/>
-              </a:ext>
-            </a:extLst>
-          </p:cNvPr>
-          <p:cNvPicPr>
-            <a:picLocks noChangeAspect="1"/>
-          </p:cNvPicPr>
-          <p:nvPr/>
-        </p:nvPicPr>
-        <p:blipFill>
-          <a:blip r:embed="rId2"/>
-          <a:stretch>
-            <a:fillRect/>
-          </a:stretch>
-        </p:blipFill>
-        <p:spPr>
-          <a:xfrm>
-            <a:off x="834796" y="6962801"/>
-            <a:ext cx="1070036" cy="948015"/>
-          </a:xfrm>
-          <a:prstGeom prst="rect">
-            <a:avLst/>
-          </a:prstGeom>
-        </p:spPr>
-      </p:pic>
-      <p:pic>
-        <p:nvPicPr>
-          <p:cNvPr id="65" name="Picture 64">
-            <a:extLst>
-              <a:ext uri="{FF2B5EF4-FFF2-40B4-BE49-F238E27FC236}">
-                <a16:creationId xmlns:a16="http://schemas.microsoft.com/office/drawing/2014/main" id="{0B2F449E-6C4D-9D4D-A872-52FFD7815D9E}"/>
-              </a:ext>
-            </a:extLst>
-          </p:cNvPr>
-          <p:cNvPicPr>
-            <a:picLocks noChangeAspect="1"/>
-          </p:cNvPicPr>
-          <p:nvPr/>
-        </p:nvPicPr>
-        <p:blipFill>
-          <a:blip r:embed="rId3"/>
-          <a:stretch>
-            <a:fillRect/>
-          </a:stretch>
-        </p:blipFill>
-        <p:spPr>
-          <a:xfrm>
-            <a:off x="2454131" y="6469816"/>
-            <a:ext cx="2098086" cy="1830545"/>
-          </a:xfrm>
-          <a:prstGeom prst="rect">
-            <a:avLst/>
-          </a:prstGeom>
-        </p:spPr>
-      </p:pic>
-      <p:pic>
-        <p:nvPicPr>
-          <p:cNvPr id="66" name="Picture 65">
-            <a:extLst>
-              <a:ext uri="{FF2B5EF4-FFF2-40B4-BE49-F238E27FC236}">
-                <a16:creationId xmlns:a16="http://schemas.microsoft.com/office/drawing/2014/main" id="{F6BD96AF-74C7-B047-A8D8-35FBF400FDF1}"/>
-              </a:ext>
-            </a:extLst>
-          </p:cNvPr>
-          <p:cNvPicPr>
-            <a:picLocks noChangeAspect="1"/>
-          </p:cNvPicPr>
-          <p:nvPr/>
-        </p:nvPicPr>
-        <p:blipFill>
-          <a:blip r:embed="rId4"/>
-          <a:stretch>
-            <a:fillRect/>
-          </a:stretch>
-        </p:blipFill>
-        <p:spPr>
-          <a:xfrm>
-            <a:off x="814305" y="4839692"/>
-            <a:ext cx="1042349" cy="1096948"/>
-          </a:xfrm>
-          <a:prstGeom prst="rect">
-            <a:avLst/>
-          </a:prstGeom>
-        </p:spPr>
-      </p:pic>
-      <p:pic>
-        <p:nvPicPr>
-          <p:cNvPr id="67" name="Picture 66">
-            <a:extLst>
-              <a:ext uri="{FF2B5EF4-FFF2-40B4-BE49-F238E27FC236}">
-                <a16:creationId xmlns:a16="http://schemas.microsoft.com/office/drawing/2014/main" id="{99880E57-9C5E-0B43-A5E7-B5567EF26249}"/>
-              </a:ext>
-            </a:extLst>
-          </p:cNvPr>
-          <p:cNvPicPr>
-            <a:picLocks noChangeAspect="1"/>
-          </p:cNvPicPr>
-          <p:nvPr/>
-        </p:nvPicPr>
-        <p:blipFill>
-          <a:blip r:embed="rId5"/>
-          <a:stretch>
-            <a:fillRect/>
-          </a:stretch>
-        </p:blipFill>
-        <p:spPr>
-          <a:xfrm>
-            <a:off x="2559560" y="4379942"/>
-            <a:ext cx="1982199" cy="2089874"/>
-          </a:xfrm>
-          <a:prstGeom prst="rect">
-            <a:avLst/>
-          </a:prstGeom>
-        </p:spPr>
-      </p:pic>
-      <p:pic>
-        <p:nvPicPr>
-          <p:cNvPr id="68" name="Picture 67">
-            <a:extLst>
-              <a:ext uri="{FF2B5EF4-FFF2-40B4-BE49-F238E27FC236}">
-                <a16:creationId xmlns:a16="http://schemas.microsoft.com/office/drawing/2014/main" id="{52E5A4C3-0975-D246-9D18-D5A1608D25C3}"/>
-              </a:ext>
-            </a:extLst>
-          </p:cNvPr>
-          <p:cNvPicPr>
-            <a:picLocks noChangeAspect="1"/>
-          </p:cNvPicPr>
-          <p:nvPr/>
-        </p:nvPicPr>
-        <p:blipFill>
-          <a:blip r:embed="rId6"/>
-          <a:stretch>
-            <a:fillRect/>
-          </a:stretch>
-        </p:blipFill>
-        <p:spPr>
-          <a:xfrm>
-            <a:off x="867772" y="8936977"/>
-            <a:ext cx="1074057" cy="1083438"/>
-          </a:xfrm>
-          <a:prstGeom prst="rect">
-            <a:avLst/>
-          </a:prstGeom>
-        </p:spPr>
-      </p:pic>
-      <p:pic>
-        <p:nvPicPr>
-          <p:cNvPr id="69" name="Picture 68">
-            <a:extLst>
-              <a:ext uri="{FF2B5EF4-FFF2-40B4-BE49-F238E27FC236}">
-                <a16:creationId xmlns:a16="http://schemas.microsoft.com/office/drawing/2014/main" id="{8031818D-4877-9A45-8CC8-F1A5E83A2FF3}"/>
-              </a:ext>
-            </a:extLst>
-          </p:cNvPr>
-          <p:cNvPicPr>
-            <a:picLocks noChangeAspect="1"/>
-          </p:cNvPicPr>
-          <p:nvPr/>
-        </p:nvPicPr>
-        <p:blipFill>
-          <a:blip r:embed="rId7"/>
-          <a:stretch>
-            <a:fillRect/>
-          </a:stretch>
-        </p:blipFill>
-        <p:spPr>
-          <a:xfrm>
-            <a:off x="2440432" y="8496152"/>
-            <a:ext cx="2068506" cy="2059271"/>
-          </a:xfrm>
-          <a:prstGeom prst="rect">
-            <a:avLst/>
-          </a:prstGeom>
-        </p:spPr>
-      </p:pic>
-      <p:pic>
-        <p:nvPicPr>
-          <p:cNvPr id="72" name="Picture 71">
-            <a:extLst>
-              <a:ext uri="{FF2B5EF4-FFF2-40B4-BE49-F238E27FC236}">
-                <a16:creationId xmlns:a16="http://schemas.microsoft.com/office/drawing/2014/main" id="{2967C863-23D3-B74B-AE76-2FCD716F696E}"/>
-              </a:ext>
-            </a:extLst>
-          </p:cNvPr>
-          <p:cNvPicPr>
-            <a:picLocks noChangeAspect="1"/>
-          </p:cNvPicPr>
-          <p:nvPr/>
-        </p:nvPicPr>
-        <p:blipFill>
-          <a:blip r:embed="rId8"/>
-          <a:stretch>
-            <a:fillRect/>
-          </a:stretch>
-        </p:blipFill>
-        <p:spPr>
-          <a:xfrm>
-            <a:off x="914502" y="582519"/>
-            <a:ext cx="942152" cy="1120114"/>
-          </a:xfrm>
-          <a:prstGeom prst="rect">
-            <a:avLst/>
-          </a:prstGeom>
-        </p:spPr>
-      </p:pic>
-      <p:pic>
-        <p:nvPicPr>
-          <p:cNvPr id="73" name="Picture 72">
-            <a:extLst>
-              <a:ext uri="{FF2B5EF4-FFF2-40B4-BE49-F238E27FC236}">
-                <a16:creationId xmlns:a16="http://schemas.microsoft.com/office/drawing/2014/main" id="{CA501888-9E9F-C64F-AC2D-AA4ABA62E4FE}"/>
-              </a:ext>
-            </a:extLst>
-          </p:cNvPr>
-          <p:cNvPicPr>
-            <a:picLocks noChangeAspect="1"/>
-          </p:cNvPicPr>
-          <p:nvPr/>
-        </p:nvPicPr>
-        <p:blipFill>
-          <a:blip r:embed="rId9"/>
-          <a:stretch>
-            <a:fillRect/>
-          </a:stretch>
-        </p:blipFill>
-        <p:spPr>
-          <a:xfrm>
-            <a:off x="2649184" y="0"/>
-            <a:ext cx="1769580" cy="2013482"/>
-          </a:xfrm>
-          <a:prstGeom prst="rect">
-            <a:avLst/>
-          </a:prstGeom>
-        </p:spPr>
-      </p:pic>
       <p:sp>
         <p:nvSpPr>
           <p:cNvPr id="74" name="TextBox 73">
@@ -3366,7 +3126,7 @@
         </p:nvSpPr>
         <p:spPr>
           <a:xfrm>
-            <a:off x="164373" y="7297363"/>
+            <a:off x="164373" y="7408780"/>
             <a:ext cx="683421" cy="331629"/>
           </a:xfrm>
           <a:prstGeom prst="rect">
@@ -3394,13 +3154,13 @@
                 <a:ea typeface="Times" charset="0"/>
                 <a:cs typeface="Times" charset="0"/>
               </a:rPr>
-              <a:t>= 6</a:t>
-            </a:r>
-          </a:p>
-        </p:txBody>
-      </p:sp>
-      <mc:AlternateContent xmlns:mc="http://schemas.openxmlformats.org/markup-compatibility/2006" xmlns:a14="http://schemas.microsoft.com/office/drawing/2010/main">
-        <mc:Choice Requires="a14">
+              <a:t>= 8</a:t>
+            </a:r>
+          </a:p>
+        </p:txBody>
+      </p:sp>
+      <mc:AlternateContent xmlns:mc="http://schemas.openxmlformats.org/markup-compatibility/2006">
+        <mc:Choice xmlns:a14="http://schemas.microsoft.com/office/drawing/2010/main" Requires="a14">
           <p:sp>
             <p:nvSpPr>
               <p:cNvPr id="78" name="TextBox 77">
@@ -3415,7 +3175,7 @@
             </p:nvSpPr>
             <p:spPr>
               <a:xfrm>
-                <a:off x="117206" y="9237876"/>
+                <a:off x="122451" y="9465473"/>
                 <a:ext cx="1020894" cy="570926"/>
               </a:xfrm>
               <a:prstGeom prst="rect">
@@ -3448,12 +3208,20 @@
                 <a14:m>
                   <m:oMath xmlns:m="http://schemas.openxmlformats.org/officeDocument/2006/math">
                     <m:r>
+                      <a:rPr lang="en-US" i="1">
+                        <a:latin typeface="Cambria Math" panose="02040503050406030204" pitchFamily="18" charset="0"/>
+                        <a:ea typeface="Times" charset="0"/>
+                        <a:cs typeface="Times" charset="0"/>
+                      </a:rPr>
+                      <m:t>1</m:t>
+                    </m:r>
+                    <m:r>
                       <a:rPr lang="en-US" b="0" i="1" smtClean="0">
                         <a:latin typeface="Cambria Math" panose="02040503050406030204" pitchFamily="18" charset="0"/>
                         <a:ea typeface="Times" charset="0"/>
                         <a:cs typeface="Times" charset="0"/>
                       </a:rPr>
-                      <m:t>20</m:t>
+                      <m:t>0</m:t>
                     </m:r>
                   </m:oMath>
                 </a14:m>
@@ -3473,7 +3241,7 @@
             </p:txBody>
           </p:sp>
         </mc:Choice>
-        <mc:Fallback xmlns="">
+        <mc:Fallback>
           <p:sp>
             <p:nvSpPr>
               <p:cNvPr id="78" name="TextBox 77">
@@ -3490,16 +3258,16 @@
             </p:nvSpPr>
             <p:spPr>
               <a:xfrm>
-                <a:off x="117206" y="9237876"/>
+                <a:off x="122451" y="9465473"/>
                 <a:ext cx="1020894" cy="570926"/>
               </a:xfrm>
               <a:prstGeom prst="rect">
                 <a:avLst/>
               </a:prstGeom>
               <a:blipFill>
-                <a:blip r:embed="rId14"/>
+                <a:blip r:embed="rId2"/>
                 <a:stretch>
-                  <a:fillRect l="-2439"/>
+                  <a:fillRect l="-2469"/>
                 </a:stretch>
               </a:blipFill>
             </p:spPr>
@@ -3518,8 +3286,8 @@
           </p:sp>
         </mc:Fallback>
       </mc:AlternateContent>
-      <mc:AlternateContent xmlns:mc="http://schemas.openxmlformats.org/markup-compatibility/2006" xmlns:a14="http://schemas.microsoft.com/office/drawing/2010/main">
-        <mc:Choice Requires="a14">
+      <mc:AlternateContent xmlns:mc="http://schemas.openxmlformats.org/markup-compatibility/2006">
+        <mc:Choice xmlns:a14="http://schemas.microsoft.com/office/drawing/2010/main" Requires="a14">
           <p:sp>
             <p:nvSpPr>
               <p:cNvPr id="79" name="TextBox 78">
@@ -3534,7 +3302,7 @@
             </p:nvSpPr>
             <p:spPr>
               <a:xfrm>
-                <a:off x="147277" y="11421969"/>
+                <a:off x="150519" y="11632220"/>
                 <a:ext cx="697275" cy="570926"/>
               </a:xfrm>
               <a:prstGeom prst="rect">
@@ -3592,7 +3360,7 @@
             </p:txBody>
           </p:sp>
         </mc:Choice>
-        <mc:Fallback xmlns="">
+        <mc:Fallback>
           <p:sp>
             <p:nvSpPr>
               <p:cNvPr id="79" name="TextBox 78">
@@ -3609,16 +3377,16 @@
             </p:nvSpPr>
             <p:spPr>
               <a:xfrm>
-                <a:off x="147277" y="11421969"/>
+                <a:off x="150519" y="11632220"/>
                 <a:ext cx="697275" cy="570926"/>
               </a:xfrm>
               <a:prstGeom prst="rect">
                 <a:avLst/>
               </a:prstGeom>
               <a:blipFill>
-                <a:blip r:embed="rId15"/>
+                <a:blip r:embed="rId3"/>
                 <a:stretch>
-                  <a:fillRect l="-5455"/>
+                  <a:fillRect l="-5455" t="-2174"/>
                 </a:stretch>
               </a:blipFill>
             </p:spPr>
@@ -3637,66 +3405,6 @@
           </p:sp>
         </mc:Fallback>
       </mc:AlternateContent>
-      <p:pic>
-        <p:nvPicPr>
-          <p:cNvPr id="3" name="Picture 2">
-            <a:extLst>
-              <a:ext uri="{FF2B5EF4-FFF2-40B4-BE49-F238E27FC236}">
-                <a16:creationId xmlns:a16="http://schemas.microsoft.com/office/drawing/2014/main" id="{3F6114F0-DBE3-D543-92AD-BAC56481B576}"/>
-              </a:ext>
-            </a:extLst>
-          </p:cNvPr>
-          <p:cNvPicPr>
-            <a:picLocks noChangeAspect="1"/>
-          </p:cNvPicPr>
-          <p:nvPr/>
-        </p:nvPicPr>
-        <p:blipFill>
-          <a:blip r:embed="rId16"/>
-          <a:stretch>
-            <a:fillRect/>
-          </a:stretch>
-        </p:blipFill>
-        <p:spPr>
-          <a:xfrm>
-            <a:off x="845668" y="2571426"/>
-            <a:ext cx="1105389" cy="1124697"/>
-          </a:xfrm>
-          <a:prstGeom prst="rect">
-            <a:avLst/>
-          </a:prstGeom>
-        </p:spPr>
-      </p:pic>
-      <p:pic>
-        <p:nvPicPr>
-          <p:cNvPr id="5" name="Picture 4">
-            <a:extLst>
-              <a:ext uri="{FF2B5EF4-FFF2-40B4-BE49-F238E27FC236}">
-                <a16:creationId xmlns:a16="http://schemas.microsoft.com/office/drawing/2014/main" id="{56F3AD5D-72D0-7849-ADE6-917A04344280}"/>
-              </a:ext>
-            </a:extLst>
-          </p:cNvPr>
-          <p:cNvPicPr>
-            <a:picLocks noChangeAspect="1"/>
-          </p:cNvPicPr>
-          <p:nvPr/>
-        </p:nvPicPr>
-        <p:blipFill>
-          <a:blip r:embed="rId17"/>
-          <a:stretch>
-            <a:fillRect/>
-          </a:stretch>
-        </p:blipFill>
-        <p:spPr>
-          <a:xfrm>
-            <a:off x="2411351" y="2102476"/>
-            <a:ext cx="2183645" cy="2183645"/>
-          </a:xfrm>
-          <a:prstGeom prst="rect">
-            <a:avLst/>
-          </a:prstGeom>
-        </p:spPr>
-      </p:pic>
       <p:sp>
         <p:nvSpPr>
           <p:cNvPr id="6" name="Oval 5">
@@ -3911,10 +3619,10 @@
       </p:sp>
       <p:sp>
         <p:nvSpPr>
-          <p:cNvPr id="30" name="Oval 29">
+          <p:cNvPr id="14" name="Rectangle 13">
             <a:extLst>
               <a:ext uri="{FF2B5EF4-FFF2-40B4-BE49-F238E27FC236}">
-                <a16:creationId xmlns:a16="http://schemas.microsoft.com/office/drawing/2014/main" id="{68E024CD-FEEB-5143-A070-FE3E03F87489}"/>
+                <a16:creationId xmlns:a16="http://schemas.microsoft.com/office/drawing/2014/main" id="{F225A04F-0A2D-F547-B9B7-37913E58D0A4}"/>
               </a:ext>
             </a:extLst>
           </p:cNvPr>
@@ -3923,19 +3631,17 @@
         </p:nvSpPr>
         <p:spPr>
           <a:xfrm>
-            <a:off x="3641678" y="9611749"/>
-            <a:ext cx="45719" cy="45719"/>
-          </a:xfrm>
-          <a:prstGeom prst="ellipse">
+            <a:off x="2151797" y="10445087"/>
+            <a:ext cx="407763" cy="306127"/>
+          </a:xfrm>
+          <a:prstGeom prst="rect">
             <a:avLst/>
           </a:prstGeom>
           <a:solidFill>
-            <a:srgbClr val="00B050"/>
+            <a:schemeClr val="bg1"/>
           </a:solidFill>
           <a:ln>
-            <a:solidFill>
-              <a:srgbClr val="00B050"/>
-            </a:solidFill>
+            <a:noFill/>
           </a:ln>
         </p:spPr>
         <p:style>
@@ -3963,276 +3669,6 @@
           </a:p>
         </p:txBody>
       </p:sp>
-      <p:sp>
-        <p:nvSpPr>
-          <p:cNvPr id="31" name="TextBox 30">
-            <a:extLst>
-              <a:ext uri="{FF2B5EF4-FFF2-40B4-BE49-F238E27FC236}">
-                <a16:creationId xmlns:a16="http://schemas.microsoft.com/office/drawing/2014/main" id="{878ED30F-A8EE-4845-B3DB-686BDED5BC00}"/>
-              </a:ext>
-            </a:extLst>
-          </p:cNvPr>
-          <p:cNvSpPr txBox="1"/>
-          <p:nvPr/>
-        </p:nvSpPr>
-        <p:spPr>
-          <a:xfrm>
-            <a:off x="3528061" y="9573338"/>
-            <a:ext cx="514066" cy="307777"/>
-          </a:xfrm>
-          <a:prstGeom prst="rect">
-            <a:avLst/>
-          </a:prstGeom>
-          <a:noFill/>
-        </p:spPr>
-        <p:txBody>
-          <a:bodyPr wrap="square" rtlCol="0">
-            <a:spAutoFit/>
-          </a:bodyPr>
-          <a:lstStyle/>
-          <a:p>
-            <a:r>
-              <a:rPr lang="en-US" sz="1400" i="1" dirty="0">
-                <a:latin typeface="Times" pitchFamily="2" charset="0"/>
-              </a:rPr>
-              <a:t>△</a:t>
-            </a:r>
-            <a:r>
-              <a:rPr lang="en-US" sz="1400" i="1" dirty="0" err="1">
-                <a:latin typeface="Times" pitchFamily="2" charset="0"/>
-              </a:rPr>
-              <a:t>g</a:t>
-            </a:r>
-            <a:r>
-              <a:rPr lang="en-US" sz="1400" i="1" baseline="-25000" dirty="0" err="1">
-                <a:latin typeface="Times" pitchFamily="2" charset="0"/>
-              </a:rPr>
-              <a:t>c</a:t>
-            </a:r>
-            <a:endParaRPr lang="en-US" sz="1400" i="1" dirty="0">
-              <a:latin typeface="Times" pitchFamily="2" charset="0"/>
-            </a:endParaRPr>
-          </a:p>
-        </p:txBody>
-      </p:sp>
-      <p:sp>
-        <p:nvSpPr>
-          <p:cNvPr id="34" name="Oval 33">
-            <a:extLst>
-              <a:ext uri="{FF2B5EF4-FFF2-40B4-BE49-F238E27FC236}">
-                <a16:creationId xmlns:a16="http://schemas.microsoft.com/office/drawing/2014/main" id="{A2B67A5D-8E62-614B-925F-74A879A80B95}"/>
-              </a:ext>
-            </a:extLst>
-          </p:cNvPr>
-          <p:cNvSpPr/>
-          <p:nvPr/>
-        </p:nvSpPr>
-        <p:spPr>
-          <a:xfrm>
-            <a:off x="3739375" y="1112712"/>
-            <a:ext cx="45719" cy="45719"/>
-          </a:xfrm>
-          <a:prstGeom prst="ellipse">
-            <a:avLst/>
-          </a:prstGeom>
-          <a:solidFill>
-            <a:srgbClr val="00B050"/>
-          </a:solidFill>
-          <a:ln>
-            <a:solidFill>
-              <a:srgbClr val="00B050"/>
-            </a:solidFill>
-          </a:ln>
-        </p:spPr>
-        <p:style>
-          <a:lnRef idx="2">
-            <a:schemeClr val="accent1">
-              <a:shade val="50000"/>
-            </a:schemeClr>
-          </a:lnRef>
-          <a:fillRef idx="1">
-            <a:schemeClr val="accent1"/>
-          </a:fillRef>
-          <a:effectRef idx="0">
-            <a:schemeClr val="accent1"/>
-          </a:effectRef>
-          <a:fontRef idx="minor">
-            <a:schemeClr val="lt1"/>
-          </a:fontRef>
-        </p:style>
-        <p:txBody>
-          <a:bodyPr rtlCol="0" anchor="ctr"/>
-          <a:lstStyle/>
-          <a:p>
-            <a:pPr algn="ctr"/>
-            <a:endParaRPr lang="en-US"/>
-          </a:p>
-        </p:txBody>
-      </p:sp>
-      <p:sp>
-        <p:nvSpPr>
-          <p:cNvPr id="35" name="TextBox 34">
-            <a:extLst>
-              <a:ext uri="{FF2B5EF4-FFF2-40B4-BE49-F238E27FC236}">
-                <a16:creationId xmlns:a16="http://schemas.microsoft.com/office/drawing/2014/main" id="{D96BC985-F7A1-3043-B65A-557D5BF6DF5A}"/>
-              </a:ext>
-            </a:extLst>
-          </p:cNvPr>
-          <p:cNvSpPr txBox="1"/>
-          <p:nvPr/>
-        </p:nvSpPr>
-        <p:spPr>
-          <a:xfrm>
-            <a:off x="3589363" y="1086179"/>
-            <a:ext cx="514066" cy="307777"/>
-          </a:xfrm>
-          <a:prstGeom prst="rect">
-            <a:avLst/>
-          </a:prstGeom>
-          <a:noFill/>
-        </p:spPr>
-        <p:txBody>
-          <a:bodyPr wrap="square" rtlCol="0">
-            <a:spAutoFit/>
-          </a:bodyPr>
-          <a:lstStyle/>
-          <a:p>
-            <a:r>
-              <a:rPr lang="en-US" sz="1400" i="1" dirty="0">
-                <a:latin typeface="Times" pitchFamily="2" charset="0"/>
-              </a:rPr>
-              <a:t>△</a:t>
-            </a:r>
-            <a:r>
-              <a:rPr lang="en-US" sz="1400" i="1" dirty="0" err="1">
-                <a:latin typeface="Times" pitchFamily="2" charset="0"/>
-              </a:rPr>
-              <a:t>g</a:t>
-            </a:r>
-            <a:r>
-              <a:rPr lang="en-US" sz="1400" i="1" baseline="-25000" dirty="0" err="1">
-                <a:latin typeface="Times" pitchFamily="2" charset="0"/>
-              </a:rPr>
-              <a:t>c</a:t>
-            </a:r>
-            <a:endParaRPr lang="en-US" sz="1400" i="1" dirty="0">
-              <a:latin typeface="Times" pitchFamily="2" charset="0"/>
-            </a:endParaRPr>
-          </a:p>
-        </p:txBody>
-      </p:sp>
-      <p:pic>
-        <p:nvPicPr>
-          <p:cNvPr id="11" name="Picture 10">
-            <a:extLst>
-              <a:ext uri="{FF2B5EF4-FFF2-40B4-BE49-F238E27FC236}">
-                <a16:creationId xmlns:a16="http://schemas.microsoft.com/office/drawing/2014/main" id="{9BEC8289-D3FE-2849-8342-658AFF1383A8}"/>
-              </a:ext>
-            </a:extLst>
-          </p:cNvPr>
-          <p:cNvPicPr>
-            <a:picLocks noChangeAspect="1"/>
-          </p:cNvPicPr>
-          <p:nvPr/>
-        </p:nvPicPr>
-        <p:blipFill>
-          <a:blip r:embed="rId18"/>
-          <a:stretch>
-            <a:fillRect/>
-          </a:stretch>
-        </p:blipFill>
-        <p:spPr>
-          <a:xfrm>
-            <a:off x="896742" y="11184888"/>
-            <a:ext cx="1045087" cy="1045087"/>
-          </a:xfrm>
-          <a:prstGeom prst="rect">
-            <a:avLst/>
-          </a:prstGeom>
-        </p:spPr>
-      </p:pic>
-      <p:pic>
-        <p:nvPicPr>
-          <p:cNvPr id="13" name="Picture 12">
-            <a:extLst>
-              <a:ext uri="{FF2B5EF4-FFF2-40B4-BE49-F238E27FC236}">
-                <a16:creationId xmlns:a16="http://schemas.microsoft.com/office/drawing/2014/main" id="{29EC029A-BC26-AE41-BD76-DB69DC52AA66}"/>
-              </a:ext>
-            </a:extLst>
-          </p:cNvPr>
-          <p:cNvPicPr>
-            <a:picLocks noChangeAspect="1"/>
-          </p:cNvPicPr>
-          <p:nvPr/>
-        </p:nvPicPr>
-        <p:blipFill>
-          <a:blip r:embed="rId19"/>
-          <a:stretch>
-            <a:fillRect/>
-          </a:stretch>
-        </p:blipFill>
-        <p:spPr>
-          <a:xfrm>
-            <a:off x="2398841" y="10581457"/>
-            <a:ext cx="2106666" cy="2102304"/>
-          </a:xfrm>
-          <a:prstGeom prst="rect">
-            <a:avLst/>
-          </a:prstGeom>
-        </p:spPr>
-      </p:pic>
-      <p:sp>
-        <p:nvSpPr>
-          <p:cNvPr id="14" name="Rectangle 13">
-            <a:extLst>
-              <a:ext uri="{FF2B5EF4-FFF2-40B4-BE49-F238E27FC236}">
-                <a16:creationId xmlns:a16="http://schemas.microsoft.com/office/drawing/2014/main" id="{F225A04F-0A2D-F547-B9B7-37913E58D0A4}"/>
-              </a:ext>
-            </a:extLst>
-          </p:cNvPr>
-          <p:cNvSpPr/>
-          <p:nvPr/>
-        </p:nvSpPr>
-        <p:spPr>
-          <a:xfrm>
-            <a:off x="2151797" y="10445087"/>
-            <a:ext cx="407763" cy="306127"/>
-          </a:xfrm>
-          <a:prstGeom prst="rect">
-            <a:avLst/>
-          </a:prstGeom>
-          <a:solidFill>
-            <a:schemeClr val="bg1"/>
-          </a:solidFill>
-          <a:ln>
-            <a:noFill/>
-          </a:ln>
-        </p:spPr>
-        <p:style>
-          <a:lnRef idx="2">
-            <a:schemeClr val="accent1">
-              <a:shade val="50000"/>
-            </a:schemeClr>
-          </a:lnRef>
-          <a:fillRef idx="1">
-            <a:schemeClr val="accent1"/>
-          </a:fillRef>
-          <a:effectRef idx="0">
-            <a:schemeClr val="accent1"/>
-          </a:effectRef>
-          <a:fontRef idx="minor">
-            <a:schemeClr val="lt1"/>
-          </a:fontRef>
-        </p:style>
-        <p:txBody>
-          <a:bodyPr rtlCol="0" anchor="ctr"/>
-          <a:lstStyle/>
-          <a:p>
-            <a:pPr algn="ctr"/>
-            <a:endParaRPr lang="en-US"/>
-          </a:p>
-        </p:txBody>
-      </p:sp>
       <p:pic>
         <p:nvPicPr>
           <p:cNvPr id="4" name="Picture 3">
@@ -4247,16 +3683,372 @@
           </p:cNvPicPr>
           <p:nvPr/>
         </p:nvPicPr>
+        <p:blipFill rotWithShape="1">
+          <a:blip r:embed="rId4"/>
+          <a:srcRect b="42181"/>
+          <a:stretch/>
+        </p:blipFill>
+        <p:spPr>
+          <a:xfrm>
+            <a:off x="663771" y="1890216"/>
+            <a:ext cx="1192883" cy="271517"/>
+          </a:xfrm>
+          <a:prstGeom prst="rect">
+            <a:avLst/>
+          </a:prstGeom>
+        </p:spPr>
+      </p:pic>
+      <p:pic>
+        <p:nvPicPr>
+          <p:cNvPr id="8" name="Picture 7">
+            <a:extLst>
+              <a:ext uri="{FF2B5EF4-FFF2-40B4-BE49-F238E27FC236}">
+                <a16:creationId xmlns:a16="http://schemas.microsoft.com/office/drawing/2014/main" id="{9D97F61C-5F1C-5B41-B614-9E67E0682881}"/>
+              </a:ext>
+            </a:extLst>
+          </p:cNvPr>
+          <p:cNvPicPr>
+            <a:picLocks noChangeAspect="1"/>
+          </p:cNvPicPr>
+          <p:nvPr/>
+        </p:nvPicPr>
         <p:blipFill>
-          <a:blip r:embed="rId20"/>
+          <a:blip r:embed="rId5"/>
           <a:stretch>
             <a:fillRect/>
           </a:stretch>
         </p:blipFill>
         <p:spPr>
           <a:xfrm>
-            <a:off x="663771" y="1890216"/>
-            <a:ext cx="1192883" cy="469597"/>
+            <a:off x="2489353" y="-24743"/>
+            <a:ext cx="1830362" cy="2107390"/>
+          </a:xfrm>
+          <a:prstGeom prst="rect">
+            <a:avLst/>
+          </a:prstGeom>
+        </p:spPr>
+      </p:pic>
+      <p:pic>
+        <p:nvPicPr>
+          <p:cNvPr id="10" name="Picture 9">
+            <a:extLst>
+              <a:ext uri="{FF2B5EF4-FFF2-40B4-BE49-F238E27FC236}">
+                <a16:creationId xmlns:a16="http://schemas.microsoft.com/office/drawing/2014/main" id="{A5DF8763-F35B-054E-8E4C-B2379630FC0B}"/>
+              </a:ext>
+            </a:extLst>
+          </p:cNvPr>
+          <p:cNvPicPr>
+            <a:picLocks noChangeAspect="1"/>
+          </p:cNvPicPr>
+          <p:nvPr/>
+        </p:nvPicPr>
+        <p:blipFill>
+          <a:blip r:embed="rId6"/>
+          <a:stretch>
+            <a:fillRect/>
+          </a:stretch>
+        </p:blipFill>
+        <p:spPr>
+          <a:xfrm>
+            <a:off x="2282656" y="2050237"/>
+            <a:ext cx="2289344" cy="2289344"/>
+          </a:xfrm>
+          <a:prstGeom prst="rect">
+            <a:avLst/>
+          </a:prstGeom>
+        </p:spPr>
+      </p:pic>
+      <p:pic>
+        <p:nvPicPr>
+          <p:cNvPr id="15" name="Picture 14">
+            <a:extLst>
+              <a:ext uri="{FF2B5EF4-FFF2-40B4-BE49-F238E27FC236}">
+                <a16:creationId xmlns:a16="http://schemas.microsoft.com/office/drawing/2014/main" id="{572C88C3-6349-B240-B49A-70535C52FB0A}"/>
+              </a:ext>
+            </a:extLst>
+          </p:cNvPr>
+          <p:cNvPicPr>
+            <a:picLocks noChangeAspect="1"/>
+          </p:cNvPicPr>
+          <p:nvPr/>
+        </p:nvPicPr>
+        <p:blipFill>
+          <a:blip r:embed="rId7"/>
+          <a:stretch>
+            <a:fillRect/>
+          </a:stretch>
+        </p:blipFill>
+        <p:spPr>
+          <a:xfrm>
+            <a:off x="2355678" y="4296940"/>
+            <a:ext cx="2092856" cy="2190198"/>
+          </a:xfrm>
+          <a:prstGeom prst="rect">
+            <a:avLst/>
+          </a:prstGeom>
+        </p:spPr>
+      </p:pic>
+      <p:pic>
+        <p:nvPicPr>
+          <p:cNvPr id="19" name="Picture 18">
+            <a:extLst>
+              <a:ext uri="{FF2B5EF4-FFF2-40B4-BE49-F238E27FC236}">
+                <a16:creationId xmlns:a16="http://schemas.microsoft.com/office/drawing/2014/main" id="{3C26D2B7-5D4D-C341-ADFB-7734B36F070E}"/>
+              </a:ext>
+            </a:extLst>
+          </p:cNvPr>
+          <p:cNvPicPr>
+            <a:picLocks noChangeAspect="1"/>
+          </p:cNvPicPr>
+          <p:nvPr/>
+        </p:nvPicPr>
+        <p:blipFill>
+          <a:blip r:embed="rId8"/>
+          <a:stretch>
+            <a:fillRect/>
+          </a:stretch>
+        </p:blipFill>
+        <p:spPr>
+          <a:xfrm>
+            <a:off x="2368084" y="6470190"/>
+            <a:ext cx="2068043" cy="2068043"/>
+          </a:xfrm>
+          <a:prstGeom prst="rect">
+            <a:avLst/>
+          </a:prstGeom>
+        </p:spPr>
+      </p:pic>
+      <p:pic>
+        <p:nvPicPr>
+          <p:cNvPr id="21" name="Picture 20">
+            <a:extLst>
+              <a:ext uri="{FF2B5EF4-FFF2-40B4-BE49-F238E27FC236}">
+                <a16:creationId xmlns:a16="http://schemas.microsoft.com/office/drawing/2014/main" id="{AEB91762-24E4-9548-9AE3-AD25AFDDBC44}"/>
+              </a:ext>
+            </a:extLst>
+          </p:cNvPr>
+          <p:cNvPicPr>
+            <a:picLocks noChangeAspect="1"/>
+          </p:cNvPicPr>
+          <p:nvPr/>
+        </p:nvPicPr>
+        <p:blipFill>
+          <a:blip r:embed="rId9"/>
+          <a:stretch>
+            <a:fillRect/>
+          </a:stretch>
+        </p:blipFill>
+        <p:spPr>
+          <a:xfrm>
+            <a:off x="2327378" y="8629690"/>
+            <a:ext cx="2199899" cy="2094686"/>
+          </a:xfrm>
+          <a:prstGeom prst="rect">
+            <a:avLst/>
+          </a:prstGeom>
+        </p:spPr>
+      </p:pic>
+      <p:pic>
+        <p:nvPicPr>
+          <p:cNvPr id="23" name="Picture 22">
+            <a:extLst>
+              <a:ext uri="{FF2B5EF4-FFF2-40B4-BE49-F238E27FC236}">
+                <a16:creationId xmlns:a16="http://schemas.microsoft.com/office/drawing/2014/main" id="{56020EAF-D61E-054A-9CC5-42652FADFCBD}"/>
+              </a:ext>
+            </a:extLst>
+          </p:cNvPr>
+          <p:cNvPicPr>
+            <a:picLocks noChangeAspect="1"/>
+          </p:cNvPicPr>
+          <p:nvPr/>
+        </p:nvPicPr>
+        <p:blipFill>
+          <a:blip r:embed="rId10"/>
+          <a:stretch>
+            <a:fillRect/>
+          </a:stretch>
+        </p:blipFill>
+        <p:spPr>
+          <a:xfrm>
+            <a:off x="931526" y="458565"/>
+            <a:ext cx="1019531" cy="1140773"/>
+          </a:xfrm>
+          <a:prstGeom prst="rect">
+            <a:avLst/>
+          </a:prstGeom>
+        </p:spPr>
+      </p:pic>
+      <p:pic>
+        <p:nvPicPr>
+          <p:cNvPr id="25" name="Picture 24">
+            <a:extLst>
+              <a:ext uri="{FF2B5EF4-FFF2-40B4-BE49-F238E27FC236}">
+                <a16:creationId xmlns:a16="http://schemas.microsoft.com/office/drawing/2014/main" id="{2A8F99F0-4FB1-BC4E-9C53-17BA15B22E41}"/>
+              </a:ext>
+            </a:extLst>
+          </p:cNvPr>
+          <p:cNvPicPr>
+            <a:picLocks noChangeAspect="1"/>
+          </p:cNvPicPr>
+          <p:nvPr/>
+        </p:nvPicPr>
+        <p:blipFill rotWithShape="1">
+          <a:blip r:embed="rId11"/>
+          <a:srcRect t="9442"/>
+          <a:stretch/>
+        </p:blipFill>
+        <p:spPr>
+          <a:xfrm>
+            <a:off x="856302" y="2614990"/>
+            <a:ext cx="1177721" cy="1159837"/>
+          </a:xfrm>
+          <a:prstGeom prst="rect">
+            <a:avLst/>
+          </a:prstGeom>
+        </p:spPr>
+      </p:pic>
+      <p:pic>
+        <p:nvPicPr>
+          <p:cNvPr id="27" name="Picture 26">
+            <a:extLst>
+              <a:ext uri="{FF2B5EF4-FFF2-40B4-BE49-F238E27FC236}">
+                <a16:creationId xmlns:a16="http://schemas.microsoft.com/office/drawing/2014/main" id="{3CC69F6F-82B7-9044-9F66-CE1601D91428}"/>
+              </a:ext>
+            </a:extLst>
+          </p:cNvPr>
+          <p:cNvPicPr>
+            <a:picLocks noChangeAspect="1"/>
+          </p:cNvPicPr>
+          <p:nvPr/>
+        </p:nvPicPr>
+        <p:blipFill>
+          <a:blip r:embed="rId12"/>
+          <a:stretch>
+            <a:fillRect/>
+          </a:stretch>
+        </p:blipFill>
+        <p:spPr>
+          <a:xfrm>
+            <a:off x="966292" y="4785406"/>
+            <a:ext cx="1067731" cy="1128455"/>
+          </a:xfrm>
+          <a:prstGeom prst="rect">
+            <a:avLst/>
+          </a:prstGeom>
+        </p:spPr>
+      </p:pic>
+      <p:pic>
+        <p:nvPicPr>
+          <p:cNvPr id="33" name="Picture 32">
+            <a:extLst>
+              <a:ext uri="{FF2B5EF4-FFF2-40B4-BE49-F238E27FC236}">
+                <a16:creationId xmlns:a16="http://schemas.microsoft.com/office/drawing/2014/main" id="{DBFB7587-90EC-E84E-90B9-222AC5C08C34}"/>
+              </a:ext>
+            </a:extLst>
+          </p:cNvPr>
+          <p:cNvPicPr>
+            <a:picLocks noChangeAspect="1"/>
+          </p:cNvPicPr>
+          <p:nvPr/>
+        </p:nvPicPr>
+        <p:blipFill>
+          <a:blip r:embed="rId13"/>
+          <a:stretch>
+            <a:fillRect/>
+          </a:stretch>
+        </p:blipFill>
+        <p:spPr>
+          <a:xfrm>
+            <a:off x="931526" y="6924440"/>
+            <a:ext cx="1137550" cy="1201252"/>
+          </a:xfrm>
+          <a:prstGeom prst="rect">
+            <a:avLst/>
+          </a:prstGeom>
+        </p:spPr>
+      </p:pic>
+      <p:pic>
+        <p:nvPicPr>
+          <p:cNvPr id="37" name="Picture 36">
+            <a:extLst>
+              <a:ext uri="{FF2B5EF4-FFF2-40B4-BE49-F238E27FC236}">
+                <a16:creationId xmlns:a16="http://schemas.microsoft.com/office/drawing/2014/main" id="{83A7F9F9-5599-2C41-B9A2-C6854402FBDE}"/>
+              </a:ext>
+            </a:extLst>
+          </p:cNvPr>
+          <p:cNvPicPr>
+            <a:picLocks noChangeAspect="1"/>
+          </p:cNvPicPr>
+          <p:nvPr/>
+        </p:nvPicPr>
+        <p:blipFill rotWithShape="1">
+          <a:blip r:embed="rId14"/>
+          <a:srcRect t="6258"/>
+          <a:stretch/>
+        </p:blipFill>
+        <p:spPr>
+          <a:xfrm>
+            <a:off x="953176" y="9136271"/>
+            <a:ext cx="1093962" cy="1093266"/>
+          </a:xfrm>
+          <a:prstGeom prst="rect">
+            <a:avLst/>
+          </a:prstGeom>
+        </p:spPr>
+      </p:pic>
+      <p:pic>
+        <p:nvPicPr>
+          <p:cNvPr id="39" name="Picture 38">
+            <a:extLst>
+              <a:ext uri="{FF2B5EF4-FFF2-40B4-BE49-F238E27FC236}">
+                <a16:creationId xmlns:a16="http://schemas.microsoft.com/office/drawing/2014/main" id="{E2D98F87-ED0F-2942-8512-DD869F72AC08}"/>
+              </a:ext>
+            </a:extLst>
+          </p:cNvPr>
+          <p:cNvPicPr>
+            <a:picLocks noChangeAspect="1"/>
+          </p:cNvPicPr>
+          <p:nvPr/>
+        </p:nvPicPr>
+        <p:blipFill>
+          <a:blip r:embed="rId15"/>
+          <a:stretch>
+            <a:fillRect/>
+          </a:stretch>
+        </p:blipFill>
+        <p:spPr>
+          <a:xfrm>
+            <a:off x="931526" y="11240116"/>
+            <a:ext cx="1065254" cy="1108734"/>
+          </a:xfrm>
+          <a:prstGeom prst="rect">
+            <a:avLst/>
+          </a:prstGeom>
+        </p:spPr>
+      </p:pic>
+      <p:pic>
+        <p:nvPicPr>
+          <p:cNvPr id="41" name="Picture 40">
+            <a:extLst>
+              <a:ext uri="{FF2B5EF4-FFF2-40B4-BE49-F238E27FC236}">
+                <a16:creationId xmlns:a16="http://schemas.microsoft.com/office/drawing/2014/main" id="{D561106E-1511-0744-8671-3911114E9AE1}"/>
+              </a:ext>
+            </a:extLst>
+          </p:cNvPr>
+          <p:cNvPicPr>
+            <a:picLocks noChangeAspect="1"/>
+          </p:cNvPicPr>
+          <p:nvPr/>
+        </p:nvPicPr>
+        <p:blipFill rotWithShape="1">
+          <a:blip r:embed="rId16"/>
+          <a:srcRect t="4139"/>
+          <a:stretch/>
+        </p:blipFill>
+        <p:spPr>
+          <a:xfrm>
+            <a:off x="2368084" y="10689489"/>
+            <a:ext cx="2159193" cy="2124749"/>
           </a:xfrm>
           <a:prstGeom prst="rect">
             <a:avLst/>

--- a/journalWallFriction/pictures/pdf/differentNumSides.pptx
+++ b/journalWallFriction/pictures/pdf/differentNumSides.pptx
@@ -3671,35 +3671,6 @@
       </p:sp>
       <p:pic>
         <p:nvPicPr>
-          <p:cNvPr id="4" name="Picture 3">
-            <a:extLst>
-              <a:ext uri="{FF2B5EF4-FFF2-40B4-BE49-F238E27FC236}">
-                <a16:creationId xmlns:a16="http://schemas.microsoft.com/office/drawing/2014/main" id="{FCE0EF5F-E280-CA49-8A49-74D75E52FA4C}"/>
-              </a:ext>
-            </a:extLst>
-          </p:cNvPr>
-          <p:cNvPicPr>
-            <a:picLocks noChangeAspect="1"/>
-          </p:cNvPicPr>
-          <p:nvPr/>
-        </p:nvPicPr>
-        <p:blipFill rotWithShape="1">
-          <a:blip r:embed="rId4"/>
-          <a:srcRect b="42181"/>
-          <a:stretch/>
-        </p:blipFill>
-        <p:spPr>
-          <a:xfrm>
-            <a:off x="663771" y="1890216"/>
-            <a:ext cx="1192883" cy="271517"/>
-          </a:xfrm>
-          <a:prstGeom prst="rect">
-            <a:avLst/>
-          </a:prstGeom>
-        </p:spPr>
-      </p:pic>
-      <p:pic>
-        <p:nvPicPr>
           <p:cNvPr id="8" name="Picture 7">
             <a:extLst>
               <a:ext uri="{FF2B5EF4-FFF2-40B4-BE49-F238E27FC236}">
@@ -3713,7 +3684,7 @@
           <p:nvPr/>
         </p:nvPicPr>
         <p:blipFill>
-          <a:blip r:embed="rId5"/>
+          <a:blip r:embed="rId4"/>
           <a:stretch>
             <a:fillRect/>
           </a:stretch>
@@ -3743,7 +3714,7 @@
           <p:nvPr/>
         </p:nvPicPr>
         <p:blipFill>
-          <a:blip r:embed="rId6"/>
+          <a:blip r:embed="rId5"/>
           <a:stretch>
             <a:fillRect/>
           </a:stretch>
@@ -3773,7 +3744,7 @@
           <p:nvPr/>
         </p:nvPicPr>
         <p:blipFill>
-          <a:blip r:embed="rId7"/>
+          <a:blip r:embed="rId6"/>
           <a:stretch>
             <a:fillRect/>
           </a:stretch>
@@ -3803,7 +3774,7 @@
           <p:nvPr/>
         </p:nvPicPr>
         <p:blipFill>
-          <a:blip r:embed="rId8"/>
+          <a:blip r:embed="rId7"/>
           <a:stretch>
             <a:fillRect/>
           </a:stretch>
@@ -3833,7 +3804,7 @@
           <p:nvPr/>
         </p:nvPicPr>
         <p:blipFill>
-          <a:blip r:embed="rId9"/>
+          <a:blip r:embed="rId8"/>
           <a:stretch>
             <a:fillRect/>
           </a:stretch>
@@ -3863,7 +3834,7 @@
           <p:nvPr/>
         </p:nvPicPr>
         <p:blipFill>
-          <a:blip r:embed="rId10"/>
+          <a:blip r:embed="rId9"/>
           <a:stretch>
             <a:fillRect/>
           </a:stretch>
@@ -3893,7 +3864,7 @@
           <p:nvPr/>
         </p:nvPicPr>
         <p:blipFill rotWithShape="1">
-          <a:blip r:embed="rId11"/>
+          <a:blip r:embed="rId10"/>
           <a:srcRect t="9442"/>
           <a:stretch/>
         </p:blipFill>
@@ -3922,7 +3893,7 @@
           <p:nvPr/>
         </p:nvPicPr>
         <p:blipFill>
-          <a:blip r:embed="rId12"/>
+          <a:blip r:embed="rId11"/>
           <a:stretch>
             <a:fillRect/>
           </a:stretch>
@@ -3952,7 +3923,7 @@
           <p:nvPr/>
         </p:nvPicPr>
         <p:blipFill>
-          <a:blip r:embed="rId13"/>
+          <a:blip r:embed="rId12"/>
           <a:stretch>
             <a:fillRect/>
           </a:stretch>
@@ -3982,7 +3953,7 @@
           <p:nvPr/>
         </p:nvPicPr>
         <p:blipFill rotWithShape="1">
-          <a:blip r:embed="rId14"/>
+          <a:blip r:embed="rId13"/>
           <a:srcRect t="6258"/>
           <a:stretch/>
         </p:blipFill>
@@ -4011,7 +3982,7 @@
           <p:nvPr/>
         </p:nvPicPr>
         <p:blipFill>
-          <a:blip r:embed="rId15"/>
+          <a:blip r:embed="rId14"/>
           <a:stretch>
             <a:fillRect/>
           </a:stretch>
@@ -4041,7 +4012,7 @@
           <p:nvPr/>
         </p:nvPicPr>
         <p:blipFill rotWithShape="1">
-          <a:blip r:embed="rId16"/>
+          <a:blip r:embed="rId15"/>
           <a:srcRect t="4139"/>
           <a:stretch/>
         </p:blipFill>
@@ -4055,6 +4026,686 @@
           </a:prstGeom>
         </p:spPr>
       </p:pic>
+      <p:sp>
+        <p:nvSpPr>
+          <p:cNvPr id="91" name="TextBox 90">
+            <a:extLst>
+              <a:ext uri="{FF2B5EF4-FFF2-40B4-BE49-F238E27FC236}">
+                <a16:creationId xmlns:a16="http://schemas.microsoft.com/office/drawing/2014/main" id="{45DFC902-F80B-4444-A772-22CCBA8238E9}"/>
+              </a:ext>
+            </a:extLst>
+          </p:cNvPr>
+          <p:cNvSpPr txBox="1"/>
+          <p:nvPr/>
+        </p:nvSpPr>
+        <p:spPr>
+          <a:xfrm>
+            <a:off x="0" y="1580772"/>
+            <a:ext cx="5787216" cy="1446550"/>
+          </a:xfrm>
+          <a:prstGeom prst="rect">
+            <a:avLst/>
+          </a:prstGeom>
+          <a:noFill/>
+        </p:spPr>
+        <p:txBody>
+          <a:bodyPr wrap="square" rtlCol="0">
+            <a:spAutoFit/>
+          </a:bodyPr>
+          <a:lstStyle/>
+          <a:p>
+            <a:r>
+              <a:rPr lang="en-US" sz="2000" dirty="0" err="1">
+                <a:latin typeface="Times" pitchFamily="2" charset="0"/>
+              </a:rPr>
+              <a:t>Δ</a:t>
+            </a:r>
+            <a:r>
+              <a:rPr lang="en-US" sz="2000" i="1" dirty="0" err="1">
+                <a:latin typeface="Times" pitchFamily="2" charset="0"/>
+              </a:rPr>
+              <a:t>s</a:t>
+            </a:r>
+            <a:r>
+              <a:rPr lang="en-US" sz="2800" i="1" dirty="0">
+                <a:latin typeface="Times" pitchFamily="2" charset="0"/>
+              </a:rPr>
+              <a:t>	</a:t>
+            </a:r>
+            <a:r>
+              <a:rPr lang="en-US" sz="2800" dirty="0">
+                <a:latin typeface="Times" pitchFamily="2" charset="0"/>
+              </a:rPr>
+              <a:t>=    −  </a:t>
+            </a:r>
+          </a:p>
+          <a:p>
+            <a:r>
+              <a:rPr lang="fa-IR" sz="2000" dirty="0">
+                <a:latin typeface="Times" pitchFamily="2" charset="0"/>
+              </a:rPr>
+              <a:t>    </a:t>
+            </a:r>
+            <a:r>
+              <a:rPr lang="en-US" sz="2000" dirty="0">
+                <a:latin typeface="Times" pitchFamily="2" charset="0"/>
+              </a:rPr>
+              <a:t>2-move reachable set</a:t>
+            </a:r>
+          </a:p>
+          <a:p>
+            <a:r>
+              <a:rPr lang="en-US" sz="2000" dirty="0">
+                <a:latin typeface="Times" pitchFamily="2" charset="0"/>
+              </a:rPr>
+              <a:t>    4-move reachable set</a:t>
+            </a:r>
+          </a:p>
+          <a:p>
+            <a:r>
+              <a:rPr lang="en-US" sz="2000" dirty="0">
+                <a:latin typeface="Times" pitchFamily="2" charset="0"/>
+              </a:rPr>
+              <a:t>    </a:t>
+            </a:r>
+          </a:p>
+        </p:txBody>
+      </p:sp>
+      <p:sp>
+        <p:nvSpPr>
+          <p:cNvPr id="92" name="Rectangle 91">
+            <a:extLst>
+              <a:ext uri="{FF2B5EF4-FFF2-40B4-BE49-F238E27FC236}">
+                <a16:creationId xmlns:a16="http://schemas.microsoft.com/office/drawing/2014/main" id="{78981FE7-708B-6D47-92AD-D013939EE842}"/>
+              </a:ext>
+            </a:extLst>
+          </p:cNvPr>
+          <p:cNvSpPr/>
+          <p:nvPr/>
+        </p:nvSpPr>
+        <p:spPr>
+          <a:xfrm>
+            <a:off x="149476" y="2127255"/>
+            <a:ext cx="159792" cy="159792"/>
+          </a:xfrm>
+          <a:prstGeom prst="rect">
+            <a:avLst/>
+          </a:prstGeom>
+          <a:solidFill>
+            <a:srgbClr val="0022F2"/>
+          </a:solidFill>
+          <a:ln>
+            <a:solidFill>
+              <a:schemeClr val="tx1"/>
+            </a:solidFill>
+          </a:ln>
+        </p:spPr>
+        <p:style>
+          <a:lnRef idx="2">
+            <a:schemeClr val="accent1">
+              <a:shade val="50000"/>
+            </a:schemeClr>
+          </a:lnRef>
+          <a:fillRef idx="1">
+            <a:schemeClr val="accent1"/>
+          </a:fillRef>
+          <a:effectRef idx="0">
+            <a:schemeClr val="accent1"/>
+          </a:effectRef>
+          <a:fontRef idx="minor">
+            <a:schemeClr val="lt1"/>
+          </a:fontRef>
+        </p:style>
+        <p:txBody>
+          <a:bodyPr rot="0" spcFirstLastPara="0" vertOverflow="overflow" horzOverflow="overflow" vert="horz" wrap="square" lIns="91440" tIns="45720" rIns="91440" bIns="45720" numCol="1" spcCol="0" rtlCol="0" fromWordArt="0" anchor="ctr" anchorCtr="0" forceAA="0" compatLnSpc="1">
+            <a:prstTxWarp prst="textNoShape">
+              <a:avLst/>
+            </a:prstTxWarp>
+            <a:noAutofit/>
+          </a:bodyPr>
+          <a:lstStyle/>
+          <a:p>
+            <a:pPr marL="0" algn="ctr" defTabSz="790042" rtl="1" eaLnBrk="1" latinLnBrk="0" hangingPunct="1"/>
+            <a:endParaRPr lang="en-US"/>
+          </a:p>
+        </p:txBody>
+      </p:sp>
+      <p:sp>
+        <p:nvSpPr>
+          <p:cNvPr id="93" name="Rectangle 92">
+            <a:extLst>
+              <a:ext uri="{FF2B5EF4-FFF2-40B4-BE49-F238E27FC236}">
+                <a16:creationId xmlns:a16="http://schemas.microsoft.com/office/drawing/2014/main" id="{1CDD98B9-4641-9842-A335-D1E53798FBD8}"/>
+              </a:ext>
+            </a:extLst>
+          </p:cNvPr>
+          <p:cNvSpPr/>
+          <p:nvPr/>
+        </p:nvSpPr>
+        <p:spPr>
+          <a:xfrm>
+            <a:off x="148755" y="2454815"/>
+            <a:ext cx="159792" cy="159792"/>
+          </a:xfrm>
+          <a:prstGeom prst="rect">
+            <a:avLst/>
+          </a:prstGeom>
+          <a:solidFill>
+            <a:srgbClr val="BA7231"/>
+          </a:solidFill>
+          <a:ln>
+            <a:solidFill>
+              <a:schemeClr val="tx1"/>
+            </a:solidFill>
+          </a:ln>
+        </p:spPr>
+        <p:style>
+          <a:lnRef idx="2">
+            <a:schemeClr val="accent1">
+              <a:shade val="50000"/>
+            </a:schemeClr>
+          </a:lnRef>
+          <a:fillRef idx="1">
+            <a:schemeClr val="accent1"/>
+          </a:fillRef>
+          <a:effectRef idx="0">
+            <a:schemeClr val="accent1"/>
+          </a:effectRef>
+          <a:fontRef idx="minor">
+            <a:schemeClr val="lt1"/>
+          </a:fontRef>
+        </p:style>
+        <p:txBody>
+          <a:bodyPr rot="0" spcFirstLastPara="0" vertOverflow="overflow" horzOverflow="overflow" vert="horz" wrap="square" lIns="91440" tIns="45720" rIns="91440" bIns="45720" numCol="1" spcCol="0" rtlCol="0" fromWordArt="0" anchor="ctr" anchorCtr="0" forceAA="0" compatLnSpc="1">
+            <a:prstTxWarp prst="textNoShape">
+              <a:avLst/>
+            </a:prstTxWarp>
+            <a:noAutofit/>
+          </a:bodyPr>
+          <a:lstStyle/>
+          <a:p>
+            <a:pPr marL="0" algn="ctr" defTabSz="790042" rtl="1" eaLnBrk="1" latinLnBrk="0" hangingPunct="1"/>
+            <a:endParaRPr lang="en-US"/>
+          </a:p>
+        </p:txBody>
+      </p:sp>
+      <p:sp>
+        <p:nvSpPr>
+          <p:cNvPr id="94" name="Rectangle 93">
+            <a:extLst>
+              <a:ext uri="{FF2B5EF4-FFF2-40B4-BE49-F238E27FC236}">
+                <a16:creationId xmlns:a16="http://schemas.microsoft.com/office/drawing/2014/main" id="{4D21352D-8BDF-B841-B305-D8A1614E7068}"/>
+              </a:ext>
+            </a:extLst>
+          </p:cNvPr>
+          <p:cNvSpPr/>
+          <p:nvPr/>
+        </p:nvSpPr>
+        <p:spPr>
+          <a:xfrm>
+            <a:off x="141252" y="3954710"/>
+            <a:ext cx="159792" cy="159792"/>
+          </a:xfrm>
+          <a:prstGeom prst="rect">
+            <a:avLst/>
+          </a:prstGeom>
+          <a:solidFill>
+            <a:srgbClr val="847AAE"/>
+          </a:solidFill>
+          <a:ln>
+            <a:solidFill>
+              <a:schemeClr val="tx1"/>
+            </a:solidFill>
+          </a:ln>
+        </p:spPr>
+        <p:style>
+          <a:lnRef idx="2">
+            <a:schemeClr val="accent1">
+              <a:shade val="50000"/>
+            </a:schemeClr>
+          </a:lnRef>
+          <a:fillRef idx="1">
+            <a:schemeClr val="accent1"/>
+          </a:fillRef>
+          <a:effectRef idx="0">
+            <a:schemeClr val="accent1"/>
+          </a:effectRef>
+          <a:fontRef idx="minor">
+            <a:schemeClr val="lt1"/>
+          </a:fontRef>
+        </p:style>
+        <p:txBody>
+          <a:bodyPr rot="0" spcFirstLastPara="0" vertOverflow="overflow" horzOverflow="overflow" vert="horz" wrap="square" lIns="91440" tIns="45720" rIns="91440" bIns="45720" numCol="1" spcCol="0" rtlCol="0" fromWordArt="0" anchor="ctr" anchorCtr="0" forceAA="0" compatLnSpc="1">
+            <a:prstTxWarp prst="textNoShape">
+              <a:avLst/>
+            </a:prstTxWarp>
+            <a:noAutofit/>
+          </a:bodyPr>
+          <a:lstStyle/>
+          <a:p>
+            <a:pPr marL="0" algn="ctr" defTabSz="790042" rtl="1" eaLnBrk="1" latinLnBrk="0" hangingPunct="1"/>
+            <a:r>
+              <a:rPr lang="fa-IR" dirty="0"/>
+              <a:t>     </a:t>
+            </a:r>
+            <a:endParaRPr lang="en-US" dirty="0"/>
+          </a:p>
+        </p:txBody>
+      </p:sp>
+      <p:sp>
+        <p:nvSpPr>
+          <p:cNvPr id="95" name="Rectangle 94">
+            <a:extLst>
+              <a:ext uri="{FF2B5EF4-FFF2-40B4-BE49-F238E27FC236}">
+                <a16:creationId xmlns:a16="http://schemas.microsoft.com/office/drawing/2014/main" id="{A98BA7EC-1A0F-4F46-BA2A-D6FB4AEDECCF}"/>
+              </a:ext>
+            </a:extLst>
+          </p:cNvPr>
+          <p:cNvSpPr/>
+          <p:nvPr/>
+        </p:nvSpPr>
+        <p:spPr>
+          <a:xfrm>
+            <a:off x="596482" y="1768313"/>
+            <a:ext cx="149752" cy="149752"/>
+          </a:xfrm>
+          <a:prstGeom prst="rect">
+            <a:avLst/>
+          </a:prstGeom>
+          <a:solidFill>
+            <a:srgbClr val="4CA62F"/>
+          </a:solidFill>
+          <a:ln>
+            <a:noFill/>
+          </a:ln>
+        </p:spPr>
+        <p:style>
+          <a:lnRef idx="2">
+            <a:schemeClr val="accent1">
+              <a:shade val="50000"/>
+            </a:schemeClr>
+          </a:lnRef>
+          <a:fillRef idx="1">
+            <a:schemeClr val="accent1"/>
+          </a:fillRef>
+          <a:effectRef idx="0">
+            <a:schemeClr val="accent1"/>
+          </a:effectRef>
+          <a:fontRef idx="minor">
+            <a:schemeClr val="lt1"/>
+          </a:fontRef>
+        </p:style>
+        <p:txBody>
+          <a:bodyPr rot="0" spcFirstLastPara="0" vertOverflow="overflow" horzOverflow="overflow" vert="horz" wrap="square" lIns="91440" tIns="45720" rIns="91440" bIns="45720" numCol="1" spcCol="0" rtlCol="0" fromWordArt="0" anchor="ctr" anchorCtr="0" forceAA="0" compatLnSpc="1">
+            <a:prstTxWarp prst="textNoShape">
+              <a:avLst/>
+            </a:prstTxWarp>
+            <a:noAutofit/>
+          </a:bodyPr>
+          <a:lstStyle/>
+          <a:p>
+            <a:pPr marL="0" algn="ctr" defTabSz="914400" rtl="1" eaLnBrk="1" latinLnBrk="0" hangingPunct="1"/>
+            <a:endParaRPr lang="en-US"/>
+          </a:p>
+        </p:txBody>
+      </p:sp>
+      <p:sp>
+        <p:nvSpPr>
+          <p:cNvPr id="96" name="Rectangle 95">
+            <a:extLst>
+              <a:ext uri="{FF2B5EF4-FFF2-40B4-BE49-F238E27FC236}">
+                <a16:creationId xmlns:a16="http://schemas.microsoft.com/office/drawing/2014/main" id="{8E5CF19B-BB31-3440-A316-AC53EB02F724}"/>
+              </a:ext>
+            </a:extLst>
+          </p:cNvPr>
+          <p:cNvSpPr/>
+          <p:nvPr/>
+        </p:nvSpPr>
+        <p:spPr>
+          <a:xfrm>
+            <a:off x="1736478" y="1767265"/>
+            <a:ext cx="149752" cy="149752"/>
+          </a:xfrm>
+          <a:prstGeom prst="rect">
+            <a:avLst/>
+          </a:prstGeom>
+          <a:solidFill>
+            <a:srgbClr val="0022F2"/>
+          </a:solidFill>
+          <a:ln>
+            <a:noFill/>
+          </a:ln>
+        </p:spPr>
+        <p:style>
+          <a:lnRef idx="2">
+            <a:schemeClr val="accent1">
+              <a:shade val="50000"/>
+            </a:schemeClr>
+          </a:lnRef>
+          <a:fillRef idx="1">
+            <a:schemeClr val="accent1"/>
+          </a:fillRef>
+          <a:effectRef idx="0">
+            <a:schemeClr val="accent1"/>
+          </a:effectRef>
+          <a:fontRef idx="minor">
+            <a:schemeClr val="lt1"/>
+          </a:fontRef>
+        </p:style>
+        <p:txBody>
+          <a:bodyPr rot="0" spcFirstLastPara="0" vertOverflow="overflow" horzOverflow="overflow" vert="horz" wrap="square" lIns="91440" tIns="45720" rIns="91440" bIns="45720" numCol="1" spcCol="0" rtlCol="0" fromWordArt="0" anchor="ctr" anchorCtr="0" forceAA="0" compatLnSpc="1">
+            <a:prstTxWarp prst="textNoShape">
+              <a:avLst/>
+            </a:prstTxWarp>
+            <a:noAutofit/>
+          </a:bodyPr>
+          <a:lstStyle/>
+          <a:p>
+            <a:pPr marL="0" algn="ctr" defTabSz="790042" rtl="1" eaLnBrk="1" latinLnBrk="0" hangingPunct="1"/>
+            <a:endParaRPr lang="en-US"/>
+          </a:p>
+        </p:txBody>
+      </p:sp>
+      <p:sp>
+        <p:nvSpPr>
+          <p:cNvPr id="97" name="Rectangle 96">
+            <a:extLst>
+              <a:ext uri="{FF2B5EF4-FFF2-40B4-BE49-F238E27FC236}">
+                <a16:creationId xmlns:a16="http://schemas.microsoft.com/office/drawing/2014/main" id="{B68BCD98-BA77-9B45-AC94-FD99D168EFF8}"/>
+              </a:ext>
+            </a:extLst>
+          </p:cNvPr>
+          <p:cNvSpPr/>
+          <p:nvPr/>
+        </p:nvSpPr>
+        <p:spPr>
+          <a:xfrm>
+            <a:off x="1206741" y="1767265"/>
+            <a:ext cx="149752" cy="149752"/>
+          </a:xfrm>
+          <a:prstGeom prst="rect">
+            <a:avLst/>
+          </a:prstGeom>
+          <a:solidFill>
+            <a:srgbClr val="FF0000"/>
+          </a:solidFill>
+          <a:ln>
+            <a:noFill/>
+          </a:ln>
+        </p:spPr>
+        <p:style>
+          <a:lnRef idx="2">
+            <a:schemeClr val="accent1">
+              <a:shade val="50000"/>
+            </a:schemeClr>
+          </a:lnRef>
+          <a:fillRef idx="1">
+            <a:schemeClr val="accent1"/>
+          </a:fillRef>
+          <a:effectRef idx="0">
+            <a:schemeClr val="accent1"/>
+          </a:effectRef>
+          <a:fontRef idx="minor">
+            <a:schemeClr val="lt1"/>
+          </a:fontRef>
+        </p:style>
+        <p:txBody>
+          <a:bodyPr rot="0" spcFirstLastPara="0" vertOverflow="overflow" horzOverflow="overflow" vert="horz" wrap="square" lIns="91440" tIns="45720" rIns="91440" bIns="45720" numCol="1" spcCol="0" rtlCol="0" fromWordArt="0" anchor="ctr" anchorCtr="0" forceAA="0" compatLnSpc="1">
+            <a:prstTxWarp prst="textNoShape">
+              <a:avLst/>
+            </a:prstTxWarp>
+            <a:noAutofit/>
+          </a:bodyPr>
+          <a:lstStyle/>
+          <a:p>
+            <a:pPr marL="0" algn="ctr" defTabSz="790042" rtl="1" eaLnBrk="1" latinLnBrk="0" hangingPunct="1"/>
+            <a:endParaRPr lang="en-US"/>
+          </a:p>
+        </p:txBody>
+      </p:sp>
+      <p:sp>
+        <p:nvSpPr>
+          <p:cNvPr id="42" name="TextBox 41">
+            <a:extLst>
+              <a:ext uri="{FF2B5EF4-FFF2-40B4-BE49-F238E27FC236}">
+                <a16:creationId xmlns:a16="http://schemas.microsoft.com/office/drawing/2014/main" id="{52EAC71E-C53B-FE44-AAAC-FEC53CBDD140}"/>
+              </a:ext>
+            </a:extLst>
+          </p:cNvPr>
+          <p:cNvSpPr txBox="1"/>
+          <p:nvPr/>
+        </p:nvSpPr>
+        <p:spPr>
+          <a:xfrm>
+            <a:off x="301044" y="3833135"/>
+            <a:ext cx="2338860" cy="400110"/>
+          </a:xfrm>
+          <a:prstGeom prst="rect">
+            <a:avLst/>
+          </a:prstGeom>
+          <a:noFill/>
+        </p:spPr>
+        <p:txBody>
+          <a:bodyPr wrap="square" rtlCol="0">
+            <a:spAutoFit/>
+          </a:bodyPr>
+          <a:lstStyle/>
+          <a:p>
+            <a:pPr rtl="1"/>
+            <a:r>
+              <a:rPr lang="en-US" sz="2000" dirty="0">
+                <a:latin typeface="Times" pitchFamily="2" charset="0"/>
+              </a:rPr>
+              <a:t>6-move reachable set</a:t>
+            </a:r>
+            <a:endParaRPr lang="en-US" sz="2000" dirty="0"/>
+          </a:p>
+        </p:txBody>
+      </p:sp>
+      <p:sp>
+        <p:nvSpPr>
+          <p:cNvPr id="101" name="Rectangle 100">
+            <a:extLst>
+              <a:ext uri="{FF2B5EF4-FFF2-40B4-BE49-F238E27FC236}">
+                <a16:creationId xmlns:a16="http://schemas.microsoft.com/office/drawing/2014/main" id="{0D6A7E9C-0FA3-D94D-8B69-AC37E77F9401}"/>
+              </a:ext>
+            </a:extLst>
+          </p:cNvPr>
+          <p:cNvSpPr/>
+          <p:nvPr/>
+        </p:nvSpPr>
+        <p:spPr>
+          <a:xfrm>
+            <a:off x="141252" y="10559777"/>
+            <a:ext cx="159792" cy="159792"/>
+          </a:xfrm>
+          <a:prstGeom prst="rect">
+            <a:avLst/>
+          </a:prstGeom>
+          <a:solidFill>
+            <a:srgbClr val="EC6234"/>
+          </a:solidFill>
+          <a:ln>
+            <a:solidFill>
+              <a:schemeClr val="tx1"/>
+            </a:solidFill>
+          </a:ln>
+        </p:spPr>
+        <p:style>
+          <a:lnRef idx="2">
+            <a:schemeClr val="accent1">
+              <a:shade val="50000"/>
+            </a:schemeClr>
+          </a:lnRef>
+          <a:fillRef idx="1">
+            <a:schemeClr val="accent1"/>
+          </a:fillRef>
+          <a:effectRef idx="0">
+            <a:schemeClr val="accent1"/>
+          </a:effectRef>
+          <a:fontRef idx="minor">
+            <a:schemeClr val="lt1"/>
+          </a:fontRef>
+        </p:style>
+        <p:txBody>
+          <a:bodyPr rot="0" spcFirstLastPara="0" vertOverflow="overflow" horzOverflow="overflow" vert="horz" wrap="square" lIns="91440" tIns="45720" rIns="91440" bIns="45720" numCol="1" spcCol="0" rtlCol="0" fromWordArt="0" anchor="ctr" anchorCtr="0" forceAA="0" compatLnSpc="1">
+            <a:prstTxWarp prst="textNoShape">
+              <a:avLst/>
+            </a:prstTxWarp>
+            <a:noAutofit/>
+          </a:bodyPr>
+          <a:lstStyle/>
+          <a:p>
+            <a:pPr marL="0" algn="ctr" defTabSz="790042" rtl="1" eaLnBrk="1" latinLnBrk="0" hangingPunct="1"/>
+            <a:r>
+              <a:rPr lang="fa-IR" dirty="0"/>
+              <a:t>     </a:t>
+            </a:r>
+            <a:endParaRPr lang="en-US" dirty="0"/>
+          </a:p>
+        </p:txBody>
+      </p:sp>
+      <p:sp>
+        <p:nvSpPr>
+          <p:cNvPr id="102" name="TextBox 101">
+            <a:extLst>
+              <a:ext uri="{FF2B5EF4-FFF2-40B4-BE49-F238E27FC236}">
+                <a16:creationId xmlns:a16="http://schemas.microsoft.com/office/drawing/2014/main" id="{9638012C-72C2-9046-85D0-8106220345A5}"/>
+              </a:ext>
+            </a:extLst>
+          </p:cNvPr>
+          <p:cNvSpPr txBox="1"/>
+          <p:nvPr/>
+        </p:nvSpPr>
+        <p:spPr>
+          <a:xfrm>
+            <a:off x="301044" y="10438202"/>
+            <a:ext cx="2338860" cy="400110"/>
+          </a:xfrm>
+          <a:prstGeom prst="rect">
+            <a:avLst/>
+          </a:prstGeom>
+          <a:noFill/>
+        </p:spPr>
+        <p:txBody>
+          <a:bodyPr wrap="square" rtlCol="0">
+            <a:spAutoFit/>
+          </a:bodyPr>
+          <a:lstStyle/>
+          <a:p>
+            <a:pPr rtl="1"/>
+            <a:r>
+              <a:rPr lang="en-US" sz="2000" dirty="0">
+                <a:latin typeface="Times" pitchFamily="2" charset="0"/>
+              </a:rPr>
+              <a:t>8-move reachable set</a:t>
+            </a:r>
+            <a:endParaRPr lang="en-US" sz="2000" dirty="0"/>
+          </a:p>
+        </p:txBody>
+      </p:sp>
+      <p:sp>
+        <p:nvSpPr>
+          <p:cNvPr id="103" name="Rectangle 102">
+            <a:extLst>
+              <a:ext uri="{FF2B5EF4-FFF2-40B4-BE49-F238E27FC236}">
+                <a16:creationId xmlns:a16="http://schemas.microsoft.com/office/drawing/2014/main" id="{864BF1C7-13E0-AC48-850C-50DC21C23C7D}"/>
+              </a:ext>
+            </a:extLst>
+          </p:cNvPr>
+          <p:cNvSpPr/>
+          <p:nvPr/>
+        </p:nvSpPr>
+        <p:spPr>
+          <a:xfrm>
+            <a:off x="148755" y="12410911"/>
+            <a:ext cx="159792" cy="159792"/>
+          </a:xfrm>
+          <a:prstGeom prst="rect">
+            <a:avLst/>
+          </a:prstGeom>
+          <a:solidFill>
+            <a:srgbClr val="91B033"/>
+          </a:solidFill>
+          <a:ln>
+            <a:solidFill>
+              <a:schemeClr val="tx1"/>
+            </a:solidFill>
+          </a:ln>
+        </p:spPr>
+        <p:style>
+          <a:lnRef idx="2">
+            <a:schemeClr val="accent1">
+              <a:shade val="50000"/>
+            </a:schemeClr>
+          </a:lnRef>
+          <a:fillRef idx="1">
+            <a:schemeClr val="accent1"/>
+          </a:fillRef>
+          <a:effectRef idx="0">
+            <a:schemeClr val="accent1"/>
+          </a:effectRef>
+          <a:fontRef idx="minor">
+            <a:schemeClr val="lt1"/>
+          </a:fontRef>
+        </p:style>
+        <p:txBody>
+          <a:bodyPr rot="0" spcFirstLastPara="0" vertOverflow="overflow" horzOverflow="overflow" vert="horz" wrap="square" lIns="91440" tIns="45720" rIns="91440" bIns="45720" numCol="1" spcCol="0" rtlCol="0" fromWordArt="0" anchor="ctr" anchorCtr="0" forceAA="0" compatLnSpc="1">
+            <a:prstTxWarp prst="textNoShape">
+              <a:avLst/>
+            </a:prstTxWarp>
+            <a:noAutofit/>
+          </a:bodyPr>
+          <a:lstStyle/>
+          <a:p>
+            <a:pPr marL="0" algn="ctr" defTabSz="790042" rtl="1" eaLnBrk="1" latinLnBrk="0" hangingPunct="1"/>
+            <a:r>
+              <a:rPr lang="fa-IR" dirty="0"/>
+              <a:t>     </a:t>
+            </a:r>
+            <a:endParaRPr lang="en-US" dirty="0"/>
+          </a:p>
+        </p:txBody>
+      </p:sp>
+      <p:sp>
+        <p:nvSpPr>
+          <p:cNvPr id="104" name="TextBox 103">
+            <a:extLst>
+              <a:ext uri="{FF2B5EF4-FFF2-40B4-BE49-F238E27FC236}">
+                <a16:creationId xmlns:a16="http://schemas.microsoft.com/office/drawing/2014/main" id="{D64EAE51-CC52-ED4A-AF6B-A67B72346638}"/>
+              </a:ext>
+            </a:extLst>
+          </p:cNvPr>
+          <p:cNvSpPr txBox="1"/>
+          <p:nvPr/>
+        </p:nvSpPr>
+        <p:spPr>
+          <a:xfrm>
+            <a:off x="308546" y="12289336"/>
+            <a:ext cx="2520111" cy="400110"/>
+          </a:xfrm>
+          <a:prstGeom prst="rect">
+            <a:avLst/>
+          </a:prstGeom>
+          <a:noFill/>
+        </p:spPr>
+        <p:txBody>
+          <a:bodyPr wrap="square" rtlCol="0">
+            <a:spAutoFit/>
+          </a:bodyPr>
+          <a:lstStyle/>
+          <a:p>
+            <a:pPr rtl="1"/>
+            <a:r>
+              <a:rPr lang="en-US" sz="2000" dirty="0">
+                <a:latin typeface="Times" pitchFamily="2" charset="0"/>
+              </a:rPr>
+              <a:t>10-move reachable set</a:t>
+            </a:r>
+            <a:endParaRPr lang="en-US" sz="2000" dirty="0"/>
+          </a:p>
+        </p:txBody>
+      </p:sp>
     </p:spTree>
     <p:extLst>
       <p:ext uri="{BB962C8B-B14F-4D97-AF65-F5344CB8AC3E}">

--- a/journalWallFriction/pictures/pdf/differentNumSides.pptx
+++ b/journalWallFriction/pictures/pdf/differentNumSides.pptx
@@ -4040,8 +4040,8 @@
         </p:nvSpPr>
         <p:spPr>
           <a:xfrm>
-            <a:off x="0" y="1580772"/>
-            <a:ext cx="5787216" cy="1446550"/>
+            <a:off x="112114" y="1554492"/>
+            <a:ext cx="5787216" cy="1323439"/>
           </a:xfrm>
           <a:prstGeom prst="rect">
             <a:avLst/>
@@ -4055,25 +4055,25 @@
           <a:lstStyle/>
           <a:p>
             <a:r>
-              <a:rPr lang="en-US" sz="2000" dirty="0" err="1">
+              <a:rPr lang="en-US" sz="1600" dirty="0" err="1">
                 <a:latin typeface="Times" pitchFamily="2" charset="0"/>
               </a:rPr>
               <a:t>Δ</a:t>
             </a:r>
             <a:r>
-              <a:rPr lang="en-US" sz="2000" i="1" dirty="0" err="1">
+              <a:rPr lang="en-US" sz="1600" i="1" dirty="0" err="1">
                 <a:latin typeface="Times" pitchFamily="2" charset="0"/>
               </a:rPr>
               <a:t>s</a:t>
             </a:r>
             <a:r>
-              <a:rPr lang="en-US" sz="2800" i="1" dirty="0">
+              <a:rPr lang="en-US" sz="1600" i="1" dirty="0">
                 <a:latin typeface="Times" pitchFamily="2" charset="0"/>
               </a:rPr>
               <a:t>	</a:t>
             </a:r>
             <a:r>
-              <a:rPr lang="en-US" sz="2800" dirty="0">
+              <a:rPr lang="en-US" sz="1600" dirty="0">
                 <a:latin typeface="Times" pitchFamily="2" charset="0"/>
               </a:rPr>
               <a:t>=    −  </a:t>
@@ -4081,29 +4081,49 @@
           </a:p>
           <a:p>
             <a:r>
-              <a:rPr lang="fa-IR" sz="2000" dirty="0">
+              <a:rPr lang="en-US" sz="1600" dirty="0" err="1">
                 <a:latin typeface="Times" pitchFamily="2" charset="0"/>
               </a:rPr>
-              <a:t>    </a:t>
-            </a:r>
-            <a:r>
-              <a:rPr lang="en-US" sz="2000" dirty="0">
+              <a:t>Δ</a:t>
+            </a:r>
+            <a:r>
+              <a:rPr lang="en-US" sz="1600" i="1" dirty="0" err="1">
                 <a:latin typeface="Times" pitchFamily="2" charset="0"/>
               </a:rPr>
-              <a:t>2-move reachable set</a:t>
-            </a:r>
-          </a:p>
-          <a:p>
-            <a:r>
-              <a:rPr lang="en-US" sz="2000" dirty="0">
+              <a:t>g</a:t>
+            </a:r>
+            <a:r>
+              <a:rPr lang="en-US" sz="1600" i="1" dirty="0">
                 <a:latin typeface="Times" pitchFamily="2" charset="0"/>
               </a:rPr>
-              <a:t>    4-move reachable set</a:t>
-            </a:r>
-          </a:p>
-          <a:p>
-            <a:r>
-              <a:rPr lang="en-US" sz="2000" dirty="0">
+              <a:t>	</a:t>
+            </a:r>
+            <a:r>
+              <a:rPr lang="en-US" sz="1600" dirty="0">
+                <a:latin typeface="Times" pitchFamily="2" charset="0"/>
+              </a:rPr>
+              <a:t>=    −  </a:t>
+            </a:r>
+          </a:p>
+          <a:p>
+            <a:r>
+              <a:rPr lang="en-US" sz="1600" dirty="0">
+                <a:latin typeface="Times" pitchFamily="2" charset="0"/>
+              </a:rPr>
+              <a:t>      2-move reachable set</a:t>
+            </a:r>
+          </a:p>
+          <a:p>
+            <a:r>
+              <a:rPr lang="en-US" sz="1600" dirty="0">
+                <a:latin typeface="Times" pitchFamily="2" charset="0"/>
+              </a:rPr>
+              <a:t>      4-move reachable set</a:t>
+            </a:r>
+          </a:p>
+          <a:p>
+            <a:r>
+              <a:rPr lang="en-US" sz="1600" dirty="0">
                 <a:latin typeface="Times" pitchFamily="2" charset="0"/>
               </a:rPr>
               <a:t>    </a:t>
@@ -4125,7 +4145,7 @@
         </p:nvSpPr>
         <p:spPr>
           <a:xfrm>
-            <a:off x="149476" y="2127255"/>
+            <a:off x="221148" y="2138279"/>
             <a:ext cx="159792" cy="159792"/>
           </a:xfrm>
           <a:prstGeom prst="rect">
@@ -4165,7 +4185,7 @@
           </a:bodyPr>
           <a:lstStyle/>
           <a:p>
-            <a:pPr marL="0" algn="ctr" defTabSz="790042" rtl="1" eaLnBrk="1" latinLnBrk="0" hangingPunct="1"/>
+            <a:pPr marL="0" algn="ctr" defTabSz="790042" rtl="0" eaLnBrk="1" latinLnBrk="0" hangingPunct="1"/>
             <a:endParaRPr lang="en-US"/>
           </a:p>
         </p:txBody>
@@ -4184,7 +4204,7 @@
         </p:nvSpPr>
         <p:spPr>
           <a:xfrm>
-            <a:off x="148755" y="2454815"/>
+            <a:off x="221003" y="2375035"/>
             <a:ext cx="159792" cy="159792"/>
           </a:xfrm>
           <a:prstGeom prst="rect">
@@ -4224,7 +4244,7 @@
           </a:bodyPr>
           <a:lstStyle/>
           <a:p>
-            <a:pPr marL="0" algn="ctr" defTabSz="790042" rtl="1" eaLnBrk="1" latinLnBrk="0" hangingPunct="1"/>
+            <a:pPr marL="0" algn="ctr" defTabSz="790042" rtl="0" eaLnBrk="1" latinLnBrk="0" hangingPunct="1"/>
             <a:endParaRPr lang="en-US"/>
           </a:p>
         </p:txBody>
@@ -4306,7 +4326,7 @@
         </p:nvSpPr>
         <p:spPr>
           <a:xfrm>
-            <a:off x="596482" y="1768313"/>
+            <a:off x="691857" y="1658059"/>
             <a:ext cx="149752" cy="149752"/>
           </a:xfrm>
           <a:prstGeom prst="rect">
@@ -4344,7 +4364,7 @@
           </a:bodyPr>
           <a:lstStyle/>
           <a:p>
-            <a:pPr marL="0" algn="ctr" defTabSz="914400" rtl="1" eaLnBrk="1" latinLnBrk="0" hangingPunct="1"/>
+            <a:pPr marL="0" algn="ctr" defTabSz="914400" rtl="0" eaLnBrk="1" latinLnBrk="0" hangingPunct="1"/>
             <a:endParaRPr lang="en-US"/>
           </a:p>
         </p:txBody>
@@ -4363,7 +4383,7 @@
         </p:nvSpPr>
         <p:spPr>
           <a:xfrm>
-            <a:off x="1736478" y="1767265"/>
+            <a:off x="1464153" y="1655785"/>
             <a:ext cx="149752" cy="149752"/>
           </a:xfrm>
           <a:prstGeom prst="rect">
@@ -4401,7 +4421,7 @@
           </a:bodyPr>
           <a:lstStyle/>
           <a:p>
-            <a:pPr marL="0" algn="ctr" defTabSz="790042" rtl="1" eaLnBrk="1" latinLnBrk="0" hangingPunct="1"/>
+            <a:pPr marL="0" algn="ctr" defTabSz="790042" rtl="0" eaLnBrk="1" latinLnBrk="0" hangingPunct="1"/>
             <a:endParaRPr lang="en-US"/>
           </a:p>
         </p:txBody>
@@ -4420,7 +4440,7 @@
         </p:nvSpPr>
         <p:spPr>
           <a:xfrm>
-            <a:off x="1206741" y="1767265"/>
+            <a:off x="1135173" y="1655785"/>
             <a:ext cx="149752" cy="149752"/>
           </a:xfrm>
           <a:prstGeom prst="rect">
@@ -4458,7 +4478,7 @@
           </a:bodyPr>
           <a:lstStyle/>
           <a:p>
-            <a:pPr marL="0" algn="ctr" defTabSz="790042" rtl="1" eaLnBrk="1" latinLnBrk="0" hangingPunct="1"/>
+            <a:pPr marL="0" algn="ctr" defTabSz="790042" rtl="0" eaLnBrk="1" latinLnBrk="0" hangingPunct="1"/>
             <a:endParaRPr lang="en-US"/>
           </a:p>
         </p:txBody>
@@ -4478,7 +4498,7 @@
         <p:spPr>
           <a:xfrm>
             <a:off x="301044" y="3833135"/>
-            <a:ext cx="2338860" cy="400110"/>
+            <a:ext cx="2338860" cy="338554"/>
           </a:xfrm>
           <a:prstGeom prst="rect">
             <a:avLst/>
@@ -4493,12 +4513,12 @@
           <a:p>
             <a:pPr rtl="1"/>
             <a:r>
-              <a:rPr lang="en-US" sz="2000" dirty="0">
+              <a:rPr lang="en-US" sz="1600" dirty="0">
                 <a:latin typeface="Times" pitchFamily="2" charset="0"/>
               </a:rPr>
               <a:t>6-move reachable set</a:t>
             </a:r>
-            <a:endParaRPr lang="en-US" sz="2000" dirty="0"/>
+            <a:endParaRPr lang="en-US" sz="1600" dirty="0"/>
           </a:p>
         </p:txBody>
       </p:sp>
@@ -4580,7 +4600,7 @@
         <p:spPr>
           <a:xfrm>
             <a:off x="301044" y="10438202"/>
-            <a:ext cx="2338860" cy="400110"/>
+            <a:ext cx="2338860" cy="338554"/>
           </a:xfrm>
           <a:prstGeom prst="rect">
             <a:avLst/>
@@ -4595,12 +4615,12 @@
           <a:p>
             <a:pPr rtl="1"/>
             <a:r>
-              <a:rPr lang="en-US" sz="2000" dirty="0">
+              <a:rPr lang="en-US" sz="1600" dirty="0">
                 <a:latin typeface="Times" pitchFamily="2" charset="0"/>
               </a:rPr>
               <a:t>8-move reachable set</a:t>
             </a:r>
-            <a:endParaRPr lang="en-US" sz="2000" dirty="0"/>
+            <a:endParaRPr lang="en-US" sz="1600" dirty="0"/>
           </a:p>
         </p:txBody>
       </p:sp>
@@ -4682,7 +4702,7 @@
         <p:spPr>
           <a:xfrm>
             <a:off x="308546" y="12289336"/>
-            <a:ext cx="2520111" cy="400110"/>
+            <a:ext cx="2520111" cy="338554"/>
           </a:xfrm>
           <a:prstGeom prst="rect">
             <a:avLst/>
@@ -4697,12 +4717,753 @@
           <a:p>
             <a:pPr rtl="1"/>
             <a:r>
-              <a:rPr lang="en-US" sz="2000" dirty="0">
+              <a:rPr lang="en-US" sz="1600" dirty="0">
                 <a:latin typeface="Times" pitchFamily="2" charset="0"/>
               </a:rPr>
               <a:t>10-move reachable set</a:t>
             </a:r>
-            <a:endParaRPr lang="en-US" sz="2000" dirty="0"/>
+            <a:endParaRPr lang="en-US" sz="1600" dirty="0"/>
+          </a:p>
+        </p:txBody>
+      </p:sp>
+      <p:sp>
+        <p:nvSpPr>
+          <p:cNvPr id="106" name="Oval 105">
+            <a:extLst>
+              <a:ext uri="{FF2B5EF4-FFF2-40B4-BE49-F238E27FC236}">
+                <a16:creationId xmlns:a16="http://schemas.microsoft.com/office/drawing/2014/main" id="{2ED7B11A-190E-3046-A074-2CB8311FDD02}"/>
+              </a:ext>
+            </a:extLst>
+          </p:cNvPr>
+          <p:cNvSpPr/>
+          <p:nvPr/>
+        </p:nvSpPr>
+        <p:spPr>
+          <a:xfrm>
+            <a:off x="1464153" y="1873763"/>
+            <a:ext cx="171382" cy="171382"/>
+          </a:xfrm>
+          <a:prstGeom prst="ellipse">
+            <a:avLst/>
+          </a:prstGeom>
+          <a:solidFill>
+            <a:srgbClr val="0022F2"/>
+          </a:solidFill>
+          <a:ln>
+            <a:noFill/>
+          </a:ln>
+        </p:spPr>
+        <p:style>
+          <a:lnRef idx="2">
+            <a:schemeClr val="accent1">
+              <a:shade val="50000"/>
+            </a:schemeClr>
+          </a:lnRef>
+          <a:fillRef idx="1">
+            <a:schemeClr val="accent1"/>
+          </a:fillRef>
+          <a:effectRef idx="0">
+            <a:schemeClr val="accent1"/>
+          </a:effectRef>
+          <a:fontRef idx="minor">
+            <a:schemeClr val="lt1"/>
+          </a:fontRef>
+        </p:style>
+        <p:txBody>
+          <a:bodyPr rot="0" spcFirstLastPara="0" vertOverflow="overflow" horzOverflow="overflow" vert="horz" wrap="square" lIns="91440" tIns="45720" rIns="91440" bIns="45720" numCol="1" spcCol="0" rtlCol="0" fromWordArt="0" anchor="ctr" anchorCtr="0" forceAA="0" compatLnSpc="1">
+            <a:prstTxWarp prst="textNoShape">
+              <a:avLst/>
+            </a:prstTxWarp>
+            <a:noAutofit/>
+          </a:bodyPr>
+          <a:lstStyle/>
+          <a:p>
+            <a:pPr algn="ctr"/>
+            <a:endParaRPr lang="en-US"/>
+          </a:p>
+        </p:txBody>
+      </p:sp>
+      <p:sp>
+        <p:nvSpPr>
+          <p:cNvPr id="107" name="Oval 106">
+            <a:extLst>
+              <a:ext uri="{FF2B5EF4-FFF2-40B4-BE49-F238E27FC236}">
+                <a16:creationId xmlns:a16="http://schemas.microsoft.com/office/drawing/2014/main" id="{F164C883-5709-5140-ADC5-F876E6450867}"/>
+              </a:ext>
+            </a:extLst>
+          </p:cNvPr>
+          <p:cNvSpPr/>
+          <p:nvPr/>
+        </p:nvSpPr>
+        <p:spPr>
+          <a:xfrm>
+            <a:off x="1120091" y="1884914"/>
+            <a:ext cx="179916" cy="179916"/>
+          </a:xfrm>
+          <a:prstGeom prst="ellipse">
+            <a:avLst/>
+          </a:prstGeom>
+          <a:solidFill>
+            <a:srgbClr val="FF0000"/>
+          </a:solidFill>
+          <a:ln>
+            <a:noFill/>
+          </a:ln>
+        </p:spPr>
+        <p:style>
+          <a:lnRef idx="2">
+            <a:schemeClr val="accent1">
+              <a:shade val="50000"/>
+            </a:schemeClr>
+          </a:lnRef>
+          <a:fillRef idx="1">
+            <a:schemeClr val="accent1"/>
+          </a:fillRef>
+          <a:effectRef idx="0">
+            <a:schemeClr val="accent1"/>
+          </a:effectRef>
+          <a:fontRef idx="minor">
+            <a:schemeClr val="lt1"/>
+          </a:fontRef>
+        </p:style>
+        <p:txBody>
+          <a:bodyPr rot="0" spcFirstLastPara="0" vertOverflow="overflow" horzOverflow="overflow" vert="horz" wrap="square" lIns="91440" tIns="45720" rIns="91440" bIns="45720" numCol="1" spcCol="0" rtlCol="0" fromWordArt="0" anchor="ctr" anchorCtr="0" forceAA="0" compatLnSpc="1">
+            <a:prstTxWarp prst="textNoShape">
+              <a:avLst/>
+            </a:prstTxWarp>
+            <a:noAutofit/>
+          </a:bodyPr>
+          <a:lstStyle/>
+          <a:p>
+            <a:pPr algn="ctr"/>
+            <a:endParaRPr lang="en-US"/>
+          </a:p>
+        </p:txBody>
+      </p:sp>
+      <p:sp>
+        <p:nvSpPr>
+          <p:cNvPr id="108" name="Oval 107">
+            <a:extLst>
+              <a:ext uri="{FF2B5EF4-FFF2-40B4-BE49-F238E27FC236}">
+                <a16:creationId xmlns:a16="http://schemas.microsoft.com/office/drawing/2014/main" id="{27E657BF-88CE-BD42-AF50-88C5E0B90874}"/>
+              </a:ext>
+            </a:extLst>
+          </p:cNvPr>
+          <p:cNvSpPr/>
+          <p:nvPr/>
+        </p:nvSpPr>
+        <p:spPr>
+          <a:xfrm>
+            <a:off x="683292" y="1894667"/>
+            <a:ext cx="179916" cy="179916"/>
+          </a:xfrm>
+          <a:prstGeom prst="ellipse">
+            <a:avLst/>
+          </a:prstGeom>
+          <a:solidFill>
+            <a:srgbClr val="74FA4C"/>
+          </a:solidFill>
+          <a:ln>
+            <a:noFill/>
+          </a:ln>
+        </p:spPr>
+        <p:style>
+          <a:lnRef idx="2">
+            <a:schemeClr val="accent1">
+              <a:shade val="50000"/>
+            </a:schemeClr>
+          </a:lnRef>
+          <a:fillRef idx="1">
+            <a:schemeClr val="accent1"/>
+          </a:fillRef>
+          <a:effectRef idx="0">
+            <a:schemeClr val="accent1"/>
+          </a:effectRef>
+          <a:fontRef idx="minor">
+            <a:schemeClr val="lt1"/>
+          </a:fontRef>
+        </p:style>
+        <p:txBody>
+          <a:bodyPr rot="0" spcFirstLastPara="0" vertOverflow="overflow" horzOverflow="overflow" vert="horz" wrap="square" lIns="91440" tIns="45720" rIns="91440" bIns="45720" numCol="1" spcCol="0" rtlCol="0" fromWordArt="0" anchor="ctr" anchorCtr="0" forceAA="0" compatLnSpc="1">
+            <a:prstTxWarp prst="textNoShape">
+              <a:avLst/>
+            </a:prstTxWarp>
+            <a:noAutofit/>
+          </a:bodyPr>
+          <a:lstStyle/>
+          <a:p>
+            <a:pPr algn="ctr"/>
+            <a:endParaRPr lang="en-US"/>
+          </a:p>
+        </p:txBody>
+      </p:sp>
+      <p:sp>
+        <p:nvSpPr>
+          <p:cNvPr id="109" name="Oval 108">
+            <a:extLst>
+              <a:ext uri="{FF2B5EF4-FFF2-40B4-BE49-F238E27FC236}">
+                <a16:creationId xmlns:a16="http://schemas.microsoft.com/office/drawing/2014/main" id="{521D5C8A-1DB9-D343-9415-940A760AEC53}"/>
+              </a:ext>
+            </a:extLst>
+          </p:cNvPr>
+          <p:cNvSpPr/>
+          <p:nvPr/>
+        </p:nvSpPr>
+        <p:spPr>
+          <a:xfrm flipV="1">
+            <a:off x="3094684" y="890822"/>
+            <a:ext cx="45719" cy="45719"/>
+          </a:xfrm>
+          <a:prstGeom prst="ellipse">
+            <a:avLst/>
+          </a:prstGeom>
+          <a:solidFill>
+            <a:srgbClr val="74FA4C"/>
+          </a:solidFill>
+          <a:ln>
+            <a:noFill/>
+          </a:ln>
+        </p:spPr>
+        <p:style>
+          <a:lnRef idx="2">
+            <a:schemeClr val="accent1">
+              <a:shade val="50000"/>
+            </a:schemeClr>
+          </a:lnRef>
+          <a:fillRef idx="1">
+            <a:schemeClr val="accent1"/>
+          </a:fillRef>
+          <a:effectRef idx="0">
+            <a:schemeClr val="accent1"/>
+          </a:effectRef>
+          <a:fontRef idx="minor">
+            <a:schemeClr val="lt1"/>
+          </a:fontRef>
+        </p:style>
+        <p:txBody>
+          <a:bodyPr rot="0" spcFirstLastPara="0" vertOverflow="overflow" horzOverflow="overflow" vert="horz" wrap="square" lIns="91440" tIns="45720" rIns="91440" bIns="45720" numCol="1" spcCol="0" rtlCol="0" fromWordArt="0" anchor="ctr" anchorCtr="0" forceAA="0" compatLnSpc="1">
+            <a:prstTxWarp prst="textNoShape">
+              <a:avLst/>
+            </a:prstTxWarp>
+            <a:noAutofit/>
+          </a:bodyPr>
+          <a:lstStyle/>
+          <a:p>
+            <a:pPr algn="ctr"/>
+            <a:endParaRPr lang="en-US"/>
+          </a:p>
+        </p:txBody>
+      </p:sp>
+      <p:sp>
+        <p:nvSpPr>
+          <p:cNvPr id="44" name="TextBox 43">
+            <a:extLst>
+              <a:ext uri="{FF2B5EF4-FFF2-40B4-BE49-F238E27FC236}">
+                <a16:creationId xmlns:a16="http://schemas.microsoft.com/office/drawing/2014/main" id="{50C6E1E1-1994-4E4B-8B9A-5259A4797986}"/>
+              </a:ext>
+            </a:extLst>
+          </p:cNvPr>
+          <p:cNvSpPr txBox="1"/>
+          <p:nvPr/>
+        </p:nvSpPr>
+        <p:spPr>
+          <a:xfrm>
+            <a:off x="2742679" y="866449"/>
+            <a:ext cx="555998" cy="338554"/>
+          </a:xfrm>
+          <a:prstGeom prst="rect">
+            <a:avLst/>
+          </a:prstGeom>
+          <a:noFill/>
+        </p:spPr>
+        <p:txBody>
+          <a:bodyPr wrap="square" rtlCol="0">
+            <a:spAutoFit/>
+          </a:bodyPr>
+          <a:lstStyle/>
+          <a:p>
+            <a:r>
+              <a:rPr lang="en-US" sz="1600" i="1" dirty="0" err="1">
+                <a:latin typeface="Times" pitchFamily="2" charset="0"/>
+              </a:rPr>
+              <a:t>Δg</a:t>
+            </a:r>
+            <a:endParaRPr lang="en-US" sz="1600" i="1" dirty="0"/>
+          </a:p>
+        </p:txBody>
+      </p:sp>
+      <p:sp>
+        <p:nvSpPr>
+          <p:cNvPr id="112" name="Oval 111">
+            <a:extLst>
+              <a:ext uri="{FF2B5EF4-FFF2-40B4-BE49-F238E27FC236}">
+                <a16:creationId xmlns:a16="http://schemas.microsoft.com/office/drawing/2014/main" id="{C73C3838-C10D-644E-AB49-8FAB3A4362A5}"/>
+              </a:ext>
+            </a:extLst>
+          </p:cNvPr>
+          <p:cNvSpPr/>
+          <p:nvPr/>
+        </p:nvSpPr>
+        <p:spPr>
+          <a:xfrm flipV="1">
+            <a:off x="3101515" y="2982674"/>
+            <a:ext cx="45719" cy="45719"/>
+          </a:xfrm>
+          <a:prstGeom prst="ellipse">
+            <a:avLst/>
+          </a:prstGeom>
+          <a:solidFill>
+            <a:srgbClr val="74FA4C"/>
+          </a:solidFill>
+          <a:ln>
+            <a:noFill/>
+          </a:ln>
+        </p:spPr>
+        <p:style>
+          <a:lnRef idx="2">
+            <a:schemeClr val="accent1">
+              <a:shade val="50000"/>
+            </a:schemeClr>
+          </a:lnRef>
+          <a:fillRef idx="1">
+            <a:schemeClr val="accent1"/>
+          </a:fillRef>
+          <a:effectRef idx="0">
+            <a:schemeClr val="accent1"/>
+          </a:effectRef>
+          <a:fontRef idx="minor">
+            <a:schemeClr val="lt1"/>
+          </a:fontRef>
+        </p:style>
+        <p:txBody>
+          <a:bodyPr rot="0" spcFirstLastPara="0" vertOverflow="overflow" horzOverflow="overflow" vert="horz" wrap="square" lIns="91440" tIns="45720" rIns="91440" bIns="45720" numCol="1" spcCol="0" rtlCol="0" fromWordArt="0" anchor="ctr" anchorCtr="0" forceAA="0" compatLnSpc="1">
+            <a:prstTxWarp prst="textNoShape">
+              <a:avLst/>
+            </a:prstTxWarp>
+            <a:noAutofit/>
+          </a:bodyPr>
+          <a:lstStyle/>
+          <a:p>
+            <a:pPr algn="ctr"/>
+            <a:endParaRPr lang="en-US"/>
+          </a:p>
+        </p:txBody>
+      </p:sp>
+      <p:sp>
+        <p:nvSpPr>
+          <p:cNvPr id="113" name="TextBox 112">
+            <a:extLst>
+              <a:ext uri="{FF2B5EF4-FFF2-40B4-BE49-F238E27FC236}">
+                <a16:creationId xmlns:a16="http://schemas.microsoft.com/office/drawing/2014/main" id="{492C1A50-FD57-4744-B0CD-53CDD8539318}"/>
+              </a:ext>
+            </a:extLst>
+          </p:cNvPr>
+          <p:cNvSpPr txBox="1"/>
+          <p:nvPr/>
+        </p:nvSpPr>
+        <p:spPr>
+          <a:xfrm>
+            <a:off x="2749510" y="2958301"/>
+            <a:ext cx="555998" cy="338554"/>
+          </a:xfrm>
+          <a:prstGeom prst="rect">
+            <a:avLst/>
+          </a:prstGeom>
+          <a:noFill/>
+        </p:spPr>
+        <p:txBody>
+          <a:bodyPr wrap="square" rtlCol="0">
+            <a:spAutoFit/>
+          </a:bodyPr>
+          <a:lstStyle/>
+          <a:p>
+            <a:r>
+              <a:rPr lang="en-US" sz="1600" i="1" dirty="0" err="1">
+                <a:latin typeface="Times" pitchFamily="2" charset="0"/>
+              </a:rPr>
+              <a:t>Δg</a:t>
+            </a:r>
+            <a:endParaRPr lang="en-US" sz="1600" i="1" dirty="0"/>
+          </a:p>
+        </p:txBody>
+      </p:sp>
+      <p:sp>
+        <p:nvSpPr>
+          <p:cNvPr id="114" name="Oval 113">
+            <a:extLst>
+              <a:ext uri="{FF2B5EF4-FFF2-40B4-BE49-F238E27FC236}">
+                <a16:creationId xmlns:a16="http://schemas.microsoft.com/office/drawing/2014/main" id="{4B50DB7A-8286-5448-AE01-390666D103B2}"/>
+              </a:ext>
+            </a:extLst>
+          </p:cNvPr>
+          <p:cNvSpPr/>
+          <p:nvPr/>
+        </p:nvSpPr>
+        <p:spPr>
+          <a:xfrm flipV="1">
+            <a:off x="3101515" y="5204252"/>
+            <a:ext cx="45719" cy="45719"/>
+          </a:xfrm>
+          <a:prstGeom prst="ellipse">
+            <a:avLst/>
+          </a:prstGeom>
+          <a:solidFill>
+            <a:srgbClr val="74FA4C"/>
+          </a:solidFill>
+          <a:ln>
+            <a:noFill/>
+          </a:ln>
+        </p:spPr>
+        <p:style>
+          <a:lnRef idx="2">
+            <a:schemeClr val="accent1">
+              <a:shade val="50000"/>
+            </a:schemeClr>
+          </a:lnRef>
+          <a:fillRef idx="1">
+            <a:schemeClr val="accent1"/>
+          </a:fillRef>
+          <a:effectRef idx="0">
+            <a:schemeClr val="accent1"/>
+          </a:effectRef>
+          <a:fontRef idx="minor">
+            <a:schemeClr val="lt1"/>
+          </a:fontRef>
+        </p:style>
+        <p:txBody>
+          <a:bodyPr rot="0" spcFirstLastPara="0" vertOverflow="overflow" horzOverflow="overflow" vert="horz" wrap="square" lIns="91440" tIns="45720" rIns="91440" bIns="45720" numCol="1" spcCol="0" rtlCol="0" fromWordArt="0" anchor="ctr" anchorCtr="0" forceAA="0" compatLnSpc="1">
+            <a:prstTxWarp prst="textNoShape">
+              <a:avLst/>
+            </a:prstTxWarp>
+            <a:noAutofit/>
+          </a:bodyPr>
+          <a:lstStyle/>
+          <a:p>
+            <a:pPr algn="ctr"/>
+            <a:endParaRPr lang="en-US"/>
+          </a:p>
+        </p:txBody>
+      </p:sp>
+      <p:sp>
+        <p:nvSpPr>
+          <p:cNvPr id="115" name="TextBox 114">
+            <a:extLst>
+              <a:ext uri="{FF2B5EF4-FFF2-40B4-BE49-F238E27FC236}">
+                <a16:creationId xmlns:a16="http://schemas.microsoft.com/office/drawing/2014/main" id="{E5D7AD51-EA67-5E47-A18A-5312154A7774}"/>
+              </a:ext>
+            </a:extLst>
+          </p:cNvPr>
+          <p:cNvSpPr txBox="1"/>
+          <p:nvPr/>
+        </p:nvSpPr>
+        <p:spPr>
+          <a:xfrm>
+            <a:off x="2749510" y="5179879"/>
+            <a:ext cx="555998" cy="338554"/>
+          </a:xfrm>
+          <a:prstGeom prst="rect">
+            <a:avLst/>
+          </a:prstGeom>
+          <a:noFill/>
+        </p:spPr>
+        <p:txBody>
+          <a:bodyPr wrap="square" rtlCol="0">
+            <a:spAutoFit/>
+          </a:bodyPr>
+          <a:lstStyle/>
+          <a:p>
+            <a:r>
+              <a:rPr lang="en-US" sz="1600" i="1" dirty="0" err="1">
+                <a:latin typeface="Times" pitchFamily="2" charset="0"/>
+              </a:rPr>
+              <a:t>Δg</a:t>
+            </a:r>
+            <a:endParaRPr lang="en-US" sz="1600" i="1" dirty="0"/>
+          </a:p>
+        </p:txBody>
+      </p:sp>
+      <p:sp>
+        <p:nvSpPr>
+          <p:cNvPr id="116" name="Oval 115">
+            <a:extLst>
+              <a:ext uri="{FF2B5EF4-FFF2-40B4-BE49-F238E27FC236}">
+                <a16:creationId xmlns:a16="http://schemas.microsoft.com/office/drawing/2014/main" id="{3B38CFC0-31FF-294B-9DD2-96005FB9D3B0}"/>
+              </a:ext>
+            </a:extLst>
+          </p:cNvPr>
+          <p:cNvSpPr/>
+          <p:nvPr/>
+        </p:nvSpPr>
+        <p:spPr>
+          <a:xfrm flipV="1">
+            <a:off x="3090264" y="7391333"/>
+            <a:ext cx="45719" cy="45719"/>
+          </a:xfrm>
+          <a:prstGeom prst="ellipse">
+            <a:avLst/>
+          </a:prstGeom>
+          <a:solidFill>
+            <a:srgbClr val="74FA4C"/>
+          </a:solidFill>
+          <a:ln>
+            <a:noFill/>
+          </a:ln>
+        </p:spPr>
+        <p:style>
+          <a:lnRef idx="2">
+            <a:schemeClr val="accent1">
+              <a:shade val="50000"/>
+            </a:schemeClr>
+          </a:lnRef>
+          <a:fillRef idx="1">
+            <a:schemeClr val="accent1"/>
+          </a:fillRef>
+          <a:effectRef idx="0">
+            <a:schemeClr val="accent1"/>
+          </a:effectRef>
+          <a:fontRef idx="minor">
+            <a:schemeClr val="lt1"/>
+          </a:fontRef>
+        </p:style>
+        <p:txBody>
+          <a:bodyPr rot="0" spcFirstLastPara="0" vertOverflow="overflow" horzOverflow="overflow" vert="horz" wrap="square" lIns="91440" tIns="45720" rIns="91440" bIns="45720" numCol="1" spcCol="0" rtlCol="0" fromWordArt="0" anchor="ctr" anchorCtr="0" forceAA="0" compatLnSpc="1">
+            <a:prstTxWarp prst="textNoShape">
+              <a:avLst/>
+            </a:prstTxWarp>
+            <a:noAutofit/>
+          </a:bodyPr>
+          <a:lstStyle/>
+          <a:p>
+            <a:pPr algn="ctr"/>
+            <a:endParaRPr lang="en-US"/>
+          </a:p>
+        </p:txBody>
+      </p:sp>
+      <p:sp>
+        <p:nvSpPr>
+          <p:cNvPr id="117" name="TextBox 116">
+            <a:extLst>
+              <a:ext uri="{FF2B5EF4-FFF2-40B4-BE49-F238E27FC236}">
+                <a16:creationId xmlns:a16="http://schemas.microsoft.com/office/drawing/2014/main" id="{E8F47886-3F67-2440-A223-8FD052FF2793}"/>
+              </a:ext>
+            </a:extLst>
+          </p:cNvPr>
+          <p:cNvSpPr txBox="1"/>
+          <p:nvPr/>
+        </p:nvSpPr>
+        <p:spPr>
+          <a:xfrm>
+            <a:off x="2738259" y="7366960"/>
+            <a:ext cx="555998" cy="338554"/>
+          </a:xfrm>
+          <a:prstGeom prst="rect">
+            <a:avLst/>
+          </a:prstGeom>
+          <a:noFill/>
+        </p:spPr>
+        <p:txBody>
+          <a:bodyPr wrap="square" rtlCol="0">
+            <a:spAutoFit/>
+          </a:bodyPr>
+          <a:lstStyle/>
+          <a:p>
+            <a:r>
+              <a:rPr lang="en-US" sz="1600" i="1" dirty="0" err="1">
+                <a:latin typeface="Times" pitchFamily="2" charset="0"/>
+              </a:rPr>
+              <a:t>Δg</a:t>
+            </a:r>
+            <a:endParaRPr lang="en-US" sz="1600" i="1" dirty="0"/>
+          </a:p>
+        </p:txBody>
+      </p:sp>
+      <p:sp>
+        <p:nvSpPr>
+          <p:cNvPr id="118" name="Oval 117">
+            <a:extLst>
+              <a:ext uri="{FF2B5EF4-FFF2-40B4-BE49-F238E27FC236}">
+                <a16:creationId xmlns:a16="http://schemas.microsoft.com/office/drawing/2014/main" id="{99452B39-402F-9F4D-8042-923EBB1DD89F}"/>
+              </a:ext>
+            </a:extLst>
+          </p:cNvPr>
+          <p:cNvSpPr/>
+          <p:nvPr/>
+        </p:nvSpPr>
+        <p:spPr>
+          <a:xfrm flipV="1">
+            <a:off x="3101515" y="9498433"/>
+            <a:ext cx="45719" cy="45719"/>
+          </a:xfrm>
+          <a:prstGeom prst="ellipse">
+            <a:avLst/>
+          </a:prstGeom>
+          <a:solidFill>
+            <a:srgbClr val="74FA4C"/>
+          </a:solidFill>
+          <a:ln>
+            <a:noFill/>
+          </a:ln>
+        </p:spPr>
+        <p:style>
+          <a:lnRef idx="2">
+            <a:schemeClr val="accent1">
+              <a:shade val="50000"/>
+            </a:schemeClr>
+          </a:lnRef>
+          <a:fillRef idx="1">
+            <a:schemeClr val="accent1"/>
+          </a:fillRef>
+          <a:effectRef idx="0">
+            <a:schemeClr val="accent1"/>
+          </a:effectRef>
+          <a:fontRef idx="minor">
+            <a:schemeClr val="lt1"/>
+          </a:fontRef>
+        </p:style>
+        <p:txBody>
+          <a:bodyPr rot="0" spcFirstLastPara="0" vertOverflow="overflow" horzOverflow="overflow" vert="horz" wrap="square" lIns="91440" tIns="45720" rIns="91440" bIns="45720" numCol="1" spcCol="0" rtlCol="0" fromWordArt="0" anchor="ctr" anchorCtr="0" forceAA="0" compatLnSpc="1">
+            <a:prstTxWarp prst="textNoShape">
+              <a:avLst/>
+            </a:prstTxWarp>
+            <a:noAutofit/>
+          </a:bodyPr>
+          <a:lstStyle/>
+          <a:p>
+            <a:pPr algn="ctr"/>
+            <a:endParaRPr lang="en-US"/>
+          </a:p>
+        </p:txBody>
+      </p:sp>
+      <p:sp>
+        <p:nvSpPr>
+          <p:cNvPr id="119" name="TextBox 118">
+            <a:extLst>
+              <a:ext uri="{FF2B5EF4-FFF2-40B4-BE49-F238E27FC236}">
+                <a16:creationId xmlns:a16="http://schemas.microsoft.com/office/drawing/2014/main" id="{B5B862CC-55BC-1A4F-B7AB-58DA8924FC94}"/>
+              </a:ext>
+            </a:extLst>
+          </p:cNvPr>
+          <p:cNvSpPr txBox="1"/>
+          <p:nvPr/>
+        </p:nvSpPr>
+        <p:spPr>
+          <a:xfrm>
+            <a:off x="2749510" y="9474060"/>
+            <a:ext cx="555998" cy="338554"/>
+          </a:xfrm>
+          <a:prstGeom prst="rect">
+            <a:avLst/>
+          </a:prstGeom>
+          <a:noFill/>
+        </p:spPr>
+        <p:txBody>
+          <a:bodyPr wrap="square" rtlCol="0">
+            <a:spAutoFit/>
+          </a:bodyPr>
+          <a:lstStyle/>
+          <a:p>
+            <a:r>
+              <a:rPr lang="en-US" sz="1600" i="1" dirty="0" err="1">
+                <a:latin typeface="Times" pitchFamily="2" charset="0"/>
+              </a:rPr>
+              <a:t>Δg</a:t>
+            </a:r>
+            <a:endParaRPr lang="en-US" sz="1600" i="1" dirty="0"/>
+          </a:p>
+        </p:txBody>
+      </p:sp>
+      <p:sp>
+        <p:nvSpPr>
+          <p:cNvPr id="122" name="Oval 121">
+            <a:extLst>
+              <a:ext uri="{FF2B5EF4-FFF2-40B4-BE49-F238E27FC236}">
+                <a16:creationId xmlns:a16="http://schemas.microsoft.com/office/drawing/2014/main" id="{D6EDEEAE-ECBB-0C4A-BDB6-FA78B3491699}"/>
+              </a:ext>
+            </a:extLst>
+          </p:cNvPr>
+          <p:cNvSpPr/>
+          <p:nvPr/>
+        </p:nvSpPr>
+        <p:spPr>
+          <a:xfrm flipV="1">
+            <a:off x="3130086" y="11815061"/>
+            <a:ext cx="45719" cy="45719"/>
+          </a:xfrm>
+          <a:prstGeom prst="ellipse">
+            <a:avLst/>
+          </a:prstGeom>
+          <a:solidFill>
+            <a:srgbClr val="74FA4C"/>
+          </a:solidFill>
+          <a:ln>
+            <a:noFill/>
+          </a:ln>
+        </p:spPr>
+        <p:style>
+          <a:lnRef idx="2">
+            <a:schemeClr val="accent1">
+              <a:shade val="50000"/>
+            </a:schemeClr>
+          </a:lnRef>
+          <a:fillRef idx="1">
+            <a:schemeClr val="accent1"/>
+          </a:fillRef>
+          <a:effectRef idx="0">
+            <a:schemeClr val="accent1"/>
+          </a:effectRef>
+          <a:fontRef idx="minor">
+            <a:schemeClr val="lt1"/>
+          </a:fontRef>
+        </p:style>
+        <p:txBody>
+          <a:bodyPr rot="0" spcFirstLastPara="0" vertOverflow="overflow" horzOverflow="overflow" vert="horz" wrap="square" lIns="91440" tIns="45720" rIns="91440" bIns="45720" numCol="1" spcCol="0" rtlCol="0" fromWordArt="0" anchor="ctr" anchorCtr="0" forceAA="0" compatLnSpc="1">
+            <a:prstTxWarp prst="textNoShape">
+              <a:avLst/>
+            </a:prstTxWarp>
+            <a:noAutofit/>
+          </a:bodyPr>
+          <a:lstStyle/>
+          <a:p>
+            <a:pPr algn="ctr"/>
+            <a:endParaRPr lang="en-US"/>
+          </a:p>
+        </p:txBody>
+      </p:sp>
+      <p:sp>
+        <p:nvSpPr>
+          <p:cNvPr id="123" name="TextBox 122">
+            <a:extLst>
+              <a:ext uri="{FF2B5EF4-FFF2-40B4-BE49-F238E27FC236}">
+                <a16:creationId xmlns:a16="http://schemas.microsoft.com/office/drawing/2014/main" id="{6DC87FB7-3083-0243-B03C-1546FF6D7A1C}"/>
+              </a:ext>
+            </a:extLst>
+          </p:cNvPr>
+          <p:cNvSpPr txBox="1"/>
+          <p:nvPr/>
+        </p:nvSpPr>
+        <p:spPr>
+          <a:xfrm>
+            <a:off x="2778081" y="11790688"/>
+            <a:ext cx="555998" cy="338554"/>
+          </a:xfrm>
+          <a:prstGeom prst="rect">
+            <a:avLst/>
+          </a:prstGeom>
+          <a:noFill/>
+        </p:spPr>
+        <p:txBody>
+          <a:bodyPr wrap="square" rtlCol="0">
+            <a:spAutoFit/>
+          </a:bodyPr>
+          <a:lstStyle/>
+          <a:p>
+            <a:r>
+              <a:rPr lang="en-US" sz="1600" i="1" dirty="0" err="1">
+                <a:latin typeface="Times" pitchFamily="2" charset="0"/>
+              </a:rPr>
+              <a:t>Δg</a:t>
+            </a:r>
+            <a:endParaRPr lang="en-US" sz="1600" i="1" dirty="0"/>
           </a:p>
         </p:txBody>
       </p:sp>

--- a/journalWallFriction/pictures/pdf/differentNumSides.pptx
+++ b/journalWallFriction/pictures/pdf/differentNumSides.pptx
@@ -4536,7 +4536,7 @@
         </p:nvSpPr>
         <p:spPr>
           <a:xfrm>
-            <a:off x="141252" y="10559777"/>
+            <a:off x="144534" y="10476874"/>
             <a:ext cx="159792" cy="159792"/>
           </a:xfrm>
           <a:prstGeom prst="rect">
@@ -4599,7 +4599,7 @@
         </p:nvSpPr>
         <p:spPr>
           <a:xfrm>
-            <a:off x="301044" y="10438202"/>
+            <a:off x="301044" y="10387493"/>
             <a:ext cx="2338860" cy="338554"/>
           </a:xfrm>
           <a:prstGeom prst="rect">
@@ -4638,7 +4638,7 @@
         </p:nvSpPr>
         <p:spPr>
           <a:xfrm>
-            <a:off x="148755" y="12410911"/>
+            <a:off x="139919" y="12552427"/>
             <a:ext cx="159792" cy="159792"/>
           </a:xfrm>
           <a:prstGeom prst="rect">
@@ -4701,7 +4701,7 @@
         </p:nvSpPr>
         <p:spPr>
           <a:xfrm>
-            <a:off x="308546" y="12289336"/>
+            <a:off x="380795" y="12463046"/>
             <a:ext cx="2520111" cy="338554"/>
           </a:xfrm>
           <a:prstGeom prst="rect">

--- a/journalWallFriction/pictures/pdf/differentNumSides.pptx
+++ b/journalWallFriction/pictures/pdf/differentNumSides.pptx
@@ -243,7 +243,7 @@
           <a:p>
             <a:fld id="{BD5E1F6D-FFA6-BC44-B9B8-BBE6A1110E96}" type="datetimeFigureOut">
               <a:rPr lang="en-US" smtClean="0"/>
-              <a:t>12/6/18</a:t>
+              <a:t>12/11/18</a:t>
             </a:fld>
             <a:endParaRPr lang="en-US"/>
           </a:p>
@@ -413,7 +413,7 @@
           <a:p>
             <a:fld id="{BD5E1F6D-FFA6-BC44-B9B8-BBE6A1110E96}" type="datetimeFigureOut">
               <a:rPr lang="en-US" smtClean="0"/>
-              <a:t>12/6/18</a:t>
+              <a:t>12/11/18</a:t>
             </a:fld>
             <a:endParaRPr lang="en-US"/>
           </a:p>
@@ -593,7 +593,7 @@
           <a:p>
             <a:fld id="{BD5E1F6D-FFA6-BC44-B9B8-BBE6A1110E96}" type="datetimeFigureOut">
               <a:rPr lang="en-US" smtClean="0"/>
-              <a:t>12/6/18</a:t>
+              <a:t>12/11/18</a:t>
             </a:fld>
             <a:endParaRPr lang="en-US"/>
           </a:p>
@@ -763,7 +763,7 @@
           <a:p>
             <a:fld id="{BD5E1F6D-FFA6-BC44-B9B8-BBE6A1110E96}" type="datetimeFigureOut">
               <a:rPr lang="en-US" smtClean="0"/>
-              <a:t>12/6/18</a:t>
+              <a:t>12/11/18</a:t>
             </a:fld>
             <a:endParaRPr lang="en-US"/>
           </a:p>
@@ -1007,7 +1007,7 @@
           <a:p>
             <a:fld id="{BD5E1F6D-FFA6-BC44-B9B8-BBE6A1110E96}" type="datetimeFigureOut">
               <a:rPr lang="en-US" smtClean="0"/>
-              <a:t>12/6/18</a:t>
+              <a:t>12/11/18</a:t>
             </a:fld>
             <a:endParaRPr lang="en-US"/>
           </a:p>
@@ -1239,7 +1239,7 @@
           <a:p>
             <a:fld id="{BD5E1F6D-FFA6-BC44-B9B8-BBE6A1110E96}" type="datetimeFigureOut">
               <a:rPr lang="en-US" smtClean="0"/>
-              <a:t>12/6/18</a:t>
+              <a:t>12/11/18</a:t>
             </a:fld>
             <a:endParaRPr lang="en-US"/>
           </a:p>
@@ -1606,7 +1606,7 @@
           <a:p>
             <a:fld id="{BD5E1F6D-FFA6-BC44-B9B8-BBE6A1110E96}" type="datetimeFigureOut">
               <a:rPr lang="en-US" smtClean="0"/>
-              <a:t>12/6/18</a:t>
+              <a:t>12/11/18</a:t>
             </a:fld>
             <a:endParaRPr lang="en-US"/>
           </a:p>
@@ -1724,7 +1724,7 @@
           <a:p>
             <a:fld id="{BD5E1F6D-FFA6-BC44-B9B8-BBE6A1110E96}" type="datetimeFigureOut">
               <a:rPr lang="en-US" smtClean="0"/>
-              <a:t>12/6/18</a:t>
+              <a:t>12/11/18</a:t>
             </a:fld>
             <a:endParaRPr lang="en-US"/>
           </a:p>
@@ -1819,7 +1819,7 @@
           <a:p>
             <a:fld id="{BD5E1F6D-FFA6-BC44-B9B8-BBE6A1110E96}" type="datetimeFigureOut">
               <a:rPr lang="en-US" smtClean="0"/>
-              <a:t>12/6/18</a:t>
+              <a:t>12/11/18</a:t>
             </a:fld>
             <a:endParaRPr lang="en-US"/>
           </a:p>
@@ -2096,7 +2096,7 @@
           <a:p>
             <a:fld id="{BD5E1F6D-FFA6-BC44-B9B8-BBE6A1110E96}" type="datetimeFigureOut">
               <a:rPr lang="en-US" smtClean="0"/>
-              <a:t>12/6/18</a:t>
+              <a:t>12/11/18</a:t>
             </a:fld>
             <a:endParaRPr lang="en-US"/>
           </a:p>
@@ -2353,7 +2353,7 @@
           <a:p>
             <a:fld id="{BD5E1F6D-FFA6-BC44-B9B8-BBE6A1110E96}" type="datetimeFigureOut">
               <a:rPr lang="en-US" smtClean="0"/>
-              <a:t>12/6/18</a:t>
+              <a:t>12/11/18</a:t>
             </a:fld>
             <a:endParaRPr lang="en-US"/>
           </a:p>
@@ -2566,7 +2566,7 @@
           <a:p>
             <a:fld id="{BD5E1F6D-FFA6-BC44-B9B8-BBE6A1110E96}" type="datetimeFigureOut">
               <a:rPr lang="en-US" smtClean="0"/>
-              <a:t>12/6/18</a:t>
+              <a:t>12/11/18</a:t>
             </a:fld>
             <a:endParaRPr lang="en-US"/>
           </a:p>
@@ -2985,7 +2985,7 @@
         </p:nvSpPr>
         <p:spPr>
           <a:xfrm>
-            <a:off x="164373" y="803943"/>
+            <a:off x="122451" y="803943"/>
             <a:ext cx="683421" cy="331629"/>
           </a:xfrm>
           <a:prstGeom prst="rect">
@@ -3032,7 +3032,7 @@
         </p:nvSpPr>
         <p:spPr>
           <a:xfrm>
-            <a:off x="164373" y="2967961"/>
+            <a:off x="122451" y="2967961"/>
             <a:ext cx="683421" cy="331629"/>
           </a:xfrm>
           <a:prstGeom prst="rect">
@@ -3126,7 +3126,7 @@
         </p:nvSpPr>
         <p:spPr>
           <a:xfrm>
-            <a:off x="164373" y="7408780"/>
+            <a:off x="122451" y="7231356"/>
             <a:ext cx="683421" cy="331629"/>
           </a:xfrm>
           <a:prstGeom prst="rect">
@@ -3159,8 +3159,8 @@
           </a:p>
         </p:txBody>
       </p:sp>
-      <mc:AlternateContent xmlns:mc="http://schemas.openxmlformats.org/markup-compatibility/2006">
-        <mc:Choice xmlns:a14="http://schemas.microsoft.com/office/drawing/2010/main" Requires="a14">
+      <mc:AlternateContent xmlns:mc="http://schemas.openxmlformats.org/markup-compatibility/2006" xmlns:a14="http://schemas.microsoft.com/office/drawing/2010/main">
+        <mc:Choice Requires="a14">
           <p:sp>
             <p:nvSpPr>
               <p:cNvPr id="78" name="TextBox 77">
@@ -3175,7 +3175,7 @@
             </p:nvSpPr>
             <p:spPr>
               <a:xfrm>
-                <a:off x="122451" y="9465473"/>
+                <a:off x="122451" y="9397233"/>
                 <a:ext cx="1020894" cy="570926"/>
               </a:xfrm>
               <a:prstGeom prst="rect">
@@ -3241,7 +3241,7 @@
             </p:txBody>
           </p:sp>
         </mc:Choice>
-        <mc:Fallback>
+        <mc:Fallback xmlns="">
           <p:sp>
             <p:nvSpPr>
               <p:cNvPr id="78" name="TextBox 77">
@@ -3258,7 +3258,7 @@
             </p:nvSpPr>
             <p:spPr>
               <a:xfrm>
-                <a:off x="122451" y="9465473"/>
+                <a:off x="122451" y="9397233"/>
                 <a:ext cx="1020894" cy="570926"/>
               </a:xfrm>
               <a:prstGeom prst="rect">
@@ -3267,7 +3267,7 @@
               <a:blipFill>
                 <a:blip r:embed="rId2"/>
                 <a:stretch>
-                  <a:fillRect l="-2469"/>
+                  <a:fillRect l="-2469" t="-2174"/>
                 </a:stretch>
               </a:blipFill>
             </p:spPr>
@@ -3286,8 +3286,8 @@
           </p:sp>
         </mc:Fallback>
       </mc:AlternateContent>
-      <mc:AlternateContent xmlns:mc="http://schemas.openxmlformats.org/markup-compatibility/2006">
-        <mc:Choice xmlns:a14="http://schemas.microsoft.com/office/drawing/2010/main" Requires="a14">
+      <mc:AlternateContent xmlns:mc="http://schemas.openxmlformats.org/markup-compatibility/2006" xmlns:a14="http://schemas.microsoft.com/office/drawing/2010/main">
+        <mc:Choice Requires="a14">
           <p:sp>
             <p:nvSpPr>
               <p:cNvPr id="79" name="TextBox 78">
@@ -3302,7 +3302,7 @@
             </p:nvSpPr>
             <p:spPr>
               <a:xfrm>
-                <a:off x="150519" y="11632220"/>
+                <a:off x="122451" y="11523036"/>
                 <a:ext cx="697275" cy="570926"/>
               </a:xfrm>
               <a:prstGeom prst="rect">
@@ -3360,7 +3360,7 @@
             </p:txBody>
           </p:sp>
         </mc:Choice>
-        <mc:Fallback>
+        <mc:Fallback xmlns="">
           <p:sp>
             <p:nvSpPr>
               <p:cNvPr id="79" name="TextBox 78">
@@ -3377,7 +3377,7 @@
             </p:nvSpPr>
             <p:spPr>
               <a:xfrm>
-                <a:off x="150519" y="11632220"/>
+                <a:off x="122451" y="11523036"/>
                 <a:ext cx="697275" cy="570926"/>
               </a:xfrm>
               <a:prstGeom prst="rect">
@@ -3386,7 +3386,7 @@
               <a:blipFill>
                 <a:blip r:embed="rId3"/>
                 <a:stretch>
-                  <a:fillRect l="-5455" t="-2174"/>
+                  <a:fillRect l="-3571" t="-2174"/>
                 </a:stretch>
               </a:blipFill>
             </p:spPr>
@@ -4076,7 +4076,7 @@
               <a:rPr lang="en-US" sz="1600" dirty="0">
                 <a:latin typeface="Times" pitchFamily="2" charset="0"/>
               </a:rPr>
-              <a:t>=    −  </a:t>
+              <a:t>=     −  </a:t>
             </a:r>
           </a:p>
           <a:p>
@@ -4102,7 +4102,7 @@
               <a:rPr lang="en-US" sz="1600" dirty="0">
                 <a:latin typeface="Times" pitchFamily="2" charset="0"/>
               </a:rPr>
-              <a:t>=    −  </a:t>
+              <a:t>=     −  </a:t>
             </a:r>
           </a:p>
           <a:p>
@@ -4263,7 +4263,7 @@
         </p:nvSpPr>
         <p:spPr>
           <a:xfrm>
-            <a:off x="141252" y="3954710"/>
+            <a:off x="221003" y="3922516"/>
             <a:ext cx="159792" cy="159792"/>
           </a:xfrm>
           <a:prstGeom prst="rect">
@@ -4326,7 +4326,7 @@
         </p:nvSpPr>
         <p:spPr>
           <a:xfrm>
-            <a:off x="691857" y="1658059"/>
+            <a:off x="760097" y="1656922"/>
             <a:ext cx="149752" cy="149752"/>
           </a:xfrm>
           <a:prstGeom prst="rect">
@@ -4383,7 +4383,7 @@
         </p:nvSpPr>
         <p:spPr>
           <a:xfrm>
-            <a:off x="1464153" y="1655785"/>
+            <a:off x="1515912" y="1656922"/>
             <a:ext cx="149752" cy="149752"/>
           </a:xfrm>
           <a:prstGeom prst="rect">
@@ -4440,7 +4440,7 @@
         </p:nvSpPr>
         <p:spPr>
           <a:xfrm>
-            <a:off x="1135173" y="1655785"/>
+            <a:off x="1176117" y="1656922"/>
             <a:ext cx="149752" cy="149752"/>
           </a:xfrm>
           <a:prstGeom prst="rect">
@@ -4497,7 +4497,7 @@
         </p:nvSpPr>
         <p:spPr>
           <a:xfrm>
-            <a:off x="301044" y="3833135"/>
+            <a:off x="415347" y="3833135"/>
             <a:ext cx="2338860" cy="338554"/>
           </a:xfrm>
           <a:prstGeom prst="rect">
@@ -4536,7 +4536,7 @@
         </p:nvSpPr>
         <p:spPr>
           <a:xfrm>
-            <a:off x="144534" y="10476874"/>
+            <a:off x="221003" y="10476874"/>
             <a:ext cx="159792" cy="159792"/>
           </a:xfrm>
           <a:prstGeom prst="rect">
@@ -4599,7 +4599,7 @@
         </p:nvSpPr>
         <p:spPr>
           <a:xfrm>
-            <a:off x="301044" y="10387493"/>
+            <a:off x="415347" y="10387493"/>
             <a:ext cx="2338860" cy="338554"/>
           </a:xfrm>
           <a:prstGeom prst="rect">
@@ -4638,7 +4638,7 @@
         </p:nvSpPr>
         <p:spPr>
           <a:xfrm>
-            <a:off x="139919" y="12552427"/>
+            <a:off x="221003" y="12552427"/>
             <a:ext cx="159792" cy="159792"/>
           </a:xfrm>
           <a:prstGeom prst="rect">
@@ -4701,7 +4701,7 @@
         </p:nvSpPr>
         <p:spPr>
           <a:xfrm>
-            <a:off x="380795" y="12463046"/>
+            <a:off x="415347" y="12463046"/>
             <a:ext cx="2520111" cy="338554"/>
           </a:xfrm>
           <a:prstGeom prst="rect">
@@ -4740,7 +4740,7 @@
         </p:nvSpPr>
         <p:spPr>
           <a:xfrm>
-            <a:off x="1464153" y="1873763"/>
+            <a:off x="1505097" y="1888482"/>
             <a:ext cx="171382" cy="171382"/>
           </a:xfrm>
           <a:prstGeom prst="ellipse">
@@ -4797,7 +4797,7 @@
         </p:nvSpPr>
         <p:spPr>
           <a:xfrm>
-            <a:off x="1120091" y="1884914"/>
+            <a:off x="1161035" y="1884215"/>
             <a:ext cx="179916" cy="179916"/>
           </a:xfrm>
           <a:prstGeom prst="ellipse">
@@ -4854,7 +4854,7 @@
         </p:nvSpPr>
         <p:spPr>
           <a:xfrm>
-            <a:off x="683292" y="1894667"/>
+            <a:off x="751532" y="1884215"/>
             <a:ext cx="179916" cy="179916"/>
           </a:xfrm>
           <a:prstGeom prst="ellipse">
@@ -4968,7 +4968,7 @@
         </p:nvSpPr>
         <p:spPr>
           <a:xfrm>
-            <a:off x="2742679" y="866449"/>
+            <a:off x="2749510" y="793165"/>
             <a:ext cx="555998" cy="338554"/>
           </a:xfrm>
           <a:prstGeom prst="rect">
@@ -5063,7 +5063,7 @@
         </p:nvSpPr>
         <p:spPr>
           <a:xfrm>
-            <a:off x="2749510" y="2958301"/>
+            <a:off x="2727723" y="2868969"/>
             <a:ext cx="555998" cy="338554"/>
           </a:xfrm>
           <a:prstGeom prst="rect">
@@ -5158,7 +5158,7 @@
         </p:nvSpPr>
         <p:spPr>
           <a:xfrm>
-            <a:off x="2749510" y="5179879"/>
+            <a:off x="2771959" y="4965431"/>
             <a:ext cx="555998" cy="338554"/>
           </a:xfrm>
           <a:prstGeom prst="rect">
@@ -5253,7 +5253,7 @@
         </p:nvSpPr>
         <p:spPr>
           <a:xfrm>
-            <a:off x="2738259" y="7366960"/>
+            <a:off x="2704288" y="7160236"/>
             <a:ext cx="555998" cy="338554"/>
           </a:xfrm>
           <a:prstGeom prst="rect">
@@ -5348,7 +5348,7 @@
         </p:nvSpPr>
         <p:spPr>
           <a:xfrm>
-            <a:off x="2749510" y="9474060"/>
+            <a:off x="2734853" y="9398682"/>
             <a:ext cx="555998" cy="338554"/>
           </a:xfrm>
           <a:prstGeom prst="rect">
@@ -5443,7 +5443,7 @@
         </p:nvSpPr>
         <p:spPr>
           <a:xfrm>
-            <a:off x="2778081" y="11790688"/>
+            <a:off x="2963733" y="11557884"/>
             <a:ext cx="555998" cy="338554"/>
           </a:xfrm>
           <a:prstGeom prst="rect">
@@ -5464,6 +5464,620 @@
               <a:t>Δg</a:t>
             </a:r>
             <a:endParaRPr lang="en-US" sz="1600" i="1" dirty="0"/>
+          </a:p>
+        </p:txBody>
+      </p:sp>
+      <p:sp>
+        <p:nvSpPr>
+          <p:cNvPr id="55" name="TextBox 54">
+            <a:extLst>
+              <a:ext uri="{FF2B5EF4-FFF2-40B4-BE49-F238E27FC236}">
+                <a16:creationId xmlns:a16="http://schemas.microsoft.com/office/drawing/2014/main" id="{B0909CBE-D191-1A46-9179-4603ED28285D}"/>
+              </a:ext>
+            </a:extLst>
+          </p:cNvPr>
+          <p:cNvSpPr txBox="1"/>
+          <p:nvPr/>
+        </p:nvSpPr>
+        <p:spPr>
+          <a:xfrm>
+            <a:off x="3705383" y="11751863"/>
+            <a:ext cx="555998" cy="338554"/>
+          </a:xfrm>
+          <a:prstGeom prst="rect">
+            <a:avLst/>
+          </a:prstGeom>
+          <a:noFill/>
+        </p:spPr>
+        <p:txBody>
+          <a:bodyPr wrap="square" rtlCol="0">
+            <a:spAutoFit/>
+          </a:bodyPr>
+          <a:lstStyle/>
+          <a:p>
+            <a:r>
+              <a:rPr lang="en-US" sz="1600" i="1" dirty="0" err="1">
+                <a:latin typeface="Times" pitchFamily="2" charset="0"/>
+              </a:rPr>
+              <a:t>Δs</a:t>
+            </a:r>
+            <a:endParaRPr lang="en-US" sz="1600" i="1" dirty="0"/>
+          </a:p>
+        </p:txBody>
+      </p:sp>
+      <p:sp>
+        <p:nvSpPr>
+          <p:cNvPr id="53" name="TextBox 52">
+            <a:extLst>
+              <a:ext uri="{FF2B5EF4-FFF2-40B4-BE49-F238E27FC236}">
+                <a16:creationId xmlns:a16="http://schemas.microsoft.com/office/drawing/2014/main" id="{B73BE0D3-DFA9-B24F-BBF3-D4664390BCDB}"/>
+              </a:ext>
+            </a:extLst>
+          </p:cNvPr>
+          <p:cNvSpPr txBox="1"/>
+          <p:nvPr/>
+        </p:nvSpPr>
+        <p:spPr>
+          <a:xfrm>
+            <a:off x="2771959" y="5170389"/>
+            <a:ext cx="555998" cy="338554"/>
+          </a:xfrm>
+          <a:prstGeom prst="rect">
+            <a:avLst/>
+          </a:prstGeom>
+          <a:noFill/>
+        </p:spPr>
+        <p:txBody>
+          <a:bodyPr wrap="square" rtlCol="0">
+            <a:spAutoFit/>
+          </a:bodyPr>
+          <a:lstStyle/>
+          <a:p>
+            <a:r>
+              <a:rPr lang="en-US" sz="1600" i="1" dirty="0" err="1">
+                <a:latin typeface="Times" pitchFamily="2" charset="0"/>
+              </a:rPr>
+              <a:t>Δg</a:t>
+            </a:r>
+            <a:r>
+              <a:rPr lang="en-US" sz="1600" i="1" baseline="-25000" dirty="0" err="1">
+                <a:latin typeface="Times" pitchFamily="2" charset="0"/>
+              </a:rPr>
+              <a:t>c</a:t>
+            </a:r>
+            <a:endParaRPr lang="en-US" sz="1600" i="1" dirty="0"/>
+          </a:p>
+        </p:txBody>
+      </p:sp>
+      <p:sp>
+        <p:nvSpPr>
+          <p:cNvPr id="2" name="Triangle 1">
+            <a:extLst>
+              <a:ext uri="{FF2B5EF4-FFF2-40B4-BE49-F238E27FC236}">
+                <a16:creationId xmlns:a16="http://schemas.microsoft.com/office/drawing/2014/main" id="{7D3D3DE5-C354-8147-B542-462BDD6D8CC3}"/>
+              </a:ext>
+            </a:extLst>
+          </p:cNvPr>
+          <p:cNvSpPr/>
+          <p:nvPr/>
+        </p:nvSpPr>
+        <p:spPr>
+          <a:xfrm>
+            <a:off x="3136883" y="5264779"/>
+            <a:ext cx="53034" cy="45719"/>
+          </a:xfrm>
+          <a:prstGeom prst="triangle">
+            <a:avLst/>
+          </a:prstGeom>
+          <a:solidFill>
+            <a:srgbClr val="6EFA63"/>
+          </a:solidFill>
+          <a:ln>
+            <a:noFill/>
+          </a:ln>
+        </p:spPr>
+        <p:style>
+          <a:lnRef idx="2">
+            <a:schemeClr val="accent1">
+              <a:shade val="50000"/>
+            </a:schemeClr>
+          </a:lnRef>
+          <a:fillRef idx="1">
+            <a:schemeClr val="accent1"/>
+          </a:fillRef>
+          <a:effectRef idx="0">
+            <a:schemeClr val="accent1"/>
+          </a:effectRef>
+          <a:fontRef idx="minor">
+            <a:schemeClr val="lt1"/>
+          </a:fontRef>
+        </p:style>
+        <p:txBody>
+          <a:bodyPr rtlCol="0" anchor="ctr"/>
+          <a:lstStyle/>
+          <a:p>
+            <a:pPr algn="ctr"/>
+            <a:endParaRPr lang="en-US"/>
+          </a:p>
+        </p:txBody>
+      </p:sp>
+      <p:sp>
+        <p:nvSpPr>
+          <p:cNvPr id="56" name="TextBox 55">
+            <a:extLst>
+              <a:ext uri="{FF2B5EF4-FFF2-40B4-BE49-F238E27FC236}">
+                <a16:creationId xmlns:a16="http://schemas.microsoft.com/office/drawing/2014/main" id="{4F2EB497-BFB6-B840-9F8E-7E0E6C8C5761}"/>
+              </a:ext>
+            </a:extLst>
+          </p:cNvPr>
+          <p:cNvSpPr txBox="1"/>
+          <p:nvPr/>
+        </p:nvSpPr>
+        <p:spPr>
+          <a:xfrm>
+            <a:off x="2707588" y="2633767"/>
+            <a:ext cx="555998" cy="338554"/>
+          </a:xfrm>
+          <a:prstGeom prst="rect">
+            <a:avLst/>
+          </a:prstGeom>
+          <a:noFill/>
+        </p:spPr>
+        <p:txBody>
+          <a:bodyPr wrap="square" rtlCol="0">
+            <a:spAutoFit/>
+          </a:bodyPr>
+          <a:lstStyle/>
+          <a:p>
+            <a:r>
+              <a:rPr lang="en-US" sz="1600" i="1" dirty="0" err="1">
+                <a:latin typeface="Times" pitchFamily="2" charset="0"/>
+              </a:rPr>
+              <a:t>Δg</a:t>
+            </a:r>
+            <a:r>
+              <a:rPr lang="en-US" sz="1600" i="1" baseline="-25000" dirty="0" err="1">
+                <a:latin typeface="Times" pitchFamily="2" charset="0"/>
+              </a:rPr>
+              <a:t>c</a:t>
+            </a:r>
+            <a:endParaRPr lang="en-US" sz="1600" i="1" dirty="0"/>
+          </a:p>
+        </p:txBody>
+      </p:sp>
+      <p:sp>
+        <p:nvSpPr>
+          <p:cNvPr id="57" name="Triangle 56">
+            <a:extLst>
+              <a:ext uri="{FF2B5EF4-FFF2-40B4-BE49-F238E27FC236}">
+                <a16:creationId xmlns:a16="http://schemas.microsoft.com/office/drawing/2014/main" id="{932FD07A-B183-5F4D-8F02-0DCEB03F1E55}"/>
+              </a:ext>
+            </a:extLst>
+          </p:cNvPr>
+          <p:cNvSpPr/>
+          <p:nvPr/>
+        </p:nvSpPr>
+        <p:spPr>
+          <a:xfrm>
+            <a:off x="3154964" y="2917067"/>
+            <a:ext cx="53034" cy="45719"/>
+          </a:xfrm>
+          <a:prstGeom prst="triangle">
+            <a:avLst/>
+          </a:prstGeom>
+          <a:solidFill>
+            <a:srgbClr val="6EFA63"/>
+          </a:solidFill>
+          <a:ln>
+            <a:noFill/>
+          </a:ln>
+        </p:spPr>
+        <p:style>
+          <a:lnRef idx="2">
+            <a:schemeClr val="accent1">
+              <a:shade val="50000"/>
+            </a:schemeClr>
+          </a:lnRef>
+          <a:fillRef idx="1">
+            <a:schemeClr val="accent1"/>
+          </a:fillRef>
+          <a:effectRef idx="0">
+            <a:schemeClr val="accent1"/>
+          </a:effectRef>
+          <a:fontRef idx="minor">
+            <a:schemeClr val="lt1"/>
+          </a:fontRef>
+        </p:style>
+        <p:txBody>
+          <a:bodyPr rtlCol="0" anchor="ctr"/>
+          <a:lstStyle/>
+          <a:p>
+            <a:pPr algn="ctr"/>
+            <a:endParaRPr lang="en-US"/>
+          </a:p>
+        </p:txBody>
+      </p:sp>
+      <p:sp>
+        <p:nvSpPr>
+          <p:cNvPr id="58" name="TextBox 57">
+            <a:extLst>
+              <a:ext uri="{FF2B5EF4-FFF2-40B4-BE49-F238E27FC236}">
+                <a16:creationId xmlns:a16="http://schemas.microsoft.com/office/drawing/2014/main" id="{63BD134E-DE9C-8942-A1AF-594DB19DAE95}"/>
+              </a:ext>
+            </a:extLst>
+          </p:cNvPr>
+          <p:cNvSpPr txBox="1"/>
+          <p:nvPr/>
+        </p:nvSpPr>
+        <p:spPr>
+          <a:xfrm>
+            <a:off x="2952964" y="449789"/>
+            <a:ext cx="555998" cy="338554"/>
+          </a:xfrm>
+          <a:prstGeom prst="rect">
+            <a:avLst/>
+          </a:prstGeom>
+          <a:noFill/>
+        </p:spPr>
+        <p:txBody>
+          <a:bodyPr wrap="square" rtlCol="0">
+            <a:spAutoFit/>
+          </a:bodyPr>
+          <a:lstStyle/>
+          <a:p>
+            <a:r>
+              <a:rPr lang="en-US" sz="1600" i="1" dirty="0" err="1">
+                <a:latin typeface="Times" pitchFamily="2" charset="0"/>
+              </a:rPr>
+              <a:t>Δg</a:t>
+            </a:r>
+            <a:r>
+              <a:rPr lang="en-US" sz="1600" i="1" baseline="-25000" dirty="0" err="1">
+                <a:latin typeface="Times" pitchFamily="2" charset="0"/>
+              </a:rPr>
+              <a:t>c</a:t>
+            </a:r>
+            <a:endParaRPr lang="en-US" sz="1600" i="1" dirty="0"/>
+          </a:p>
+        </p:txBody>
+      </p:sp>
+      <p:sp>
+        <p:nvSpPr>
+          <p:cNvPr id="59" name="Triangle 58">
+            <a:extLst>
+              <a:ext uri="{FF2B5EF4-FFF2-40B4-BE49-F238E27FC236}">
+                <a16:creationId xmlns:a16="http://schemas.microsoft.com/office/drawing/2014/main" id="{A987F844-0FA7-4E4B-8712-407E62F36C45}"/>
+              </a:ext>
+            </a:extLst>
+          </p:cNvPr>
+          <p:cNvSpPr/>
+          <p:nvPr/>
+        </p:nvSpPr>
+        <p:spPr>
+          <a:xfrm>
+            <a:off x="3116155" y="838986"/>
+            <a:ext cx="53034" cy="45719"/>
+          </a:xfrm>
+          <a:prstGeom prst="triangle">
+            <a:avLst/>
+          </a:prstGeom>
+          <a:solidFill>
+            <a:srgbClr val="6EFA63"/>
+          </a:solidFill>
+          <a:ln>
+            <a:noFill/>
+          </a:ln>
+        </p:spPr>
+        <p:style>
+          <a:lnRef idx="2">
+            <a:schemeClr val="accent1">
+              <a:shade val="50000"/>
+            </a:schemeClr>
+          </a:lnRef>
+          <a:fillRef idx="1">
+            <a:schemeClr val="accent1"/>
+          </a:fillRef>
+          <a:effectRef idx="0">
+            <a:schemeClr val="accent1"/>
+          </a:effectRef>
+          <a:fontRef idx="minor">
+            <a:schemeClr val="lt1"/>
+          </a:fontRef>
+        </p:style>
+        <p:txBody>
+          <a:bodyPr rtlCol="0" anchor="ctr"/>
+          <a:lstStyle/>
+          <a:p>
+            <a:pPr algn="ctr"/>
+            <a:endParaRPr lang="en-US"/>
+          </a:p>
+        </p:txBody>
+      </p:sp>
+      <p:sp>
+        <p:nvSpPr>
+          <p:cNvPr id="60" name="TextBox 59">
+            <a:extLst>
+              <a:ext uri="{FF2B5EF4-FFF2-40B4-BE49-F238E27FC236}">
+                <a16:creationId xmlns:a16="http://schemas.microsoft.com/office/drawing/2014/main" id="{739848A1-EB8B-1B4E-B789-5247968CF8AA}"/>
+              </a:ext>
+            </a:extLst>
+          </p:cNvPr>
+          <p:cNvSpPr txBox="1"/>
+          <p:nvPr/>
+        </p:nvSpPr>
+        <p:spPr>
+          <a:xfrm>
+            <a:off x="2691320" y="7369767"/>
+            <a:ext cx="555998" cy="338554"/>
+          </a:xfrm>
+          <a:prstGeom prst="rect">
+            <a:avLst/>
+          </a:prstGeom>
+          <a:noFill/>
+        </p:spPr>
+        <p:txBody>
+          <a:bodyPr wrap="square" rtlCol="0">
+            <a:spAutoFit/>
+          </a:bodyPr>
+          <a:lstStyle/>
+          <a:p>
+            <a:r>
+              <a:rPr lang="en-US" sz="1600" i="1" dirty="0" err="1">
+                <a:latin typeface="Times" pitchFamily="2" charset="0"/>
+              </a:rPr>
+              <a:t>Δg</a:t>
+            </a:r>
+            <a:r>
+              <a:rPr lang="en-US" sz="1600" i="1" baseline="-25000" dirty="0" err="1">
+                <a:latin typeface="Times" pitchFamily="2" charset="0"/>
+              </a:rPr>
+              <a:t>c</a:t>
+            </a:r>
+            <a:endParaRPr lang="en-US" sz="1600" i="1" dirty="0"/>
+          </a:p>
+        </p:txBody>
+      </p:sp>
+      <p:sp>
+        <p:nvSpPr>
+          <p:cNvPr id="61" name="Triangle 60">
+            <a:extLst>
+              <a:ext uri="{FF2B5EF4-FFF2-40B4-BE49-F238E27FC236}">
+                <a16:creationId xmlns:a16="http://schemas.microsoft.com/office/drawing/2014/main" id="{0F217315-5069-8D44-AB92-89BBA4C35F60}"/>
+              </a:ext>
+            </a:extLst>
+          </p:cNvPr>
+          <p:cNvSpPr/>
+          <p:nvPr/>
+        </p:nvSpPr>
+        <p:spPr>
+          <a:xfrm>
+            <a:off x="3154964" y="7564402"/>
+            <a:ext cx="53034" cy="45719"/>
+          </a:xfrm>
+          <a:prstGeom prst="triangle">
+            <a:avLst/>
+          </a:prstGeom>
+          <a:solidFill>
+            <a:srgbClr val="6EFA63"/>
+          </a:solidFill>
+          <a:ln>
+            <a:noFill/>
+          </a:ln>
+        </p:spPr>
+        <p:style>
+          <a:lnRef idx="2">
+            <a:schemeClr val="accent1">
+              <a:shade val="50000"/>
+            </a:schemeClr>
+          </a:lnRef>
+          <a:fillRef idx="1">
+            <a:schemeClr val="accent1"/>
+          </a:fillRef>
+          <a:effectRef idx="0">
+            <a:schemeClr val="accent1"/>
+          </a:effectRef>
+          <a:fontRef idx="minor">
+            <a:schemeClr val="lt1"/>
+          </a:fontRef>
+        </p:style>
+        <p:txBody>
+          <a:bodyPr rtlCol="0" anchor="ctr"/>
+          <a:lstStyle/>
+          <a:p>
+            <a:pPr algn="ctr"/>
+            <a:endParaRPr lang="en-US"/>
+          </a:p>
+        </p:txBody>
+      </p:sp>
+      <p:sp>
+        <p:nvSpPr>
+          <p:cNvPr id="62" name="TextBox 61">
+            <a:extLst>
+              <a:ext uri="{FF2B5EF4-FFF2-40B4-BE49-F238E27FC236}">
+                <a16:creationId xmlns:a16="http://schemas.microsoft.com/office/drawing/2014/main" id="{BB0F9404-759D-064D-AF0C-AABAD1431ECC}"/>
+              </a:ext>
+            </a:extLst>
+          </p:cNvPr>
+          <p:cNvSpPr txBox="1"/>
+          <p:nvPr/>
+        </p:nvSpPr>
+        <p:spPr>
+          <a:xfrm>
+            <a:off x="2835124" y="9201526"/>
+            <a:ext cx="555998" cy="338554"/>
+          </a:xfrm>
+          <a:prstGeom prst="rect">
+            <a:avLst/>
+          </a:prstGeom>
+          <a:noFill/>
+        </p:spPr>
+        <p:txBody>
+          <a:bodyPr wrap="square" rtlCol="0">
+            <a:spAutoFit/>
+          </a:bodyPr>
+          <a:lstStyle/>
+          <a:p>
+            <a:r>
+              <a:rPr lang="en-US" sz="1600" i="1" dirty="0" err="1">
+                <a:latin typeface="Times" pitchFamily="2" charset="0"/>
+              </a:rPr>
+              <a:t>Δg</a:t>
+            </a:r>
+            <a:r>
+              <a:rPr lang="en-US" sz="1600" i="1" baseline="-25000" dirty="0" err="1">
+                <a:latin typeface="Times" pitchFamily="2" charset="0"/>
+              </a:rPr>
+              <a:t>c</a:t>
+            </a:r>
+            <a:endParaRPr lang="en-US" sz="1600" i="1" dirty="0"/>
+          </a:p>
+        </p:txBody>
+      </p:sp>
+      <p:sp>
+        <p:nvSpPr>
+          <p:cNvPr id="63" name="Triangle 62">
+            <a:extLst>
+              <a:ext uri="{FF2B5EF4-FFF2-40B4-BE49-F238E27FC236}">
+                <a16:creationId xmlns:a16="http://schemas.microsoft.com/office/drawing/2014/main" id="{1966711A-5A1E-5145-B003-552E145D313D}"/>
+              </a:ext>
+            </a:extLst>
+          </p:cNvPr>
+          <p:cNvSpPr/>
+          <p:nvPr/>
+        </p:nvSpPr>
+        <p:spPr>
+          <a:xfrm>
+            <a:off x="3245384" y="9443843"/>
+            <a:ext cx="53034" cy="45719"/>
+          </a:xfrm>
+          <a:prstGeom prst="triangle">
+            <a:avLst/>
+          </a:prstGeom>
+          <a:solidFill>
+            <a:srgbClr val="6EFA63"/>
+          </a:solidFill>
+          <a:ln>
+            <a:noFill/>
+          </a:ln>
+        </p:spPr>
+        <p:style>
+          <a:lnRef idx="2">
+            <a:schemeClr val="accent1">
+              <a:shade val="50000"/>
+            </a:schemeClr>
+          </a:lnRef>
+          <a:fillRef idx="1">
+            <a:schemeClr val="accent1"/>
+          </a:fillRef>
+          <a:effectRef idx="0">
+            <a:schemeClr val="accent1"/>
+          </a:effectRef>
+          <a:fontRef idx="minor">
+            <a:schemeClr val="lt1"/>
+          </a:fontRef>
+        </p:style>
+        <p:txBody>
+          <a:bodyPr rtlCol="0" anchor="ctr"/>
+          <a:lstStyle/>
+          <a:p>
+            <a:pPr algn="ctr"/>
+            <a:endParaRPr lang="en-US"/>
+          </a:p>
+        </p:txBody>
+      </p:sp>
+      <p:sp>
+        <p:nvSpPr>
+          <p:cNvPr id="64" name="TextBox 63">
+            <a:extLst>
+              <a:ext uri="{FF2B5EF4-FFF2-40B4-BE49-F238E27FC236}">
+                <a16:creationId xmlns:a16="http://schemas.microsoft.com/office/drawing/2014/main" id="{235C1D58-EEF7-CF46-93D2-26E43C397483}"/>
+              </a:ext>
+            </a:extLst>
+          </p:cNvPr>
+          <p:cNvSpPr txBox="1"/>
+          <p:nvPr/>
+        </p:nvSpPr>
+        <p:spPr>
+          <a:xfrm>
+            <a:off x="3144546" y="11829153"/>
+            <a:ext cx="555998" cy="338554"/>
+          </a:xfrm>
+          <a:prstGeom prst="rect">
+            <a:avLst/>
+          </a:prstGeom>
+          <a:noFill/>
+        </p:spPr>
+        <p:txBody>
+          <a:bodyPr wrap="square" rtlCol="0">
+            <a:spAutoFit/>
+          </a:bodyPr>
+          <a:lstStyle/>
+          <a:p>
+            <a:r>
+              <a:rPr lang="en-US" sz="1600" i="1" dirty="0" err="1">
+                <a:latin typeface="Times" pitchFamily="2" charset="0"/>
+              </a:rPr>
+              <a:t>Δg</a:t>
+            </a:r>
+            <a:r>
+              <a:rPr lang="en-US" sz="1600" i="1" baseline="-25000" dirty="0" err="1">
+                <a:latin typeface="Times" pitchFamily="2" charset="0"/>
+              </a:rPr>
+              <a:t>c</a:t>
+            </a:r>
+            <a:endParaRPr lang="en-US" sz="1600" i="1" dirty="0"/>
+          </a:p>
+        </p:txBody>
+      </p:sp>
+      <p:sp>
+        <p:nvSpPr>
+          <p:cNvPr id="65" name="Triangle 64">
+            <a:extLst>
+              <a:ext uri="{FF2B5EF4-FFF2-40B4-BE49-F238E27FC236}">
+                <a16:creationId xmlns:a16="http://schemas.microsoft.com/office/drawing/2014/main" id="{6A6F86FB-0F7E-1542-A3BD-0691EF095462}"/>
+              </a:ext>
+            </a:extLst>
+          </p:cNvPr>
+          <p:cNvSpPr/>
+          <p:nvPr/>
+        </p:nvSpPr>
+        <p:spPr>
+          <a:xfrm>
+            <a:off x="3249222" y="11901081"/>
+            <a:ext cx="53034" cy="45719"/>
+          </a:xfrm>
+          <a:prstGeom prst="triangle">
+            <a:avLst/>
+          </a:prstGeom>
+          <a:solidFill>
+            <a:srgbClr val="6EFA63"/>
+          </a:solidFill>
+          <a:ln>
+            <a:noFill/>
+          </a:ln>
+        </p:spPr>
+        <p:style>
+          <a:lnRef idx="2">
+            <a:schemeClr val="accent1">
+              <a:shade val="50000"/>
+            </a:schemeClr>
+          </a:lnRef>
+          <a:fillRef idx="1">
+            <a:schemeClr val="accent1"/>
+          </a:fillRef>
+          <a:effectRef idx="0">
+            <a:schemeClr val="accent1"/>
+          </a:effectRef>
+          <a:fontRef idx="minor">
+            <a:schemeClr val="lt1"/>
+          </a:fontRef>
+        </p:style>
+        <p:txBody>
+          <a:bodyPr rtlCol="0" anchor="ctr"/>
+          <a:lstStyle/>
+          <a:p>
+            <a:pPr algn="ctr"/>
+            <a:endParaRPr lang="en-US"/>
           </a:p>
         </p:txBody>
       </p:sp>
